--- a/TANGLATEC internship project plan.pptx
+++ b/TANGLATEC internship project plan.pptx
@@ -5,13 +5,14 @@
     <p:sldMasterId id="2147483648" r:id="rId1"/>
   </p:sldMasterIdLst>
   <p:sldIdLst>
-    <p:sldId id="256" r:id="rId2"/>
-    <p:sldId id="257" r:id="rId3"/>
-    <p:sldId id="258" r:id="rId4"/>
-    <p:sldId id="259" r:id="rId5"/>
-    <p:sldId id="260" r:id="rId6"/>
-    <p:sldId id="261" r:id="rId7"/>
-    <p:sldId id="262" r:id="rId8"/>
+    <p:sldId id="263" r:id="rId2"/>
+    <p:sldId id="256" r:id="rId3"/>
+    <p:sldId id="257" r:id="rId4"/>
+    <p:sldId id="258" r:id="rId5"/>
+    <p:sldId id="259" r:id="rId6"/>
+    <p:sldId id="260" r:id="rId7"/>
+    <p:sldId id="261" r:id="rId8"/>
+    <p:sldId id="262" r:id="rId9"/>
   </p:sldIdLst>
   <p:sldSz cx="12192000" cy="6858000"/>
   <p:notesSz cx="6858000" cy="9144000"/>
@@ -118,6 +119,5035 @@
 </p:presentation>
 </file>
 
+<file path=ppt/diagrams/colors1.xml><?xml version="1.0" encoding="utf-8"?>
+<dgm:colorsDef xmlns:dgm="http://schemas.openxmlformats.org/drawingml/2006/diagram" xmlns:a="http://schemas.openxmlformats.org/drawingml/2006/main" uniqueId="urn:microsoft.com/office/officeart/2005/8/colors/accent1_2">
+  <dgm:title val=""/>
+  <dgm:desc val=""/>
+  <dgm:catLst>
+    <dgm:cat type="accent1" pri="11200"/>
+  </dgm:catLst>
+  <dgm:styleLbl name="node0">
+    <dgm:fillClrLst meth="repeat">
+      <a:schemeClr val="accent1"/>
+    </dgm:fillClrLst>
+    <dgm:linClrLst meth="repeat">
+      <a:schemeClr val="lt1"/>
+    </dgm:linClrLst>
+    <dgm:effectClrLst/>
+    <dgm:txLinClrLst/>
+    <dgm:txFillClrLst/>
+    <dgm:txEffectClrLst/>
+  </dgm:styleLbl>
+  <dgm:styleLbl name="alignNode1">
+    <dgm:fillClrLst meth="repeat">
+      <a:schemeClr val="accent1"/>
+    </dgm:fillClrLst>
+    <dgm:linClrLst meth="repeat">
+      <a:schemeClr val="accent1"/>
+    </dgm:linClrLst>
+    <dgm:effectClrLst/>
+    <dgm:txLinClrLst/>
+    <dgm:txFillClrLst/>
+    <dgm:txEffectClrLst/>
+  </dgm:styleLbl>
+  <dgm:styleLbl name="node1">
+    <dgm:fillClrLst meth="repeat">
+      <a:schemeClr val="accent1"/>
+    </dgm:fillClrLst>
+    <dgm:linClrLst meth="repeat">
+      <a:schemeClr val="lt1"/>
+    </dgm:linClrLst>
+    <dgm:effectClrLst/>
+    <dgm:txLinClrLst/>
+    <dgm:txFillClrLst/>
+    <dgm:txEffectClrLst/>
+  </dgm:styleLbl>
+  <dgm:styleLbl name="lnNode1">
+    <dgm:fillClrLst meth="repeat">
+      <a:schemeClr val="accent1"/>
+    </dgm:fillClrLst>
+    <dgm:linClrLst meth="repeat">
+      <a:schemeClr val="lt1"/>
+    </dgm:linClrLst>
+    <dgm:effectClrLst/>
+    <dgm:txLinClrLst/>
+    <dgm:txFillClrLst/>
+    <dgm:txEffectClrLst/>
+  </dgm:styleLbl>
+  <dgm:styleLbl name="vennNode1">
+    <dgm:fillClrLst meth="repeat">
+      <a:schemeClr val="accent1">
+        <a:alpha val="50000"/>
+      </a:schemeClr>
+    </dgm:fillClrLst>
+    <dgm:linClrLst meth="repeat">
+      <a:schemeClr val="lt1"/>
+    </dgm:linClrLst>
+    <dgm:effectClrLst/>
+    <dgm:txLinClrLst/>
+    <dgm:txFillClrLst/>
+    <dgm:txEffectClrLst/>
+  </dgm:styleLbl>
+  <dgm:styleLbl name="node2">
+    <dgm:fillClrLst meth="repeat">
+      <a:schemeClr val="accent1"/>
+    </dgm:fillClrLst>
+    <dgm:linClrLst meth="repeat">
+      <a:schemeClr val="lt1"/>
+    </dgm:linClrLst>
+    <dgm:effectClrLst/>
+    <dgm:txLinClrLst/>
+    <dgm:txFillClrLst/>
+    <dgm:txEffectClrLst/>
+  </dgm:styleLbl>
+  <dgm:styleLbl name="node3">
+    <dgm:fillClrLst meth="repeat">
+      <a:schemeClr val="accent1"/>
+    </dgm:fillClrLst>
+    <dgm:linClrLst meth="repeat">
+      <a:schemeClr val="lt1"/>
+    </dgm:linClrLst>
+    <dgm:effectClrLst/>
+    <dgm:txLinClrLst/>
+    <dgm:txFillClrLst/>
+    <dgm:txEffectClrLst/>
+  </dgm:styleLbl>
+  <dgm:styleLbl name="node4">
+    <dgm:fillClrLst meth="repeat">
+      <a:schemeClr val="accent1"/>
+    </dgm:fillClrLst>
+    <dgm:linClrLst meth="repeat">
+      <a:schemeClr val="lt1"/>
+    </dgm:linClrLst>
+    <dgm:effectClrLst/>
+    <dgm:txLinClrLst/>
+    <dgm:txFillClrLst/>
+    <dgm:txEffectClrLst/>
+  </dgm:styleLbl>
+  <dgm:styleLbl name="fgImgPlace1">
+    <dgm:fillClrLst meth="repeat">
+      <a:schemeClr val="accent1">
+        <a:tint val="50000"/>
+      </a:schemeClr>
+    </dgm:fillClrLst>
+    <dgm:linClrLst meth="repeat">
+      <a:schemeClr val="lt1"/>
+    </dgm:linClrLst>
+    <dgm:effectClrLst/>
+    <dgm:txLinClrLst/>
+    <dgm:txFillClrLst meth="repeat">
+      <a:schemeClr val="lt1"/>
+    </dgm:txFillClrLst>
+    <dgm:txEffectClrLst/>
+  </dgm:styleLbl>
+  <dgm:styleLbl name="alignImgPlace1">
+    <dgm:fillClrLst meth="repeat">
+      <a:schemeClr val="accent1">
+        <a:tint val="50000"/>
+      </a:schemeClr>
+    </dgm:fillClrLst>
+    <dgm:linClrLst meth="repeat">
+      <a:schemeClr val="lt1"/>
+    </dgm:linClrLst>
+    <dgm:effectClrLst/>
+    <dgm:txLinClrLst/>
+    <dgm:txFillClrLst meth="repeat">
+      <a:schemeClr val="lt1"/>
+    </dgm:txFillClrLst>
+    <dgm:txEffectClrLst/>
+  </dgm:styleLbl>
+  <dgm:styleLbl name="bgImgPlace1">
+    <dgm:fillClrLst meth="repeat">
+      <a:schemeClr val="accent1">
+        <a:tint val="50000"/>
+      </a:schemeClr>
+    </dgm:fillClrLst>
+    <dgm:linClrLst meth="repeat">
+      <a:schemeClr val="lt1"/>
+    </dgm:linClrLst>
+    <dgm:effectClrLst/>
+    <dgm:txLinClrLst/>
+    <dgm:txFillClrLst meth="repeat">
+      <a:schemeClr val="lt1"/>
+    </dgm:txFillClrLst>
+    <dgm:txEffectClrLst/>
+  </dgm:styleLbl>
+  <dgm:styleLbl name="sibTrans2D1">
+    <dgm:fillClrLst meth="repeat">
+      <a:schemeClr val="accent1">
+        <a:tint val="60000"/>
+      </a:schemeClr>
+    </dgm:fillClrLst>
+    <dgm:linClrLst meth="repeat">
+      <a:schemeClr val="accent1">
+        <a:tint val="60000"/>
+      </a:schemeClr>
+    </dgm:linClrLst>
+    <dgm:effectClrLst/>
+    <dgm:txLinClrLst/>
+    <dgm:txFillClrLst/>
+    <dgm:txEffectClrLst/>
+  </dgm:styleLbl>
+  <dgm:styleLbl name="fgSibTrans2D1">
+    <dgm:fillClrLst meth="repeat">
+      <a:schemeClr val="accent1">
+        <a:tint val="60000"/>
+      </a:schemeClr>
+    </dgm:fillClrLst>
+    <dgm:linClrLst meth="repeat">
+      <a:schemeClr val="accent1">
+        <a:tint val="60000"/>
+      </a:schemeClr>
+    </dgm:linClrLst>
+    <dgm:effectClrLst/>
+    <dgm:txLinClrLst/>
+    <dgm:txFillClrLst/>
+    <dgm:txEffectClrLst/>
+  </dgm:styleLbl>
+  <dgm:styleLbl name="bgSibTrans2D1">
+    <dgm:fillClrLst meth="repeat">
+      <a:schemeClr val="accent1">
+        <a:tint val="60000"/>
+      </a:schemeClr>
+    </dgm:fillClrLst>
+    <dgm:linClrLst meth="repeat">
+      <a:schemeClr val="accent1">
+        <a:tint val="60000"/>
+      </a:schemeClr>
+    </dgm:linClrLst>
+    <dgm:effectClrLst/>
+    <dgm:txLinClrLst/>
+    <dgm:txFillClrLst/>
+    <dgm:txEffectClrLst/>
+  </dgm:styleLbl>
+  <dgm:styleLbl name="sibTrans1D1">
+    <dgm:fillClrLst meth="repeat">
+      <a:schemeClr val="accent1"/>
+    </dgm:fillClrLst>
+    <dgm:linClrLst meth="repeat">
+      <a:schemeClr val="accent1"/>
+    </dgm:linClrLst>
+    <dgm:effectClrLst/>
+    <dgm:txLinClrLst/>
+    <dgm:txFillClrLst meth="repeat">
+      <a:schemeClr val="tx1"/>
+    </dgm:txFillClrLst>
+    <dgm:txEffectClrLst/>
+  </dgm:styleLbl>
+  <dgm:styleLbl name="callout">
+    <dgm:fillClrLst meth="repeat">
+      <a:schemeClr val="accent1"/>
+    </dgm:fillClrLst>
+    <dgm:linClrLst meth="repeat">
+      <a:schemeClr val="accent1">
+        <a:tint val="50000"/>
+      </a:schemeClr>
+    </dgm:linClrLst>
+    <dgm:effectClrLst/>
+    <dgm:txLinClrLst/>
+    <dgm:txFillClrLst meth="repeat">
+      <a:schemeClr val="tx1"/>
+    </dgm:txFillClrLst>
+    <dgm:txEffectClrLst/>
+  </dgm:styleLbl>
+  <dgm:styleLbl name="asst0">
+    <dgm:fillClrLst meth="repeat">
+      <a:schemeClr val="accent1"/>
+    </dgm:fillClrLst>
+    <dgm:linClrLst meth="repeat">
+      <a:schemeClr val="lt1"/>
+    </dgm:linClrLst>
+    <dgm:effectClrLst/>
+    <dgm:txLinClrLst/>
+    <dgm:txFillClrLst/>
+    <dgm:txEffectClrLst/>
+  </dgm:styleLbl>
+  <dgm:styleLbl name="asst1">
+    <dgm:fillClrLst meth="repeat">
+      <a:schemeClr val="accent1"/>
+    </dgm:fillClrLst>
+    <dgm:linClrLst meth="repeat">
+      <a:schemeClr val="lt1"/>
+    </dgm:linClrLst>
+    <dgm:effectClrLst/>
+    <dgm:txLinClrLst/>
+    <dgm:txFillClrLst/>
+    <dgm:txEffectClrLst/>
+  </dgm:styleLbl>
+  <dgm:styleLbl name="asst2">
+    <dgm:fillClrLst meth="repeat">
+      <a:schemeClr val="accent1"/>
+    </dgm:fillClrLst>
+    <dgm:linClrLst meth="repeat">
+      <a:schemeClr val="lt1"/>
+    </dgm:linClrLst>
+    <dgm:effectClrLst/>
+    <dgm:txLinClrLst/>
+    <dgm:txFillClrLst/>
+    <dgm:txEffectClrLst/>
+  </dgm:styleLbl>
+  <dgm:styleLbl name="asst3">
+    <dgm:fillClrLst meth="repeat">
+      <a:schemeClr val="accent1"/>
+    </dgm:fillClrLst>
+    <dgm:linClrLst meth="repeat">
+      <a:schemeClr val="lt1"/>
+    </dgm:linClrLst>
+    <dgm:effectClrLst/>
+    <dgm:txLinClrLst/>
+    <dgm:txFillClrLst/>
+    <dgm:txEffectClrLst/>
+  </dgm:styleLbl>
+  <dgm:styleLbl name="asst4">
+    <dgm:fillClrLst meth="repeat">
+      <a:schemeClr val="accent1"/>
+    </dgm:fillClrLst>
+    <dgm:linClrLst meth="repeat">
+      <a:schemeClr val="lt1"/>
+    </dgm:linClrLst>
+    <dgm:effectClrLst/>
+    <dgm:txLinClrLst/>
+    <dgm:txFillClrLst/>
+    <dgm:txEffectClrLst/>
+  </dgm:styleLbl>
+  <dgm:styleLbl name="parChTrans2D1">
+    <dgm:fillClrLst meth="repeat">
+      <a:schemeClr val="accent1">
+        <a:tint val="60000"/>
+      </a:schemeClr>
+    </dgm:fillClrLst>
+    <dgm:linClrLst meth="repeat">
+      <a:schemeClr val="accent1">
+        <a:tint val="60000"/>
+      </a:schemeClr>
+    </dgm:linClrLst>
+    <dgm:effectClrLst/>
+    <dgm:txLinClrLst/>
+    <dgm:txFillClrLst meth="repeat">
+      <a:schemeClr val="lt1"/>
+    </dgm:txFillClrLst>
+    <dgm:txEffectClrLst/>
+  </dgm:styleLbl>
+  <dgm:styleLbl name="parChTrans2D2">
+    <dgm:fillClrLst meth="repeat">
+      <a:schemeClr val="accent1"/>
+    </dgm:fillClrLst>
+    <dgm:linClrLst meth="repeat">
+      <a:schemeClr val="accent1"/>
+    </dgm:linClrLst>
+    <dgm:effectClrLst/>
+    <dgm:txLinClrLst/>
+    <dgm:txFillClrLst meth="repeat">
+      <a:schemeClr val="lt1"/>
+    </dgm:txFillClrLst>
+    <dgm:txEffectClrLst/>
+  </dgm:styleLbl>
+  <dgm:styleLbl name="parChTrans2D3">
+    <dgm:fillClrLst meth="repeat">
+      <a:schemeClr val="accent1"/>
+    </dgm:fillClrLst>
+    <dgm:linClrLst meth="repeat">
+      <a:schemeClr val="accent1"/>
+    </dgm:linClrLst>
+    <dgm:effectClrLst/>
+    <dgm:txLinClrLst/>
+    <dgm:txFillClrLst meth="repeat">
+      <a:schemeClr val="lt1"/>
+    </dgm:txFillClrLst>
+    <dgm:txEffectClrLst/>
+  </dgm:styleLbl>
+  <dgm:styleLbl name="parChTrans2D4">
+    <dgm:fillClrLst meth="repeat">
+      <a:schemeClr val="accent1"/>
+    </dgm:fillClrLst>
+    <dgm:linClrLst meth="repeat">
+      <a:schemeClr val="accent1"/>
+    </dgm:linClrLst>
+    <dgm:effectClrLst/>
+    <dgm:txLinClrLst/>
+    <dgm:txFillClrLst meth="repeat">
+      <a:schemeClr val="lt1"/>
+    </dgm:txFillClrLst>
+    <dgm:txEffectClrLst/>
+  </dgm:styleLbl>
+  <dgm:styleLbl name="parChTrans1D1">
+    <dgm:fillClrLst meth="repeat">
+      <a:schemeClr val="accent1"/>
+    </dgm:fillClrLst>
+    <dgm:linClrLst meth="repeat">
+      <a:schemeClr val="accent1">
+        <a:shade val="60000"/>
+      </a:schemeClr>
+    </dgm:linClrLst>
+    <dgm:effectClrLst/>
+    <dgm:txLinClrLst/>
+    <dgm:txFillClrLst meth="repeat">
+      <a:schemeClr val="tx1"/>
+    </dgm:txFillClrLst>
+    <dgm:txEffectClrLst/>
+  </dgm:styleLbl>
+  <dgm:styleLbl name="parChTrans1D2">
+    <dgm:fillClrLst meth="repeat">
+      <a:schemeClr val="accent1"/>
+    </dgm:fillClrLst>
+    <dgm:linClrLst meth="repeat">
+      <a:schemeClr val="accent1">
+        <a:shade val="60000"/>
+      </a:schemeClr>
+    </dgm:linClrLst>
+    <dgm:effectClrLst/>
+    <dgm:txLinClrLst/>
+    <dgm:txFillClrLst meth="repeat">
+      <a:schemeClr val="tx1"/>
+    </dgm:txFillClrLst>
+    <dgm:txEffectClrLst/>
+  </dgm:styleLbl>
+  <dgm:styleLbl name="parChTrans1D3">
+    <dgm:fillClrLst meth="repeat">
+      <a:schemeClr val="accent1"/>
+    </dgm:fillClrLst>
+    <dgm:linClrLst meth="repeat">
+      <a:schemeClr val="accent1">
+        <a:shade val="80000"/>
+      </a:schemeClr>
+    </dgm:linClrLst>
+    <dgm:effectClrLst/>
+    <dgm:txLinClrLst/>
+    <dgm:txFillClrLst meth="repeat">
+      <a:schemeClr val="tx1"/>
+    </dgm:txFillClrLst>
+    <dgm:txEffectClrLst/>
+  </dgm:styleLbl>
+  <dgm:styleLbl name="parChTrans1D4">
+    <dgm:fillClrLst meth="repeat">
+      <a:schemeClr val="accent1"/>
+    </dgm:fillClrLst>
+    <dgm:linClrLst meth="repeat">
+      <a:schemeClr val="accent1">
+        <a:shade val="80000"/>
+      </a:schemeClr>
+    </dgm:linClrLst>
+    <dgm:effectClrLst/>
+    <dgm:txLinClrLst/>
+    <dgm:txFillClrLst meth="repeat">
+      <a:schemeClr val="tx1"/>
+    </dgm:txFillClrLst>
+    <dgm:txEffectClrLst/>
+  </dgm:styleLbl>
+  <dgm:styleLbl name="fgAcc1">
+    <dgm:fillClrLst meth="repeat">
+      <a:schemeClr val="lt1">
+        <a:alpha val="90000"/>
+      </a:schemeClr>
+    </dgm:fillClrLst>
+    <dgm:linClrLst meth="repeat">
+      <a:schemeClr val="accent1"/>
+    </dgm:linClrLst>
+    <dgm:effectClrLst/>
+    <dgm:txLinClrLst/>
+    <dgm:txFillClrLst meth="repeat">
+      <a:schemeClr val="dk1"/>
+    </dgm:txFillClrLst>
+    <dgm:txEffectClrLst/>
+  </dgm:styleLbl>
+  <dgm:styleLbl name="conFgAcc1">
+    <dgm:fillClrLst meth="repeat">
+      <a:schemeClr val="lt1">
+        <a:alpha val="90000"/>
+      </a:schemeClr>
+    </dgm:fillClrLst>
+    <dgm:linClrLst meth="repeat">
+      <a:schemeClr val="accent1"/>
+    </dgm:linClrLst>
+    <dgm:effectClrLst/>
+    <dgm:txLinClrLst/>
+    <dgm:txFillClrLst meth="repeat">
+      <a:schemeClr val="dk1"/>
+    </dgm:txFillClrLst>
+    <dgm:txEffectClrLst/>
+  </dgm:styleLbl>
+  <dgm:styleLbl name="alignAcc1">
+    <dgm:fillClrLst meth="repeat">
+      <a:schemeClr val="lt1">
+        <a:alpha val="90000"/>
+      </a:schemeClr>
+    </dgm:fillClrLst>
+    <dgm:linClrLst meth="repeat">
+      <a:schemeClr val="accent1"/>
+    </dgm:linClrLst>
+    <dgm:effectClrLst/>
+    <dgm:txLinClrLst/>
+    <dgm:txFillClrLst meth="repeat">
+      <a:schemeClr val="dk1"/>
+    </dgm:txFillClrLst>
+    <dgm:txEffectClrLst/>
+  </dgm:styleLbl>
+  <dgm:styleLbl name="trAlignAcc1">
+    <dgm:fillClrLst meth="repeat">
+      <a:schemeClr val="lt1">
+        <a:alpha val="40000"/>
+      </a:schemeClr>
+    </dgm:fillClrLst>
+    <dgm:linClrLst meth="repeat">
+      <a:schemeClr val="accent1"/>
+    </dgm:linClrLst>
+    <dgm:effectClrLst/>
+    <dgm:txLinClrLst/>
+    <dgm:txFillClrLst meth="repeat">
+      <a:schemeClr val="dk1"/>
+    </dgm:txFillClrLst>
+    <dgm:txEffectClrLst/>
+  </dgm:styleLbl>
+  <dgm:styleLbl name="bgAcc1">
+    <dgm:fillClrLst meth="repeat">
+      <a:schemeClr val="lt1">
+        <a:alpha val="90000"/>
+      </a:schemeClr>
+    </dgm:fillClrLst>
+    <dgm:linClrLst meth="repeat">
+      <a:schemeClr val="accent1"/>
+    </dgm:linClrLst>
+    <dgm:effectClrLst/>
+    <dgm:txLinClrLst/>
+    <dgm:txFillClrLst meth="repeat">
+      <a:schemeClr val="dk1"/>
+    </dgm:txFillClrLst>
+    <dgm:txEffectClrLst/>
+  </dgm:styleLbl>
+  <dgm:styleLbl name="solidFgAcc1">
+    <dgm:fillClrLst meth="repeat">
+      <a:schemeClr val="lt1"/>
+    </dgm:fillClrLst>
+    <dgm:linClrLst meth="repeat">
+      <a:schemeClr val="accent1"/>
+    </dgm:linClrLst>
+    <dgm:effectClrLst/>
+    <dgm:txLinClrLst/>
+    <dgm:txFillClrLst meth="repeat">
+      <a:schemeClr val="dk1"/>
+    </dgm:txFillClrLst>
+    <dgm:txEffectClrLst/>
+  </dgm:styleLbl>
+  <dgm:styleLbl name="solidAlignAcc1">
+    <dgm:fillClrLst meth="repeat">
+      <a:schemeClr val="lt1"/>
+    </dgm:fillClrLst>
+    <dgm:linClrLst meth="repeat">
+      <a:schemeClr val="accent1"/>
+    </dgm:linClrLst>
+    <dgm:effectClrLst/>
+    <dgm:txLinClrLst/>
+    <dgm:txFillClrLst meth="repeat">
+      <a:schemeClr val="dk1"/>
+    </dgm:txFillClrLst>
+    <dgm:txEffectClrLst/>
+  </dgm:styleLbl>
+  <dgm:styleLbl name="solidBgAcc1">
+    <dgm:fillClrLst meth="repeat">
+      <a:schemeClr val="lt1"/>
+    </dgm:fillClrLst>
+    <dgm:linClrLst meth="repeat">
+      <a:schemeClr val="accent1"/>
+    </dgm:linClrLst>
+    <dgm:effectClrLst/>
+    <dgm:txLinClrLst/>
+    <dgm:txFillClrLst meth="repeat">
+      <a:schemeClr val="dk1"/>
+    </dgm:txFillClrLst>
+    <dgm:txEffectClrLst/>
+  </dgm:styleLbl>
+  <dgm:styleLbl name="fgAccFollowNode1">
+    <dgm:fillClrLst meth="repeat">
+      <a:schemeClr val="accent1">
+        <a:alpha val="90000"/>
+        <a:tint val="40000"/>
+      </a:schemeClr>
+    </dgm:fillClrLst>
+    <dgm:linClrLst meth="repeat">
+      <a:schemeClr val="accent1">
+        <a:alpha val="90000"/>
+        <a:tint val="40000"/>
+      </a:schemeClr>
+    </dgm:linClrLst>
+    <dgm:effectClrLst/>
+    <dgm:txLinClrLst/>
+    <dgm:txFillClrLst meth="repeat">
+      <a:schemeClr val="dk1"/>
+    </dgm:txFillClrLst>
+    <dgm:txEffectClrLst/>
+  </dgm:styleLbl>
+  <dgm:styleLbl name="alignAccFollowNode1">
+    <dgm:fillClrLst meth="repeat">
+      <a:schemeClr val="accent1">
+        <a:alpha val="90000"/>
+        <a:tint val="40000"/>
+      </a:schemeClr>
+    </dgm:fillClrLst>
+    <dgm:linClrLst meth="repeat">
+      <a:schemeClr val="accent1">
+        <a:alpha val="90000"/>
+        <a:tint val="40000"/>
+      </a:schemeClr>
+    </dgm:linClrLst>
+    <dgm:effectClrLst/>
+    <dgm:txLinClrLst/>
+    <dgm:txFillClrLst meth="repeat">
+      <a:schemeClr val="dk1"/>
+    </dgm:txFillClrLst>
+    <dgm:txEffectClrLst/>
+  </dgm:styleLbl>
+  <dgm:styleLbl name="bgAccFollowNode1">
+    <dgm:fillClrLst meth="repeat">
+      <a:schemeClr val="accent1">
+        <a:alpha val="90000"/>
+        <a:tint val="40000"/>
+      </a:schemeClr>
+    </dgm:fillClrLst>
+    <dgm:linClrLst meth="repeat">
+      <a:schemeClr val="accent1">
+        <a:alpha val="90000"/>
+        <a:tint val="40000"/>
+      </a:schemeClr>
+    </dgm:linClrLst>
+    <dgm:effectClrLst/>
+    <dgm:txLinClrLst/>
+    <dgm:txFillClrLst meth="repeat">
+      <a:schemeClr val="dk1"/>
+    </dgm:txFillClrLst>
+    <dgm:txEffectClrLst/>
+  </dgm:styleLbl>
+  <dgm:styleLbl name="fgAcc0">
+    <dgm:fillClrLst meth="repeat">
+      <a:schemeClr val="lt1">
+        <a:alpha val="90000"/>
+      </a:schemeClr>
+    </dgm:fillClrLst>
+    <dgm:linClrLst meth="repeat">
+      <a:schemeClr val="accent1"/>
+    </dgm:linClrLst>
+    <dgm:effectClrLst/>
+    <dgm:txLinClrLst/>
+    <dgm:txFillClrLst meth="repeat">
+      <a:schemeClr val="dk1"/>
+    </dgm:txFillClrLst>
+    <dgm:txEffectClrLst/>
+  </dgm:styleLbl>
+  <dgm:styleLbl name="fgAcc2">
+    <dgm:fillClrLst meth="repeat">
+      <a:schemeClr val="lt1">
+        <a:alpha val="90000"/>
+      </a:schemeClr>
+    </dgm:fillClrLst>
+    <dgm:linClrLst meth="repeat">
+      <a:schemeClr val="accent1"/>
+    </dgm:linClrLst>
+    <dgm:effectClrLst/>
+    <dgm:txLinClrLst/>
+    <dgm:txFillClrLst meth="repeat">
+      <a:schemeClr val="dk1"/>
+    </dgm:txFillClrLst>
+    <dgm:txEffectClrLst/>
+  </dgm:styleLbl>
+  <dgm:styleLbl name="fgAcc3">
+    <dgm:fillClrLst meth="repeat">
+      <a:schemeClr val="lt1">
+        <a:alpha val="90000"/>
+      </a:schemeClr>
+    </dgm:fillClrLst>
+    <dgm:linClrLst meth="repeat">
+      <a:schemeClr val="accent1"/>
+    </dgm:linClrLst>
+    <dgm:effectClrLst/>
+    <dgm:txLinClrLst/>
+    <dgm:txFillClrLst meth="repeat">
+      <a:schemeClr val="dk1"/>
+    </dgm:txFillClrLst>
+    <dgm:txEffectClrLst/>
+  </dgm:styleLbl>
+  <dgm:styleLbl name="fgAcc4">
+    <dgm:fillClrLst meth="repeat">
+      <a:schemeClr val="lt1">
+        <a:alpha val="90000"/>
+      </a:schemeClr>
+    </dgm:fillClrLst>
+    <dgm:linClrLst meth="repeat">
+      <a:schemeClr val="accent1"/>
+    </dgm:linClrLst>
+    <dgm:effectClrLst/>
+    <dgm:txLinClrLst/>
+    <dgm:txFillClrLst meth="repeat">
+      <a:schemeClr val="dk1"/>
+    </dgm:txFillClrLst>
+    <dgm:txEffectClrLst/>
+  </dgm:styleLbl>
+  <dgm:styleLbl name="bgShp">
+    <dgm:fillClrLst meth="repeat">
+      <a:schemeClr val="accent1">
+        <a:tint val="40000"/>
+      </a:schemeClr>
+    </dgm:fillClrLst>
+    <dgm:linClrLst meth="repeat">
+      <a:schemeClr val="accent1"/>
+    </dgm:linClrLst>
+    <dgm:effectClrLst/>
+    <dgm:txLinClrLst/>
+    <dgm:txFillClrLst meth="repeat">
+      <a:schemeClr val="dk1"/>
+    </dgm:txFillClrLst>
+    <dgm:txEffectClrLst/>
+  </dgm:styleLbl>
+  <dgm:styleLbl name="dkBgShp">
+    <dgm:fillClrLst meth="repeat">
+      <a:schemeClr val="accent1">
+        <a:shade val="80000"/>
+      </a:schemeClr>
+    </dgm:fillClrLst>
+    <dgm:linClrLst meth="repeat">
+      <a:schemeClr val="accent1"/>
+    </dgm:linClrLst>
+    <dgm:effectClrLst/>
+    <dgm:txLinClrLst/>
+    <dgm:txFillClrLst meth="repeat">
+      <a:schemeClr val="lt1"/>
+    </dgm:txFillClrLst>
+    <dgm:txEffectClrLst/>
+  </dgm:styleLbl>
+  <dgm:styleLbl name="trBgShp">
+    <dgm:fillClrLst meth="repeat">
+      <a:schemeClr val="accent1">
+        <a:tint val="50000"/>
+        <a:alpha val="40000"/>
+      </a:schemeClr>
+    </dgm:fillClrLst>
+    <dgm:linClrLst meth="repeat">
+      <a:schemeClr val="accent1"/>
+    </dgm:linClrLst>
+    <dgm:effectClrLst/>
+    <dgm:txLinClrLst/>
+    <dgm:txFillClrLst meth="repeat">
+      <a:schemeClr val="lt1"/>
+    </dgm:txFillClrLst>
+    <dgm:txEffectClrLst/>
+  </dgm:styleLbl>
+  <dgm:styleLbl name="fgShp">
+    <dgm:fillClrLst meth="repeat">
+      <a:schemeClr val="accent1">
+        <a:tint val="60000"/>
+      </a:schemeClr>
+    </dgm:fillClrLst>
+    <dgm:linClrLst meth="repeat">
+      <a:schemeClr val="lt1"/>
+    </dgm:linClrLst>
+    <dgm:effectClrLst/>
+    <dgm:txLinClrLst/>
+    <dgm:txFillClrLst meth="repeat">
+      <a:schemeClr val="dk1"/>
+    </dgm:txFillClrLst>
+    <dgm:txEffectClrLst/>
+  </dgm:styleLbl>
+  <dgm:styleLbl name="revTx">
+    <dgm:fillClrLst meth="repeat">
+      <a:schemeClr val="lt1">
+        <a:alpha val="0"/>
+      </a:schemeClr>
+    </dgm:fillClrLst>
+    <dgm:linClrLst meth="repeat">
+      <a:schemeClr val="dk1">
+        <a:alpha val="0"/>
+      </a:schemeClr>
+    </dgm:linClrLst>
+    <dgm:effectClrLst/>
+    <dgm:txLinClrLst/>
+    <dgm:txFillClrLst meth="repeat">
+      <a:schemeClr val="tx1"/>
+    </dgm:txFillClrLst>
+    <dgm:txEffectClrLst/>
+  </dgm:styleLbl>
+</dgm:colorsDef>
+</file>
+
+<file path=ppt/diagrams/colors2.xml><?xml version="1.0" encoding="utf-8"?>
+<dgm:colorsDef xmlns:dgm="http://schemas.openxmlformats.org/drawingml/2006/diagram" xmlns:a="http://schemas.openxmlformats.org/drawingml/2006/main" uniqueId="urn:microsoft.com/office/officeart/2005/8/colors/accent1_2">
+  <dgm:title val=""/>
+  <dgm:desc val=""/>
+  <dgm:catLst>
+    <dgm:cat type="accent1" pri="11200"/>
+  </dgm:catLst>
+  <dgm:styleLbl name="node0">
+    <dgm:fillClrLst meth="repeat">
+      <a:schemeClr val="accent1"/>
+    </dgm:fillClrLst>
+    <dgm:linClrLst meth="repeat">
+      <a:schemeClr val="lt1"/>
+    </dgm:linClrLst>
+    <dgm:effectClrLst/>
+    <dgm:txLinClrLst/>
+    <dgm:txFillClrLst/>
+    <dgm:txEffectClrLst/>
+  </dgm:styleLbl>
+  <dgm:styleLbl name="alignNode1">
+    <dgm:fillClrLst meth="repeat">
+      <a:schemeClr val="accent1"/>
+    </dgm:fillClrLst>
+    <dgm:linClrLst meth="repeat">
+      <a:schemeClr val="accent1"/>
+    </dgm:linClrLst>
+    <dgm:effectClrLst/>
+    <dgm:txLinClrLst/>
+    <dgm:txFillClrLst/>
+    <dgm:txEffectClrLst/>
+  </dgm:styleLbl>
+  <dgm:styleLbl name="node1">
+    <dgm:fillClrLst meth="repeat">
+      <a:schemeClr val="accent1"/>
+    </dgm:fillClrLst>
+    <dgm:linClrLst meth="repeat">
+      <a:schemeClr val="lt1"/>
+    </dgm:linClrLst>
+    <dgm:effectClrLst/>
+    <dgm:txLinClrLst/>
+    <dgm:txFillClrLst/>
+    <dgm:txEffectClrLst/>
+  </dgm:styleLbl>
+  <dgm:styleLbl name="lnNode1">
+    <dgm:fillClrLst meth="repeat">
+      <a:schemeClr val="accent1"/>
+    </dgm:fillClrLst>
+    <dgm:linClrLst meth="repeat">
+      <a:schemeClr val="lt1"/>
+    </dgm:linClrLst>
+    <dgm:effectClrLst/>
+    <dgm:txLinClrLst/>
+    <dgm:txFillClrLst/>
+    <dgm:txEffectClrLst/>
+  </dgm:styleLbl>
+  <dgm:styleLbl name="vennNode1">
+    <dgm:fillClrLst meth="repeat">
+      <a:schemeClr val="accent1">
+        <a:alpha val="50000"/>
+      </a:schemeClr>
+    </dgm:fillClrLst>
+    <dgm:linClrLst meth="repeat">
+      <a:schemeClr val="lt1"/>
+    </dgm:linClrLst>
+    <dgm:effectClrLst/>
+    <dgm:txLinClrLst/>
+    <dgm:txFillClrLst/>
+    <dgm:txEffectClrLst/>
+  </dgm:styleLbl>
+  <dgm:styleLbl name="node2">
+    <dgm:fillClrLst meth="repeat">
+      <a:schemeClr val="accent1"/>
+    </dgm:fillClrLst>
+    <dgm:linClrLst meth="repeat">
+      <a:schemeClr val="lt1"/>
+    </dgm:linClrLst>
+    <dgm:effectClrLst/>
+    <dgm:txLinClrLst/>
+    <dgm:txFillClrLst/>
+    <dgm:txEffectClrLst/>
+  </dgm:styleLbl>
+  <dgm:styleLbl name="node3">
+    <dgm:fillClrLst meth="repeat">
+      <a:schemeClr val="accent1"/>
+    </dgm:fillClrLst>
+    <dgm:linClrLst meth="repeat">
+      <a:schemeClr val="lt1"/>
+    </dgm:linClrLst>
+    <dgm:effectClrLst/>
+    <dgm:txLinClrLst/>
+    <dgm:txFillClrLst/>
+    <dgm:txEffectClrLst/>
+  </dgm:styleLbl>
+  <dgm:styleLbl name="node4">
+    <dgm:fillClrLst meth="repeat">
+      <a:schemeClr val="accent1"/>
+    </dgm:fillClrLst>
+    <dgm:linClrLst meth="repeat">
+      <a:schemeClr val="lt1"/>
+    </dgm:linClrLst>
+    <dgm:effectClrLst/>
+    <dgm:txLinClrLst/>
+    <dgm:txFillClrLst/>
+    <dgm:txEffectClrLst/>
+  </dgm:styleLbl>
+  <dgm:styleLbl name="fgImgPlace1">
+    <dgm:fillClrLst meth="repeat">
+      <a:schemeClr val="accent1">
+        <a:tint val="50000"/>
+      </a:schemeClr>
+    </dgm:fillClrLst>
+    <dgm:linClrLst meth="repeat">
+      <a:schemeClr val="lt1"/>
+    </dgm:linClrLst>
+    <dgm:effectClrLst/>
+    <dgm:txLinClrLst/>
+    <dgm:txFillClrLst meth="repeat">
+      <a:schemeClr val="lt1"/>
+    </dgm:txFillClrLst>
+    <dgm:txEffectClrLst/>
+  </dgm:styleLbl>
+  <dgm:styleLbl name="alignImgPlace1">
+    <dgm:fillClrLst meth="repeat">
+      <a:schemeClr val="accent1">
+        <a:tint val="50000"/>
+      </a:schemeClr>
+    </dgm:fillClrLst>
+    <dgm:linClrLst meth="repeat">
+      <a:schemeClr val="lt1"/>
+    </dgm:linClrLst>
+    <dgm:effectClrLst/>
+    <dgm:txLinClrLst/>
+    <dgm:txFillClrLst meth="repeat">
+      <a:schemeClr val="lt1"/>
+    </dgm:txFillClrLst>
+    <dgm:txEffectClrLst/>
+  </dgm:styleLbl>
+  <dgm:styleLbl name="bgImgPlace1">
+    <dgm:fillClrLst meth="repeat">
+      <a:schemeClr val="accent1">
+        <a:tint val="50000"/>
+      </a:schemeClr>
+    </dgm:fillClrLst>
+    <dgm:linClrLst meth="repeat">
+      <a:schemeClr val="lt1"/>
+    </dgm:linClrLst>
+    <dgm:effectClrLst/>
+    <dgm:txLinClrLst/>
+    <dgm:txFillClrLst meth="repeat">
+      <a:schemeClr val="lt1"/>
+    </dgm:txFillClrLst>
+    <dgm:txEffectClrLst/>
+  </dgm:styleLbl>
+  <dgm:styleLbl name="sibTrans2D1">
+    <dgm:fillClrLst meth="repeat">
+      <a:schemeClr val="accent1">
+        <a:tint val="60000"/>
+      </a:schemeClr>
+    </dgm:fillClrLst>
+    <dgm:linClrLst meth="repeat">
+      <a:schemeClr val="accent1">
+        <a:tint val="60000"/>
+      </a:schemeClr>
+    </dgm:linClrLst>
+    <dgm:effectClrLst/>
+    <dgm:txLinClrLst/>
+    <dgm:txFillClrLst/>
+    <dgm:txEffectClrLst/>
+  </dgm:styleLbl>
+  <dgm:styleLbl name="fgSibTrans2D1">
+    <dgm:fillClrLst meth="repeat">
+      <a:schemeClr val="accent1">
+        <a:tint val="60000"/>
+      </a:schemeClr>
+    </dgm:fillClrLst>
+    <dgm:linClrLst meth="repeat">
+      <a:schemeClr val="accent1">
+        <a:tint val="60000"/>
+      </a:schemeClr>
+    </dgm:linClrLst>
+    <dgm:effectClrLst/>
+    <dgm:txLinClrLst/>
+    <dgm:txFillClrLst/>
+    <dgm:txEffectClrLst/>
+  </dgm:styleLbl>
+  <dgm:styleLbl name="bgSibTrans2D1">
+    <dgm:fillClrLst meth="repeat">
+      <a:schemeClr val="accent1">
+        <a:tint val="60000"/>
+      </a:schemeClr>
+    </dgm:fillClrLst>
+    <dgm:linClrLst meth="repeat">
+      <a:schemeClr val="accent1">
+        <a:tint val="60000"/>
+      </a:schemeClr>
+    </dgm:linClrLst>
+    <dgm:effectClrLst/>
+    <dgm:txLinClrLst/>
+    <dgm:txFillClrLst/>
+    <dgm:txEffectClrLst/>
+  </dgm:styleLbl>
+  <dgm:styleLbl name="sibTrans1D1">
+    <dgm:fillClrLst meth="repeat">
+      <a:schemeClr val="accent1"/>
+    </dgm:fillClrLst>
+    <dgm:linClrLst meth="repeat">
+      <a:schemeClr val="accent1"/>
+    </dgm:linClrLst>
+    <dgm:effectClrLst/>
+    <dgm:txLinClrLst/>
+    <dgm:txFillClrLst meth="repeat">
+      <a:schemeClr val="tx1"/>
+    </dgm:txFillClrLst>
+    <dgm:txEffectClrLst/>
+  </dgm:styleLbl>
+  <dgm:styleLbl name="callout">
+    <dgm:fillClrLst meth="repeat">
+      <a:schemeClr val="accent1"/>
+    </dgm:fillClrLst>
+    <dgm:linClrLst meth="repeat">
+      <a:schemeClr val="accent1">
+        <a:tint val="50000"/>
+      </a:schemeClr>
+    </dgm:linClrLst>
+    <dgm:effectClrLst/>
+    <dgm:txLinClrLst/>
+    <dgm:txFillClrLst meth="repeat">
+      <a:schemeClr val="tx1"/>
+    </dgm:txFillClrLst>
+    <dgm:txEffectClrLst/>
+  </dgm:styleLbl>
+  <dgm:styleLbl name="asst0">
+    <dgm:fillClrLst meth="repeat">
+      <a:schemeClr val="accent1"/>
+    </dgm:fillClrLst>
+    <dgm:linClrLst meth="repeat">
+      <a:schemeClr val="lt1"/>
+    </dgm:linClrLst>
+    <dgm:effectClrLst/>
+    <dgm:txLinClrLst/>
+    <dgm:txFillClrLst/>
+    <dgm:txEffectClrLst/>
+  </dgm:styleLbl>
+  <dgm:styleLbl name="asst1">
+    <dgm:fillClrLst meth="repeat">
+      <a:schemeClr val="accent1"/>
+    </dgm:fillClrLst>
+    <dgm:linClrLst meth="repeat">
+      <a:schemeClr val="lt1"/>
+    </dgm:linClrLst>
+    <dgm:effectClrLst/>
+    <dgm:txLinClrLst/>
+    <dgm:txFillClrLst/>
+    <dgm:txEffectClrLst/>
+  </dgm:styleLbl>
+  <dgm:styleLbl name="asst2">
+    <dgm:fillClrLst meth="repeat">
+      <a:schemeClr val="accent1"/>
+    </dgm:fillClrLst>
+    <dgm:linClrLst meth="repeat">
+      <a:schemeClr val="lt1"/>
+    </dgm:linClrLst>
+    <dgm:effectClrLst/>
+    <dgm:txLinClrLst/>
+    <dgm:txFillClrLst/>
+    <dgm:txEffectClrLst/>
+  </dgm:styleLbl>
+  <dgm:styleLbl name="asst3">
+    <dgm:fillClrLst meth="repeat">
+      <a:schemeClr val="accent1"/>
+    </dgm:fillClrLst>
+    <dgm:linClrLst meth="repeat">
+      <a:schemeClr val="lt1"/>
+    </dgm:linClrLst>
+    <dgm:effectClrLst/>
+    <dgm:txLinClrLst/>
+    <dgm:txFillClrLst/>
+    <dgm:txEffectClrLst/>
+  </dgm:styleLbl>
+  <dgm:styleLbl name="asst4">
+    <dgm:fillClrLst meth="repeat">
+      <a:schemeClr val="accent1"/>
+    </dgm:fillClrLst>
+    <dgm:linClrLst meth="repeat">
+      <a:schemeClr val="lt1"/>
+    </dgm:linClrLst>
+    <dgm:effectClrLst/>
+    <dgm:txLinClrLst/>
+    <dgm:txFillClrLst/>
+    <dgm:txEffectClrLst/>
+  </dgm:styleLbl>
+  <dgm:styleLbl name="parChTrans2D1">
+    <dgm:fillClrLst meth="repeat">
+      <a:schemeClr val="accent1">
+        <a:tint val="60000"/>
+      </a:schemeClr>
+    </dgm:fillClrLst>
+    <dgm:linClrLst meth="repeat">
+      <a:schemeClr val="accent1">
+        <a:tint val="60000"/>
+      </a:schemeClr>
+    </dgm:linClrLst>
+    <dgm:effectClrLst/>
+    <dgm:txLinClrLst/>
+    <dgm:txFillClrLst meth="repeat">
+      <a:schemeClr val="lt1"/>
+    </dgm:txFillClrLst>
+    <dgm:txEffectClrLst/>
+  </dgm:styleLbl>
+  <dgm:styleLbl name="parChTrans2D2">
+    <dgm:fillClrLst meth="repeat">
+      <a:schemeClr val="accent1"/>
+    </dgm:fillClrLst>
+    <dgm:linClrLst meth="repeat">
+      <a:schemeClr val="accent1"/>
+    </dgm:linClrLst>
+    <dgm:effectClrLst/>
+    <dgm:txLinClrLst/>
+    <dgm:txFillClrLst meth="repeat">
+      <a:schemeClr val="lt1"/>
+    </dgm:txFillClrLst>
+    <dgm:txEffectClrLst/>
+  </dgm:styleLbl>
+  <dgm:styleLbl name="parChTrans2D3">
+    <dgm:fillClrLst meth="repeat">
+      <a:schemeClr val="accent1"/>
+    </dgm:fillClrLst>
+    <dgm:linClrLst meth="repeat">
+      <a:schemeClr val="accent1"/>
+    </dgm:linClrLst>
+    <dgm:effectClrLst/>
+    <dgm:txLinClrLst/>
+    <dgm:txFillClrLst meth="repeat">
+      <a:schemeClr val="lt1"/>
+    </dgm:txFillClrLst>
+    <dgm:txEffectClrLst/>
+  </dgm:styleLbl>
+  <dgm:styleLbl name="parChTrans2D4">
+    <dgm:fillClrLst meth="repeat">
+      <a:schemeClr val="accent1"/>
+    </dgm:fillClrLst>
+    <dgm:linClrLst meth="repeat">
+      <a:schemeClr val="accent1"/>
+    </dgm:linClrLst>
+    <dgm:effectClrLst/>
+    <dgm:txLinClrLst/>
+    <dgm:txFillClrLst meth="repeat">
+      <a:schemeClr val="lt1"/>
+    </dgm:txFillClrLst>
+    <dgm:txEffectClrLst/>
+  </dgm:styleLbl>
+  <dgm:styleLbl name="parChTrans1D1">
+    <dgm:fillClrLst meth="repeat">
+      <a:schemeClr val="accent1"/>
+    </dgm:fillClrLst>
+    <dgm:linClrLst meth="repeat">
+      <a:schemeClr val="accent1">
+        <a:shade val="60000"/>
+      </a:schemeClr>
+    </dgm:linClrLst>
+    <dgm:effectClrLst/>
+    <dgm:txLinClrLst/>
+    <dgm:txFillClrLst meth="repeat">
+      <a:schemeClr val="tx1"/>
+    </dgm:txFillClrLst>
+    <dgm:txEffectClrLst/>
+  </dgm:styleLbl>
+  <dgm:styleLbl name="parChTrans1D2">
+    <dgm:fillClrLst meth="repeat">
+      <a:schemeClr val="accent1"/>
+    </dgm:fillClrLst>
+    <dgm:linClrLst meth="repeat">
+      <a:schemeClr val="accent1">
+        <a:shade val="60000"/>
+      </a:schemeClr>
+    </dgm:linClrLst>
+    <dgm:effectClrLst/>
+    <dgm:txLinClrLst/>
+    <dgm:txFillClrLst meth="repeat">
+      <a:schemeClr val="tx1"/>
+    </dgm:txFillClrLst>
+    <dgm:txEffectClrLst/>
+  </dgm:styleLbl>
+  <dgm:styleLbl name="parChTrans1D3">
+    <dgm:fillClrLst meth="repeat">
+      <a:schemeClr val="accent1"/>
+    </dgm:fillClrLst>
+    <dgm:linClrLst meth="repeat">
+      <a:schemeClr val="accent1">
+        <a:shade val="80000"/>
+      </a:schemeClr>
+    </dgm:linClrLst>
+    <dgm:effectClrLst/>
+    <dgm:txLinClrLst/>
+    <dgm:txFillClrLst meth="repeat">
+      <a:schemeClr val="tx1"/>
+    </dgm:txFillClrLst>
+    <dgm:txEffectClrLst/>
+  </dgm:styleLbl>
+  <dgm:styleLbl name="parChTrans1D4">
+    <dgm:fillClrLst meth="repeat">
+      <a:schemeClr val="accent1"/>
+    </dgm:fillClrLst>
+    <dgm:linClrLst meth="repeat">
+      <a:schemeClr val="accent1">
+        <a:shade val="80000"/>
+      </a:schemeClr>
+    </dgm:linClrLst>
+    <dgm:effectClrLst/>
+    <dgm:txLinClrLst/>
+    <dgm:txFillClrLst meth="repeat">
+      <a:schemeClr val="tx1"/>
+    </dgm:txFillClrLst>
+    <dgm:txEffectClrLst/>
+  </dgm:styleLbl>
+  <dgm:styleLbl name="fgAcc1">
+    <dgm:fillClrLst meth="repeat">
+      <a:schemeClr val="lt1">
+        <a:alpha val="90000"/>
+      </a:schemeClr>
+    </dgm:fillClrLst>
+    <dgm:linClrLst meth="repeat">
+      <a:schemeClr val="accent1"/>
+    </dgm:linClrLst>
+    <dgm:effectClrLst/>
+    <dgm:txLinClrLst/>
+    <dgm:txFillClrLst meth="repeat">
+      <a:schemeClr val="dk1"/>
+    </dgm:txFillClrLst>
+    <dgm:txEffectClrLst/>
+  </dgm:styleLbl>
+  <dgm:styleLbl name="conFgAcc1">
+    <dgm:fillClrLst meth="repeat">
+      <a:schemeClr val="lt1">
+        <a:alpha val="90000"/>
+      </a:schemeClr>
+    </dgm:fillClrLst>
+    <dgm:linClrLst meth="repeat">
+      <a:schemeClr val="accent1"/>
+    </dgm:linClrLst>
+    <dgm:effectClrLst/>
+    <dgm:txLinClrLst/>
+    <dgm:txFillClrLst meth="repeat">
+      <a:schemeClr val="dk1"/>
+    </dgm:txFillClrLst>
+    <dgm:txEffectClrLst/>
+  </dgm:styleLbl>
+  <dgm:styleLbl name="alignAcc1">
+    <dgm:fillClrLst meth="repeat">
+      <a:schemeClr val="lt1">
+        <a:alpha val="90000"/>
+      </a:schemeClr>
+    </dgm:fillClrLst>
+    <dgm:linClrLst meth="repeat">
+      <a:schemeClr val="accent1"/>
+    </dgm:linClrLst>
+    <dgm:effectClrLst/>
+    <dgm:txLinClrLst/>
+    <dgm:txFillClrLst meth="repeat">
+      <a:schemeClr val="dk1"/>
+    </dgm:txFillClrLst>
+    <dgm:txEffectClrLst/>
+  </dgm:styleLbl>
+  <dgm:styleLbl name="trAlignAcc1">
+    <dgm:fillClrLst meth="repeat">
+      <a:schemeClr val="lt1">
+        <a:alpha val="40000"/>
+      </a:schemeClr>
+    </dgm:fillClrLst>
+    <dgm:linClrLst meth="repeat">
+      <a:schemeClr val="accent1"/>
+    </dgm:linClrLst>
+    <dgm:effectClrLst/>
+    <dgm:txLinClrLst/>
+    <dgm:txFillClrLst meth="repeat">
+      <a:schemeClr val="dk1"/>
+    </dgm:txFillClrLst>
+    <dgm:txEffectClrLst/>
+  </dgm:styleLbl>
+  <dgm:styleLbl name="bgAcc1">
+    <dgm:fillClrLst meth="repeat">
+      <a:schemeClr val="lt1">
+        <a:alpha val="90000"/>
+      </a:schemeClr>
+    </dgm:fillClrLst>
+    <dgm:linClrLst meth="repeat">
+      <a:schemeClr val="accent1"/>
+    </dgm:linClrLst>
+    <dgm:effectClrLst/>
+    <dgm:txLinClrLst/>
+    <dgm:txFillClrLst meth="repeat">
+      <a:schemeClr val="dk1"/>
+    </dgm:txFillClrLst>
+    <dgm:txEffectClrLst/>
+  </dgm:styleLbl>
+  <dgm:styleLbl name="solidFgAcc1">
+    <dgm:fillClrLst meth="repeat">
+      <a:schemeClr val="lt1"/>
+    </dgm:fillClrLst>
+    <dgm:linClrLst meth="repeat">
+      <a:schemeClr val="accent1"/>
+    </dgm:linClrLst>
+    <dgm:effectClrLst/>
+    <dgm:txLinClrLst/>
+    <dgm:txFillClrLst meth="repeat">
+      <a:schemeClr val="dk1"/>
+    </dgm:txFillClrLst>
+    <dgm:txEffectClrLst/>
+  </dgm:styleLbl>
+  <dgm:styleLbl name="solidAlignAcc1">
+    <dgm:fillClrLst meth="repeat">
+      <a:schemeClr val="lt1"/>
+    </dgm:fillClrLst>
+    <dgm:linClrLst meth="repeat">
+      <a:schemeClr val="accent1"/>
+    </dgm:linClrLst>
+    <dgm:effectClrLst/>
+    <dgm:txLinClrLst/>
+    <dgm:txFillClrLst meth="repeat">
+      <a:schemeClr val="dk1"/>
+    </dgm:txFillClrLst>
+    <dgm:txEffectClrLst/>
+  </dgm:styleLbl>
+  <dgm:styleLbl name="solidBgAcc1">
+    <dgm:fillClrLst meth="repeat">
+      <a:schemeClr val="lt1"/>
+    </dgm:fillClrLst>
+    <dgm:linClrLst meth="repeat">
+      <a:schemeClr val="accent1"/>
+    </dgm:linClrLst>
+    <dgm:effectClrLst/>
+    <dgm:txLinClrLst/>
+    <dgm:txFillClrLst meth="repeat">
+      <a:schemeClr val="dk1"/>
+    </dgm:txFillClrLst>
+    <dgm:txEffectClrLst/>
+  </dgm:styleLbl>
+  <dgm:styleLbl name="fgAccFollowNode1">
+    <dgm:fillClrLst meth="repeat">
+      <a:schemeClr val="accent1">
+        <a:alpha val="90000"/>
+        <a:tint val="40000"/>
+      </a:schemeClr>
+    </dgm:fillClrLst>
+    <dgm:linClrLst meth="repeat">
+      <a:schemeClr val="accent1">
+        <a:alpha val="90000"/>
+        <a:tint val="40000"/>
+      </a:schemeClr>
+    </dgm:linClrLst>
+    <dgm:effectClrLst/>
+    <dgm:txLinClrLst/>
+    <dgm:txFillClrLst meth="repeat">
+      <a:schemeClr val="dk1"/>
+    </dgm:txFillClrLst>
+    <dgm:txEffectClrLst/>
+  </dgm:styleLbl>
+  <dgm:styleLbl name="alignAccFollowNode1">
+    <dgm:fillClrLst meth="repeat">
+      <a:schemeClr val="accent1">
+        <a:alpha val="90000"/>
+        <a:tint val="40000"/>
+      </a:schemeClr>
+    </dgm:fillClrLst>
+    <dgm:linClrLst meth="repeat">
+      <a:schemeClr val="accent1">
+        <a:alpha val="90000"/>
+        <a:tint val="40000"/>
+      </a:schemeClr>
+    </dgm:linClrLst>
+    <dgm:effectClrLst/>
+    <dgm:txLinClrLst/>
+    <dgm:txFillClrLst meth="repeat">
+      <a:schemeClr val="dk1"/>
+    </dgm:txFillClrLst>
+    <dgm:txEffectClrLst/>
+  </dgm:styleLbl>
+  <dgm:styleLbl name="bgAccFollowNode1">
+    <dgm:fillClrLst meth="repeat">
+      <a:schemeClr val="accent1">
+        <a:alpha val="90000"/>
+        <a:tint val="40000"/>
+      </a:schemeClr>
+    </dgm:fillClrLst>
+    <dgm:linClrLst meth="repeat">
+      <a:schemeClr val="accent1">
+        <a:alpha val="90000"/>
+        <a:tint val="40000"/>
+      </a:schemeClr>
+    </dgm:linClrLst>
+    <dgm:effectClrLst/>
+    <dgm:txLinClrLst/>
+    <dgm:txFillClrLst meth="repeat">
+      <a:schemeClr val="dk1"/>
+    </dgm:txFillClrLst>
+    <dgm:txEffectClrLst/>
+  </dgm:styleLbl>
+  <dgm:styleLbl name="fgAcc0">
+    <dgm:fillClrLst meth="repeat">
+      <a:schemeClr val="lt1">
+        <a:alpha val="90000"/>
+      </a:schemeClr>
+    </dgm:fillClrLst>
+    <dgm:linClrLst meth="repeat">
+      <a:schemeClr val="accent1"/>
+    </dgm:linClrLst>
+    <dgm:effectClrLst/>
+    <dgm:txLinClrLst/>
+    <dgm:txFillClrLst meth="repeat">
+      <a:schemeClr val="dk1"/>
+    </dgm:txFillClrLst>
+    <dgm:txEffectClrLst/>
+  </dgm:styleLbl>
+  <dgm:styleLbl name="fgAcc2">
+    <dgm:fillClrLst meth="repeat">
+      <a:schemeClr val="lt1">
+        <a:alpha val="90000"/>
+      </a:schemeClr>
+    </dgm:fillClrLst>
+    <dgm:linClrLst meth="repeat">
+      <a:schemeClr val="accent1"/>
+    </dgm:linClrLst>
+    <dgm:effectClrLst/>
+    <dgm:txLinClrLst/>
+    <dgm:txFillClrLst meth="repeat">
+      <a:schemeClr val="dk1"/>
+    </dgm:txFillClrLst>
+    <dgm:txEffectClrLst/>
+  </dgm:styleLbl>
+  <dgm:styleLbl name="fgAcc3">
+    <dgm:fillClrLst meth="repeat">
+      <a:schemeClr val="lt1">
+        <a:alpha val="90000"/>
+      </a:schemeClr>
+    </dgm:fillClrLst>
+    <dgm:linClrLst meth="repeat">
+      <a:schemeClr val="accent1"/>
+    </dgm:linClrLst>
+    <dgm:effectClrLst/>
+    <dgm:txLinClrLst/>
+    <dgm:txFillClrLst meth="repeat">
+      <a:schemeClr val="dk1"/>
+    </dgm:txFillClrLst>
+    <dgm:txEffectClrLst/>
+  </dgm:styleLbl>
+  <dgm:styleLbl name="fgAcc4">
+    <dgm:fillClrLst meth="repeat">
+      <a:schemeClr val="lt1">
+        <a:alpha val="90000"/>
+      </a:schemeClr>
+    </dgm:fillClrLst>
+    <dgm:linClrLst meth="repeat">
+      <a:schemeClr val="accent1"/>
+    </dgm:linClrLst>
+    <dgm:effectClrLst/>
+    <dgm:txLinClrLst/>
+    <dgm:txFillClrLst meth="repeat">
+      <a:schemeClr val="dk1"/>
+    </dgm:txFillClrLst>
+    <dgm:txEffectClrLst/>
+  </dgm:styleLbl>
+  <dgm:styleLbl name="bgShp">
+    <dgm:fillClrLst meth="repeat">
+      <a:schemeClr val="accent1">
+        <a:tint val="40000"/>
+      </a:schemeClr>
+    </dgm:fillClrLst>
+    <dgm:linClrLst meth="repeat">
+      <a:schemeClr val="accent1"/>
+    </dgm:linClrLst>
+    <dgm:effectClrLst/>
+    <dgm:txLinClrLst/>
+    <dgm:txFillClrLst meth="repeat">
+      <a:schemeClr val="dk1"/>
+    </dgm:txFillClrLst>
+    <dgm:txEffectClrLst/>
+  </dgm:styleLbl>
+  <dgm:styleLbl name="dkBgShp">
+    <dgm:fillClrLst meth="repeat">
+      <a:schemeClr val="accent1">
+        <a:shade val="80000"/>
+      </a:schemeClr>
+    </dgm:fillClrLst>
+    <dgm:linClrLst meth="repeat">
+      <a:schemeClr val="accent1"/>
+    </dgm:linClrLst>
+    <dgm:effectClrLst/>
+    <dgm:txLinClrLst/>
+    <dgm:txFillClrLst meth="repeat">
+      <a:schemeClr val="lt1"/>
+    </dgm:txFillClrLst>
+    <dgm:txEffectClrLst/>
+  </dgm:styleLbl>
+  <dgm:styleLbl name="trBgShp">
+    <dgm:fillClrLst meth="repeat">
+      <a:schemeClr val="accent1">
+        <a:tint val="50000"/>
+        <a:alpha val="40000"/>
+      </a:schemeClr>
+    </dgm:fillClrLst>
+    <dgm:linClrLst meth="repeat">
+      <a:schemeClr val="accent1"/>
+    </dgm:linClrLst>
+    <dgm:effectClrLst/>
+    <dgm:txLinClrLst/>
+    <dgm:txFillClrLst meth="repeat">
+      <a:schemeClr val="lt1"/>
+    </dgm:txFillClrLst>
+    <dgm:txEffectClrLst/>
+  </dgm:styleLbl>
+  <dgm:styleLbl name="fgShp">
+    <dgm:fillClrLst meth="repeat">
+      <a:schemeClr val="accent1">
+        <a:tint val="60000"/>
+      </a:schemeClr>
+    </dgm:fillClrLst>
+    <dgm:linClrLst meth="repeat">
+      <a:schemeClr val="lt1"/>
+    </dgm:linClrLst>
+    <dgm:effectClrLst/>
+    <dgm:txLinClrLst/>
+    <dgm:txFillClrLst meth="repeat">
+      <a:schemeClr val="dk1"/>
+    </dgm:txFillClrLst>
+    <dgm:txEffectClrLst/>
+  </dgm:styleLbl>
+  <dgm:styleLbl name="revTx">
+    <dgm:fillClrLst meth="repeat">
+      <a:schemeClr val="lt1">
+        <a:alpha val="0"/>
+      </a:schemeClr>
+    </dgm:fillClrLst>
+    <dgm:linClrLst meth="repeat">
+      <a:schemeClr val="dk1">
+        <a:alpha val="0"/>
+      </a:schemeClr>
+    </dgm:linClrLst>
+    <dgm:effectClrLst/>
+    <dgm:txLinClrLst/>
+    <dgm:txFillClrLst meth="repeat">
+      <a:schemeClr val="tx1"/>
+    </dgm:txFillClrLst>
+    <dgm:txEffectClrLst/>
+  </dgm:styleLbl>
+</dgm:colorsDef>
+</file>
+
+<file path=ppt/diagrams/data1.xml><?xml version="1.0" encoding="utf-8"?>
+<dgm:dataModel xmlns:dgm="http://schemas.openxmlformats.org/drawingml/2006/diagram" xmlns:a="http://schemas.openxmlformats.org/drawingml/2006/main">
+  <dgm:ptLst>
+    <dgm:pt modelId="{98639157-48BA-4B0C-847B-A3473CE6B503}" type="doc">
+      <dgm:prSet loTypeId="urn:microsoft.com/office/officeart/2005/8/layout/vList5" loCatId="list" qsTypeId="urn:microsoft.com/office/officeart/2005/8/quickstyle/simple1" qsCatId="simple" csTypeId="urn:microsoft.com/office/officeart/2005/8/colors/accent1_2" csCatId="accent1"/>
+      <dgm:spPr/>
+      <dgm:t>
+        <a:bodyPr/>
+        <a:lstStyle/>
+        <a:p>
+          <a:endParaRPr lang="en-CM"/>
+        </a:p>
+      </dgm:t>
+    </dgm:pt>
+    <dgm:pt modelId="{A5F32D69-EE26-48C2-B2D7-DE0821164198}">
+      <dgm:prSet/>
+      <dgm:spPr/>
+      <dgm:t>
+        <a:bodyPr/>
+        <a:lstStyle/>
+        <a:p>
+          <a:r>
+            <a:rPr lang="en-CM"/>
+            <a:t>Data Pre-processing</a:t>
+          </a:r>
+          <a:br>
+            <a:rPr lang="en-CM"/>
+          </a:br>
+          <a:endParaRPr lang="en-CM"/>
+        </a:p>
+      </dgm:t>
+    </dgm:pt>
+    <dgm:pt modelId="{C5569B5A-3128-44DD-913A-F4D7F02DF60C}" type="parTrans" cxnId="{BFCE1B98-A756-44AB-9566-4A9E4EF76730}">
+      <dgm:prSet/>
+      <dgm:spPr/>
+      <dgm:t>
+        <a:bodyPr/>
+        <a:lstStyle/>
+        <a:p>
+          <a:endParaRPr lang="en-CM"/>
+        </a:p>
+      </dgm:t>
+    </dgm:pt>
+    <dgm:pt modelId="{19EE6E42-2AEC-43DA-BFED-59134298551F}" type="sibTrans" cxnId="{BFCE1B98-A756-44AB-9566-4A9E4EF76730}">
+      <dgm:prSet/>
+      <dgm:spPr/>
+      <dgm:t>
+        <a:bodyPr/>
+        <a:lstStyle/>
+        <a:p>
+          <a:endParaRPr lang="en-CM"/>
+        </a:p>
+      </dgm:t>
+    </dgm:pt>
+    <dgm:pt modelId="{770C1339-1CF5-458F-9EA6-9E35EB61EFA5}" type="pres">
+      <dgm:prSet presAssocID="{98639157-48BA-4B0C-847B-A3473CE6B503}" presName="Name0" presStyleCnt="0">
+        <dgm:presLayoutVars>
+          <dgm:dir/>
+          <dgm:animLvl val="lvl"/>
+          <dgm:resizeHandles val="exact"/>
+        </dgm:presLayoutVars>
+      </dgm:prSet>
+      <dgm:spPr/>
+    </dgm:pt>
+    <dgm:pt modelId="{3FB96008-CCB4-4493-B336-886575116642}" type="pres">
+      <dgm:prSet presAssocID="{A5F32D69-EE26-48C2-B2D7-DE0821164198}" presName="linNode" presStyleCnt="0"/>
+      <dgm:spPr/>
+    </dgm:pt>
+    <dgm:pt modelId="{9F984B66-E38A-4FEB-A02E-B9F46FDA13CD}" type="pres">
+      <dgm:prSet presAssocID="{A5F32D69-EE26-48C2-B2D7-DE0821164198}" presName="parentText" presStyleLbl="node1" presStyleIdx="0" presStyleCnt="1">
+        <dgm:presLayoutVars>
+          <dgm:chMax val="1"/>
+          <dgm:bulletEnabled val="1"/>
+        </dgm:presLayoutVars>
+      </dgm:prSet>
+      <dgm:spPr/>
+    </dgm:pt>
+  </dgm:ptLst>
+  <dgm:cxnLst>
+    <dgm:cxn modelId="{1C4BD30F-344F-48B0-9DDF-6F9F3083A161}" type="presOf" srcId="{A5F32D69-EE26-48C2-B2D7-DE0821164198}" destId="{9F984B66-E38A-4FEB-A02E-B9F46FDA13CD}" srcOrd="0" destOrd="0" presId="urn:microsoft.com/office/officeart/2005/8/layout/vList5"/>
+    <dgm:cxn modelId="{37805F17-2088-40C1-82CA-3DCB101AFE07}" type="presOf" srcId="{98639157-48BA-4B0C-847B-A3473CE6B503}" destId="{770C1339-1CF5-458F-9EA6-9E35EB61EFA5}" srcOrd="0" destOrd="0" presId="urn:microsoft.com/office/officeart/2005/8/layout/vList5"/>
+    <dgm:cxn modelId="{BFCE1B98-A756-44AB-9566-4A9E4EF76730}" srcId="{98639157-48BA-4B0C-847B-A3473CE6B503}" destId="{A5F32D69-EE26-48C2-B2D7-DE0821164198}" srcOrd="0" destOrd="0" parTransId="{C5569B5A-3128-44DD-913A-F4D7F02DF60C}" sibTransId="{19EE6E42-2AEC-43DA-BFED-59134298551F}"/>
+    <dgm:cxn modelId="{0B34CB83-5D11-4DA0-A0DE-D36BBF87981F}" type="presParOf" srcId="{770C1339-1CF5-458F-9EA6-9E35EB61EFA5}" destId="{3FB96008-CCB4-4493-B336-886575116642}" srcOrd="0" destOrd="0" presId="urn:microsoft.com/office/officeart/2005/8/layout/vList5"/>
+    <dgm:cxn modelId="{DFF0AD4C-FFB6-459B-8E6D-FED35FF9354B}" type="presParOf" srcId="{3FB96008-CCB4-4493-B336-886575116642}" destId="{9F984B66-E38A-4FEB-A02E-B9F46FDA13CD}" srcOrd="0" destOrd="0" presId="urn:microsoft.com/office/officeart/2005/8/layout/vList5"/>
+  </dgm:cxnLst>
+  <dgm:bg/>
+  <dgm:whole/>
+  <dgm:extLst>
+    <a:ext uri="http://schemas.microsoft.com/office/drawing/2008/diagram">
+      <dsp:dataModelExt xmlns:dsp="http://schemas.microsoft.com/office/drawing/2008/diagram" relId="rId6" minVer="http://schemas.openxmlformats.org/drawingml/2006/diagram"/>
+    </a:ext>
+  </dgm:extLst>
+</dgm:dataModel>
+</file>
+
+<file path=ppt/diagrams/data2.xml><?xml version="1.0" encoding="utf-8"?>
+<dgm:dataModel xmlns:dgm="http://schemas.openxmlformats.org/drawingml/2006/diagram" xmlns:a="http://schemas.openxmlformats.org/drawingml/2006/main">
+  <dgm:ptLst>
+    <dgm:pt modelId="{08F9B717-1985-42F7-B982-926186E8BA5C}" type="doc">
+      <dgm:prSet loTypeId="urn:microsoft.com/office/officeart/2005/8/layout/hProcess11" loCatId="process" qsTypeId="urn:microsoft.com/office/officeart/2005/8/quickstyle/simple1" qsCatId="simple" csTypeId="urn:microsoft.com/office/officeart/2005/8/colors/accent1_2" csCatId="accent1" phldr="1"/>
+      <dgm:spPr/>
+      <dgm:t>
+        <a:bodyPr/>
+        <a:lstStyle/>
+        <a:p>
+          <a:endParaRPr lang="en-CM"/>
+        </a:p>
+      </dgm:t>
+    </dgm:pt>
+    <dgm:pt modelId="{05BB6321-A330-408E-95DF-99134CF29CB6}">
+      <dgm:prSet/>
+      <dgm:spPr/>
+      <dgm:t>
+        <a:bodyPr/>
+        <a:lstStyle/>
+        <a:p>
+          <a:r>
+            <a:rPr lang="en-CM"/>
+            <a:t>Load 3D datasets from the specified data path</a:t>
+          </a:r>
+        </a:p>
+      </dgm:t>
+    </dgm:pt>
+    <dgm:pt modelId="{4BAB00C1-5780-4283-B77C-9DBB7ED0C736}" type="parTrans" cxnId="{DEE4FADA-BD19-44F6-8967-AB8FC00CC12D}">
+      <dgm:prSet/>
+      <dgm:spPr/>
+      <dgm:t>
+        <a:bodyPr/>
+        <a:lstStyle/>
+        <a:p>
+          <a:endParaRPr lang="en-CM"/>
+        </a:p>
+      </dgm:t>
+    </dgm:pt>
+    <dgm:pt modelId="{591A6FF4-C8D2-458C-86F0-5E59B142D033}" type="sibTrans" cxnId="{DEE4FADA-BD19-44F6-8967-AB8FC00CC12D}">
+      <dgm:prSet/>
+      <dgm:spPr/>
+      <dgm:t>
+        <a:bodyPr/>
+        <a:lstStyle/>
+        <a:p>
+          <a:endParaRPr lang="en-CM"/>
+        </a:p>
+      </dgm:t>
+    </dgm:pt>
+    <dgm:pt modelId="{A27C0B3D-97A6-4E3D-BB28-8E3E378BEBC7}">
+      <dgm:prSet/>
+      <dgm:spPr/>
+      <dgm:t>
+        <a:bodyPr/>
+        <a:lstStyle/>
+        <a:p>
+          <a:r>
+            <a:rPr lang="en-CM" dirty="0"/>
+            <a:t>Inspect and visualize the data to understand the noise and</a:t>
+          </a:r>
+          <a:r>
+            <a:rPr lang="en-US" dirty="0"/>
+            <a:t> </a:t>
+          </a:r>
+          <a:r>
+            <a:rPr lang="en-CM" dirty="0"/>
+            <a:t>uncertain</a:t>
+          </a:r>
+          <a:r>
+            <a:rPr lang="en-US" dirty="0"/>
+            <a:t>t</a:t>
+          </a:r>
+          <a:r>
+            <a:rPr lang="en-CM" dirty="0"/>
+            <a:t>y characteristics</a:t>
+          </a:r>
+          <a:r>
+            <a:rPr lang="en-US" dirty="0"/>
+            <a:t>    </a:t>
+          </a:r>
+          <a:endParaRPr lang="en-CM" dirty="0"/>
+        </a:p>
+      </dgm:t>
+    </dgm:pt>
+    <dgm:pt modelId="{ECCE1DA6-F338-4183-8452-83E1FC2B2649}" type="parTrans" cxnId="{8A285C32-8592-4E1E-8609-698014BBF085}">
+      <dgm:prSet/>
+      <dgm:spPr/>
+      <dgm:t>
+        <a:bodyPr/>
+        <a:lstStyle/>
+        <a:p>
+          <a:endParaRPr lang="en-CM"/>
+        </a:p>
+      </dgm:t>
+    </dgm:pt>
+    <dgm:pt modelId="{DBDB5803-EA64-4986-9191-86F73CADC4B4}" type="sibTrans" cxnId="{8A285C32-8592-4E1E-8609-698014BBF085}">
+      <dgm:prSet/>
+      <dgm:spPr/>
+      <dgm:t>
+        <a:bodyPr/>
+        <a:lstStyle/>
+        <a:p>
+          <a:endParaRPr lang="en-CM"/>
+        </a:p>
+      </dgm:t>
+    </dgm:pt>
+    <dgm:pt modelId="{76FBB928-B054-4B02-8171-D48CAE10817B}">
+      <dgm:prSet/>
+      <dgm:spPr/>
+      <dgm:t>
+        <a:bodyPr/>
+        <a:lstStyle/>
+        <a:p>
+          <a:endParaRPr lang="en-CM" dirty="0"/>
+        </a:p>
+      </dgm:t>
+    </dgm:pt>
+    <dgm:pt modelId="{D1608EF0-29D5-4ADF-B281-8B6D6851EABA}" type="parTrans" cxnId="{C01E307F-0174-453C-A41A-1F78C11A4B6B}">
+      <dgm:prSet/>
+      <dgm:spPr/>
+      <dgm:t>
+        <a:bodyPr/>
+        <a:lstStyle/>
+        <a:p>
+          <a:endParaRPr lang="en-CM"/>
+        </a:p>
+      </dgm:t>
+    </dgm:pt>
+    <dgm:pt modelId="{380E514D-35F8-4A04-AF3C-4831228E7546}" type="sibTrans" cxnId="{C01E307F-0174-453C-A41A-1F78C11A4B6B}">
+      <dgm:prSet/>
+      <dgm:spPr/>
+      <dgm:t>
+        <a:bodyPr/>
+        <a:lstStyle/>
+        <a:p>
+          <a:endParaRPr lang="en-CM"/>
+        </a:p>
+      </dgm:t>
+    </dgm:pt>
+    <dgm:pt modelId="{1BDB7EC6-05CC-4362-85EB-A23ADCE115F1}">
+      <dgm:prSet/>
+      <dgm:spPr/>
+      <dgm:t>
+        <a:bodyPr/>
+        <a:lstStyle/>
+        <a:p>
+          <a:r>
+            <a:rPr lang="en-CM" dirty="0"/>
+            <a:t>Identify and handle any outliers or invalid data points</a:t>
+          </a:r>
+        </a:p>
+      </dgm:t>
+    </dgm:pt>
+    <dgm:pt modelId="{9226FA0A-A26B-487E-B80B-0CEC20893080}" type="parTrans" cxnId="{13A3229C-48D8-4720-88E0-6EC91BE3B08D}">
+      <dgm:prSet/>
+      <dgm:spPr/>
+      <dgm:t>
+        <a:bodyPr/>
+        <a:lstStyle/>
+        <a:p>
+          <a:endParaRPr lang="en-CM"/>
+        </a:p>
+      </dgm:t>
+    </dgm:pt>
+    <dgm:pt modelId="{91F8CB9D-2E08-46DA-B036-9CB13957A305}" type="sibTrans" cxnId="{13A3229C-48D8-4720-88E0-6EC91BE3B08D}">
+      <dgm:prSet/>
+      <dgm:spPr/>
+      <dgm:t>
+        <a:bodyPr/>
+        <a:lstStyle/>
+        <a:p>
+          <a:endParaRPr lang="en-CM"/>
+        </a:p>
+      </dgm:t>
+    </dgm:pt>
+    <dgm:pt modelId="{C3D3E9B1-D9DE-4CA4-A1EC-D834362D7318}">
+      <dgm:prSet/>
+      <dgm:spPr/>
+      <dgm:t>
+        <a:bodyPr/>
+        <a:lstStyle/>
+        <a:p>
+          <a:r>
+            <a:rPr lang="en-CM" dirty="0"/>
+            <a:t>Scale the data to appropriate units</a:t>
+          </a:r>
+        </a:p>
+      </dgm:t>
+    </dgm:pt>
+    <dgm:pt modelId="{1958244E-DB3A-4102-8F6A-54E967588B1F}" type="parTrans" cxnId="{7B3D7537-B55D-46F5-A174-2A6C423CAD21}">
+      <dgm:prSet/>
+      <dgm:spPr/>
+      <dgm:t>
+        <a:bodyPr/>
+        <a:lstStyle/>
+        <a:p>
+          <a:endParaRPr lang="en-CM"/>
+        </a:p>
+      </dgm:t>
+    </dgm:pt>
+    <dgm:pt modelId="{BCE012A7-2CB8-40DE-8CC0-AA8FD24A83F9}" type="sibTrans" cxnId="{7B3D7537-B55D-46F5-A174-2A6C423CAD21}">
+      <dgm:prSet/>
+      <dgm:spPr/>
+      <dgm:t>
+        <a:bodyPr/>
+        <a:lstStyle/>
+        <a:p>
+          <a:endParaRPr lang="en-CM"/>
+        </a:p>
+      </dgm:t>
+    </dgm:pt>
+    <dgm:pt modelId="{B7707723-B41A-42A4-BCC0-2C6E984B9573}" type="pres">
+      <dgm:prSet presAssocID="{08F9B717-1985-42F7-B982-926186E8BA5C}" presName="Name0" presStyleCnt="0">
+        <dgm:presLayoutVars>
+          <dgm:dir/>
+          <dgm:resizeHandles val="exact"/>
+        </dgm:presLayoutVars>
+      </dgm:prSet>
+      <dgm:spPr/>
+    </dgm:pt>
+    <dgm:pt modelId="{629808B2-7A94-4553-A798-6A4131D874B2}" type="pres">
+      <dgm:prSet presAssocID="{08F9B717-1985-42F7-B982-926186E8BA5C}" presName="arrow" presStyleLbl="bgShp" presStyleIdx="0" presStyleCnt="1"/>
+      <dgm:spPr/>
+    </dgm:pt>
+    <dgm:pt modelId="{4699ED3C-92B2-4741-93FB-42F6EFF3581B}" type="pres">
+      <dgm:prSet presAssocID="{08F9B717-1985-42F7-B982-926186E8BA5C}" presName="points" presStyleCnt="0"/>
+      <dgm:spPr/>
+    </dgm:pt>
+    <dgm:pt modelId="{3FA7A92E-0F24-461C-B84A-FE9B72828C83}" type="pres">
+      <dgm:prSet presAssocID="{05BB6321-A330-408E-95DF-99134CF29CB6}" presName="compositeA" presStyleCnt="0"/>
+      <dgm:spPr/>
+    </dgm:pt>
+    <dgm:pt modelId="{8F02312A-F819-446D-99A0-CBB58CA2FBE4}" type="pres">
+      <dgm:prSet presAssocID="{05BB6321-A330-408E-95DF-99134CF29CB6}" presName="textA" presStyleLbl="revTx" presStyleIdx="0" presStyleCnt="3">
+        <dgm:presLayoutVars>
+          <dgm:bulletEnabled val="1"/>
+        </dgm:presLayoutVars>
+      </dgm:prSet>
+      <dgm:spPr/>
+    </dgm:pt>
+    <dgm:pt modelId="{3CED0993-400D-4FA5-B29C-8F06752D46AE}" type="pres">
+      <dgm:prSet presAssocID="{05BB6321-A330-408E-95DF-99134CF29CB6}" presName="circleA" presStyleLbl="node1" presStyleIdx="0" presStyleCnt="3"/>
+      <dgm:spPr/>
+    </dgm:pt>
+    <dgm:pt modelId="{22AD8345-8145-4C07-8E57-16689246F43D}" type="pres">
+      <dgm:prSet presAssocID="{05BB6321-A330-408E-95DF-99134CF29CB6}" presName="spaceA" presStyleCnt="0"/>
+      <dgm:spPr/>
+    </dgm:pt>
+    <dgm:pt modelId="{1212CB44-AF59-4A24-8E08-F9CBB4225072}" type="pres">
+      <dgm:prSet presAssocID="{591A6FF4-C8D2-458C-86F0-5E59B142D033}" presName="space" presStyleCnt="0"/>
+      <dgm:spPr/>
+    </dgm:pt>
+    <dgm:pt modelId="{10366B9F-A2A6-4FAD-A826-CB36621C0580}" type="pres">
+      <dgm:prSet presAssocID="{A27C0B3D-97A6-4E3D-BB28-8E3E378BEBC7}" presName="compositeB" presStyleCnt="0"/>
+      <dgm:spPr/>
+    </dgm:pt>
+    <dgm:pt modelId="{80097DAD-78F4-44DC-9AED-3D82DD60917E}" type="pres">
+      <dgm:prSet presAssocID="{A27C0B3D-97A6-4E3D-BB28-8E3E378BEBC7}" presName="textB" presStyleLbl="revTx" presStyleIdx="1" presStyleCnt="3">
+        <dgm:presLayoutVars>
+          <dgm:bulletEnabled val="1"/>
+        </dgm:presLayoutVars>
+      </dgm:prSet>
+      <dgm:spPr/>
+    </dgm:pt>
+    <dgm:pt modelId="{54E71954-74EF-44E3-9787-F320C03E0212}" type="pres">
+      <dgm:prSet presAssocID="{A27C0B3D-97A6-4E3D-BB28-8E3E378BEBC7}" presName="circleB" presStyleLbl="node1" presStyleIdx="1" presStyleCnt="3"/>
+      <dgm:spPr/>
+    </dgm:pt>
+    <dgm:pt modelId="{847554B3-1AEB-47AE-8527-7A21655CD563}" type="pres">
+      <dgm:prSet presAssocID="{A27C0B3D-97A6-4E3D-BB28-8E3E378BEBC7}" presName="spaceB" presStyleCnt="0"/>
+      <dgm:spPr/>
+    </dgm:pt>
+    <dgm:pt modelId="{AEC239B4-00CD-49F1-B56B-E8B5FF024593}" type="pres">
+      <dgm:prSet presAssocID="{DBDB5803-EA64-4986-9191-86F73CADC4B4}" presName="space" presStyleCnt="0"/>
+      <dgm:spPr/>
+    </dgm:pt>
+    <dgm:pt modelId="{E0C9714D-080C-4830-ADCF-064A05BEE66D}" type="pres">
+      <dgm:prSet presAssocID="{76FBB928-B054-4B02-8171-D48CAE10817B}" presName="compositeA" presStyleCnt="0"/>
+      <dgm:spPr/>
+    </dgm:pt>
+    <dgm:pt modelId="{2177474B-1037-4962-9F06-5C4588D6938B}" type="pres">
+      <dgm:prSet presAssocID="{76FBB928-B054-4B02-8171-D48CAE10817B}" presName="textA" presStyleLbl="revTx" presStyleIdx="2" presStyleCnt="3">
+        <dgm:presLayoutVars>
+          <dgm:bulletEnabled val="1"/>
+        </dgm:presLayoutVars>
+      </dgm:prSet>
+      <dgm:spPr/>
+    </dgm:pt>
+    <dgm:pt modelId="{A5064657-4888-4C80-B5B9-D5E36423EBCC}" type="pres">
+      <dgm:prSet presAssocID="{76FBB928-B054-4B02-8171-D48CAE10817B}" presName="circleA" presStyleLbl="node1" presStyleIdx="2" presStyleCnt="3"/>
+      <dgm:spPr/>
+    </dgm:pt>
+    <dgm:pt modelId="{41AAB836-000F-46C3-BFB9-0A2AA73F03AD}" type="pres">
+      <dgm:prSet presAssocID="{76FBB928-B054-4B02-8171-D48CAE10817B}" presName="spaceA" presStyleCnt="0"/>
+      <dgm:spPr/>
+    </dgm:pt>
+  </dgm:ptLst>
+  <dgm:cxnLst>
+    <dgm:cxn modelId="{8A285C32-8592-4E1E-8609-698014BBF085}" srcId="{08F9B717-1985-42F7-B982-926186E8BA5C}" destId="{A27C0B3D-97A6-4E3D-BB28-8E3E378BEBC7}" srcOrd="1" destOrd="0" parTransId="{ECCE1DA6-F338-4183-8452-83E1FC2B2649}" sibTransId="{DBDB5803-EA64-4986-9191-86F73CADC4B4}"/>
+    <dgm:cxn modelId="{7B3D7537-B55D-46F5-A174-2A6C423CAD21}" srcId="{76FBB928-B054-4B02-8171-D48CAE10817B}" destId="{C3D3E9B1-D9DE-4CA4-A1EC-D834362D7318}" srcOrd="1" destOrd="0" parTransId="{1958244E-DB3A-4102-8F6A-54E967588B1F}" sibTransId="{BCE012A7-2CB8-40DE-8CC0-AA8FD24A83F9}"/>
+    <dgm:cxn modelId="{1AF2913F-1BC8-4CD0-8E16-B02BB1F4D65A}" type="presOf" srcId="{05BB6321-A330-408E-95DF-99134CF29CB6}" destId="{8F02312A-F819-446D-99A0-CBB58CA2FBE4}" srcOrd="0" destOrd="0" presId="urn:microsoft.com/office/officeart/2005/8/layout/hProcess11"/>
+    <dgm:cxn modelId="{DEB28468-46A6-4823-ABB7-6B065A74A08E}" type="presOf" srcId="{1BDB7EC6-05CC-4362-85EB-A23ADCE115F1}" destId="{2177474B-1037-4962-9F06-5C4588D6938B}" srcOrd="0" destOrd="1" presId="urn:microsoft.com/office/officeart/2005/8/layout/hProcess11"/>
+    <dgm:cxn modelId="{C01E307F-0174-453C-A41A-1F78C11A4B6B}" srcId="{08F9B717-1985-42F7-B982-926186E8BA5C}" destId="{76FBB928-B054-4B02-8171-D48CAE10817B}" srcOrd="2" destOrd="0" parTransId="{D1608EF0-29D5-4ADF-B281-8B6D6851EABA}" sibTransId="{380E514D-35F8-4A04-AF3C-4831228E7546}"/>
+    <dgm:cxn modelId="{13A3229C-48D8-4720-88E0-6EC91BE3B08D}" srcId="{76FBB928-B054-4B02-8171-D48CAE10817B}" destId="{1BDB7EC6-05CC-4362-85EB-A23ADCE115F1}" srcOrd="0" destOrd="0" parTransId="{9226FA0A-A26B-487E-B80B-0CEC20893080}" sibTransId="{91F8CB9D-2E08-46DA-B036-9CB13957A305}"/>
+    <dgm:cxn modelId="{0F7B24A6-F08A-4916-A162-7BD9469E8911}" type="presOf" srcId="{08F9B717-1985-42F7-B982-926186E8BA5C}" destId="{B7707723-B41A-42A4-BCC0-2C6E984B9573}" srcOrd="0" destOrd="0" presId="urn:microsoft.com/office/officeart/2005/8/layout/hProcess11"/>
+    <dgm:cxn modelId="{72C074BA-0B5B-4EC1-9202-E96168E49C0F}" type="presOf" srcId="{C3D3E9B1-D9DE-4CA4-A1EC-D834362D7318}" destId="{2177474B-1037-4962-9F06-5C4588D6938B}" srcOrd="0" destOrd="2" presId="urn:microsoft.com/office/officeart/2005/8/layout/hProcess11"/>
+    <dgm:cxn modelId="{15DF7ED1-CD9F-4E16-8E49-DA6545422DE1}" type="presOf" srcId="{A27C0B3D-97A6-4E3D-BB28-8E3E378BEBC7}" destId="{80097DAD-78F4-44DC-9AED-3D82DD60917E}" srcOrd="0" destOrd="0" presId="urn:microsoft.com/office/officeart/2005/8/layout/hProcess11"/>
+    <dgm:cxn modelId="{DEE4FADA-BD19-44F6-8967-AB8FC00CC12D}" srcId="{08F9B717-1985-42F7-B982-926186E8BA5C}" destId="{05BB6321-A330-408E-95DF-99134CF29CB6}" srcOrd="0" destOrd="0" parTransId="{4BAB00C1-5780-4283-B77C-9DBB7ED0C736}" sibTransId="{591A6FF4-C8D2-458C-86F0-5E59B142D033}"/>
+    <dgm:cxn modelId="{F732C2EC-0D4B-44B5-B806-A8D4BFAE2252}" type="presOf" srcId="{76FBB928-B054-4B02-8171-D48CAE10817B}" destId="{2177474B-1037-4962-9F06-5C4588D6938B}" srcOrd="0" destOrd="0" presId="urn:microsoft.com/office/officeart/2005/8/layout/hProcess11"/>
+    <dgm:cxn modelId="{B6D741F9-EBE9-4927-8796-B1828FA59342}" type="presParOf" srcId="{B7707723-B41A-42A4-BCC0-2C6E984B9573}" destId="{629808B2-7A94-4553-A798-6A4131D874B2}" srcOrd="0" destOrd="0" presId="urn:microsoft.com/office/officeart/2005/8/layout/hProcess11"/>
+    <dgm:cxn modelId="{91A6A982-8D9B-4D81-A6B8-41D47557F155}" type="presParOf" srcId="{B7707723-B41A-42A4-BCC0-2C6E984B9573}" destId="{4699ED3C-92B2-4741-93FB-42F6EFF3581B}" srcOrd="1" destOrd="0" presId="urn:microsoft.com/office/officeart/2005/8/layout/hProcess11"/>
+    <dgm:cxn modelId="{A741B4B7-CD4D-4E7A-B514-00ACD1F4A222}" type="presParOf" srcId="{4699ED3C-92B2-4741-93FB-42F6EFF3581B}" destId="{3FA7A92E-0F24-461C-B84A-FE9B72828C83}" srcOrd="0" destOrd="0" presId="urn:microsoft.com/office/officeart/2005/8/layout/hProcess11"/>
+    <dgm:cxn modelId="{B2CB7887-DCBA-4434-971E-AF15CE38B394}" type="presParOf" srcId="{3FA7A92E-0F24-461C-B84A-FE9B72828C83}" destId="{8F02312A-F819-446D-99A0-CBB58CA2FBE4}" srcOrd="0" destOrd="0" presId="urn:microsoft.com/office/officeart/2005/8/layout/hProcess11"/>
+    <dgm:cxn modelId="{B79F104F-83AB-48FD-9E94-FF1864C30137}" type="presParOf" srcId="{3FA7A92E-0F24-461C-B84A-FE9B72828C83}" destId="{3CED0993-400D-4FA5-B29C-8F06752D46AE}" srcOrd="1" destOrd="0" presId="urn:microsoft.com/office/officeart/2005/8/layout/hProcess11"/>
+    <dgm:cxn modelId="{819FCAEA-4782-48E4-B417-4895CB82D357}" type="presParOf" srcId="{3FA7A92E-0F24-461C-B84A-FE9B72828C83}" destId="{22AD8345-8145-4C07-8E57-16689246F43D}" srcOrd="2" destOrd="0" presId="urn:microsoft.com/office/officeart/2005/8/layout/hProcess11"/>
+    <dgm:cxn modelId="{09A4EFE2-5CF5-45C7-9A3A-BF1108959CA2}" type="presParOf" srcId="{4699ED3C-92B2-4741-93FB-42F6EFF3581B}" destId="{1212CB44-AF59-4A24-8E08-F9CBB4225072}" srcOrd="1" destOrd="0" presId="urn:microsoft.com/office/officeart/2005/8/layout/hProcess11"/>
+    <dgm:cxn modelId="{E422531E-072C-415D-8CED-36783A223127}" type="presParOf" srcId="{4699ED3C-92B2-4741-93FB-42F6EFF3581B}" destId="{10366B9F-A2A6-4FAD-A826-CB36621C0580}" srcOrd="2" destOrd="0" presId="urn:microsoft.com/office/officeart/2005/8/layout/hProcess11"/>
+    <dgm:cxn modelId="{6A2F393F-F372-46C6-A06E-5F7C808412CE}" type="presParOf" srcId="{10366B9F-A2A6-4FAD-A826-CB36621C0580}" destId="{80097DAD-78F4-44DC-9AED-3D82DD60917E}" srcOrd="0" destOrd="0" presId="urn:microsoft.com/office/officeart/2005/8/layout/hProcess11"/>
+    <dgm:cxn modelId="{F466D99F-7575-4690-A92F-4FA4C452BEF9}" type="presParOf" srcId="{10366B9F-A2A6-4FAD-A826-CB36621C0580}" destId="{54E71954-74EF-44E3-9787-F320C03E0212}" srcOrd="1" destOrd="0" presId="urn:microsoft.com/office/officeart/2005/8/layout/hProcess11"/>
+    <dgm:cxn modelId="{5E6301E3-F1C1-4B1E-BF0F-C4E4F7712B46}" type="presParOf" srcId="{10366B9F-A2A6-4FAD-A826-CB36621C0580}" destId="{847554B3-1AEB-47AE-8527-7A21655CD563}" srcOrd="2" destOrd="0" presId="urn:microsoft.com/office/officeart/2005/8/layout/hProcess11"/>
+    <dgm:cxn modelId="{39CFCDCE-CC26-401A-946F-145C1BD3E5FA}" type="presParOf" srcId="{4699ED3C-92B2-4741-93FB-42F6EFF3581B}" destId="{AEC239B4-00CD-49F1-B56B-E8B5FF024593}" srcOrd="3" destOrd="0" presId="urn:microsoft.com/office/officeart/2005/8/layout/hProcess11"/>
+    <dgm:cxn modelId="{91FA4BFE-A7EC-453E-B12D-E6506567F06A}" type="presParOf" srcId="{4699ED3C-92B2-4741-93FB-42F6EFF3581B}" destId="{E0C9714D-080C-4830-ADCF-064A05BEE66D}" srcOrd="4" destOrd="0" presId="urn:microsoft.com/office/officeart/2005/8/layout/hProcess11"/>
+    <dgm:cxn modelId="{BA21E7E0-77B3-47D2-8D94-01D5FC7BC270}" type="presParOf" srcId="{E0C9714D-080C-4830-ADCF-064A05BEE66D}" destId="{2177474B-1037-4962-9F06-5C4588D6938B}" srcOrd="0" destOrd="0" presId="urn:microsoft.com/office/officeart/2005/8/layout/hProcess11"/>
+    <dgm:cxn modelId="{7C87D09E-3167-45AE-84A7-057073CE030E}" type="presParOf" srcId="{E0C9714D-080C-4830-ADCF-064A05BEE66D}" destId="{A5064657-4888-4C80-B5B9-D5E36423EBCC}" srcOrd="1" destOrd="0" presId="urn:microsoft.com/office/officeart/2005/8/layout/hProcess11"/>
+    <dgm:cxn modelId="{3B10E8C6-4340-4D52-BE4F-E6405DB0D06F}" type="presParOf" srcId="{E0C9714D-080C-4830-ADCF-064A05BEE66D}" destId="{41AAB836-000F-46C3-BFB9-0A2AA73F03AD}" srcOrd="2" destOrd="0" presId="urn:microsoft.com/office/officeart/2005/8/layout/hProcess11"/>
+  </dgm:cxnLst>
+  <dgm:bg/>
+  <dgm:whole/>
+  <dgm:extLst>
+    <a:ext uri="http://schemas.microsoft.com/office/drawing/2008/diagram">
+      <dsp:dataModelExt xmlns:dsp="http://schemas.microsoft.com/office/drawing/2008/diagram" relId="rId11" minVer="http://schemas.openxmlformats.org/drawingml/2006/diagram"/>
+    </a:ext>
+  </dgm:extLst>
+</dgm:dataModel>
+</file>
+
+<file path=ppt/diagrams/drawing1.xml><?xml version="1.0" encoding="utf-8"?>
+<dsp:drawing xmlns:dgm="http://schemas.openxmlformats.org/drawingml/2006/diagram" xmlns:dsp="http://schemas.microsoft.com/office/drawing/2008/diagram" xmlns:a="http://schemas.openxmlformats.org/drawingml/2006/main">
+  <dsp:spTree>
+    <dsp:nvGrpSpPr>
+      <dsp:cNvPr id="0" name=""/>
+      <dsp:cNvGrpSpPr/>
+    </dsp:nvGrpSpPr>
+    <dsp:grpSpPr/>
+    <dsp:sp modelId="{9F984B66-E38A-4FEB-A02E-B9F46FDA13CD}">
+      <dsp:nvSpPr>
+        <dsp:cNvPr id="0" name=""/>
+        <dsp:cNvSpPr/>
+      </dsp:nvSpPr>
+      <dsp:spPr>
+        <a:xfrm>
+          <a:off x="3364992" y="0"/>
+          <a:ext cx="3785616" cy="1325563"/>
+        </a:xfrm>
+        <a:prstGeom prst="roundRect">
+          <a:avLst/>
+        </a:prstGeom>
+        <a:solidFill>
+          <a:schemeClr val="accent1">
+            <a:hueOff val="0"/>
+            <a:satOff val="0"/>
+            <a:lumOff val="0"/>
+            <a:alphaOff val="0"/>
+          </a:schemeClr>
+        </a:solidFill>
+        <a:ln w="12700" cap="flat" cmpd="sng" algn="ctr">
+          <a:solidFill>
+            <a:schemeClr val="lt1">
+              <a:hueOff val="0"/>
+              <a:satOff val="0"/>
+              <a:lumOff val="0"/>
+              <a:alphaOff val="0"/>
+            </a:schemeClr>
+          </a:solidFill>
+          <a:prstDash val="solid"/>
+          <a:miter lim="800000"/>
+        </a:ln>
+        <a:effectLst/>
+      </dsp:spPr>
+      <dsp:style>
+        <a:lnRef idx="2">
+          <a:scrgbClr r="0" g="0" b="0"/>
+        </a:lnRef>
+        <a:fillRef idx="1">
+          <a:scrgbClr r="0" g="0" b="0"/>
+        </a:fillRef>
+        <a:effectRef idx="0">
+          <a:scrgbClr r="0" g="0" b="0"/>
+        </a:effectRef>
+        <a:fontRef idx="minor">
+          <a:schemeClr val="lt1"/>
+        </a:fontRef>
+      </dsp:style>
+      <dsp:txBody>
+        <a:bodyPr spcFirstLastPara="0" vert="horz" wrap="square" lIns="125730" tIns="62865" rIns="125730" bIns="62865" numCol="1" spcCol="1270" anchor="ctr" anchorCtr="0">
+          <a:noAutofit/>
+        </a:bodyPr>
+        <a:lstStyle/>
+        <a:p>
+          <a:pPr marL="0" lvl="0" indent="0" algn="ctr" defTabSz="1466850">
+            <a:lnSpc>
+              <a:spcPct val="90000"/>
+            </a:lnSpc>
+            <a:spcBef>
+              <a:spcPct val="0"/>
+            </a:spcBef>
+            <a:spcAft>
+              <a:spcPct val="35000"/>
+            </a:spcAft>
+            <a:buNone/>
+          </a:pPr>
+          <a:r>
+            <a:rPr lang="en-CM" sz="3300" kern="1200"/>
+            <a:t>Data Pre-processing</a:t>
+          </a:r>
+          <a:br>
+            <a:rPr lang="en-CM" sz="3300" kern="1200"/>
+          </a:br>
+          <a:endParaRPr lang="en-CM" sz="3300" kern="1200"/>
+        </a:p>
+      </dsp:txBody>
+      <dsp:txXfrm>
+        <a:off x="3429701" y="64709"/>
+        <a:ext cx="3656198" cy="1196145"/>
+      </dsp:txXfrm>
+    </dsp:sp>
+  </dsp:spTree>
+</dsp:drawing>
+</file>
+
+<file path=ppt/diagrams/drawing2.xml><?xml version="1.0" encoding="utf-8"?>
+<dsp:drawing xmlns:dgm="http://schemas.openxmlformats.org/drawingml/2006/diagram" xmlns:dsp="http://schemas.microsoft.com/office/drawing/2008/diagram" xmlns:a="http://schemas.openxmlformats.org/drawingml/2006/main">
+  <dsp:spTree>
+    <dsp:nvGrpSpPr>
+      <dsp:cNvPr id="0" name=""/>
+      <dsp:cNvGrpSpPr/>
+    </dsp:nvGrpSpPr>
+    <dsp:grpSpPr/>
+    <dsp:sp modelId="{629808B2-7A94-4553-A798-6A4131D874B2}">
+      <dsp:nvSpPr>
+        <dsp:cNvPr id="0" name=""/>
+        <dsp:cNvSpPr/>
+      </dsp:nvSpPr>
+      <dsp:spPr>
+        <a:xfrm>
+          <a:off x="0" y="1277813"/>
+          <a:ext cx="10515600" cy="1703750"/>
+        </a:xfrm>
+        <a:prstGeom prst="notchedRightArrow">
+          <a:avLst/>
+        </a:prstGeom>
+        <a:solidFill>
+          <a:schemeClr val="accent1">
+            <a:tint val="40000"/>
+            <a:hueOff val="0"/>
+            <a:satOff val="0"/>
+            <a:lumOff val="0"/>
+            <a:alphaOff val="0"/>
+          </a:schemeClr>
+        </a:solidFill>
+        <a:ln>
+          <a:noFill/>
+        </a:ln>
+        <a:effectLst/>
+      </dsp:spPr>
+      <dsp:style>
+        <a:lnRef idx="0">
+          <a:scrgbClr r="0" g="0" b="0"/>
+        </a:lnRef>
+        <a:fillRef idx="1">
+          <a:scrgbClr r="0" g="0" b="0"/>
+        </a:fillRef>
+        <a:effectRef idx="0">
+          <a:scrgbClr r="0" g="0" b="0"/>
+        </a:effectRef>
+        <a:fontRef idx="minor"/>
+      </dsp:style>
+    </dsp:sp>
+    <dsp:sp modelId="{8F02312A-F819-446D-99A0-CBB58CA2FBE4}">
+      <dsp:nvSpPr>
+        <dsp:cNvPr id="0" name=""/>
+        <dsp:cNvSpPr/>
+      </dsp:nvSpPr>
+      <dsp:spPr>
+        <a:xfrm>
+          <a:off x="4621" y="0"/>
+          <a:ext cx="3049934" cy="1703750"/>
+        </a:xfrm>
+        <a:prstGeom prst="rect">
+          <a:avLst/>
+        </a:prstGeom>
+        <a:noFill/>
+        <a:ln>
+          <a:noFill/>
+        </a:ln>
+        <a:effectLst/>
+      </dsp:spPr>
+      <dsp:style>
+        <a:lnRef idx="0">
+          <a:scrgbClr r="0" g="0" b="0"/>
+        </a:lnRef>
+        <a:fillRef idx="0">
+          <a:scrgbClr r="0" g="0" b="0"/>
+        </a:fillRef>
+        <a:effectRef idx="0">
+          <a:scrgbClr r="0" g="0" b="0"/>
+        </a:effectRef>
+        <a:fontRef idx="minor"/>
+      </dsp:style>
+      <dsp:txBody>
+        <a:bodyPr spcFirstLastPara="0" vert="horz" wrap="square" lIns="149352" tIns="149352" rIns="149352" bIns="149352" numCol="1" spcCol="1270" anchor="b" anchorCtr="0">
+          <a:noAutofit/>
+        </a:bodyPr>
+        <a:lstStyle/>
+        <a:p>
+          <a:pPr marL="0" lvl="0" indent="0" algn="ctr" defTabSz="933450">
+            <a:lnSpc>
+              <a:spcPct val="90000"/>
+            </a:lnSpc>
+            <a:spcBef>
+              <a:spcPct val="0"/>
+            </a:spcBef>
+            <a:spcAft>
+              <a:spcPct val="35000"/>
+            </a:spcAft>
+            <a:buNone/>
+          </a:pPr>
+          <a:r>
+            <a:rPr lang="en-CM" sz="2100" kern="1200"/>
+            <a:t>Load 3D datasets from the specified data path</a:t>
+          </a:r>
+        </a:p>
+      </dsp:txBody>
+      <dsp:txXfrm>
+        <a:off x="4621" y="0"/>
+        <a:ext cx="3049934" cy="1703750"/>
+      </dsp:txXfrm>
+    </dsp:sp>
+    <dsp:sp modelId="{3CED0993-400D-4FA5-B29C-8F06752D46AE}">
+      <dsp:nvSpPr>
+        <dsp:cNvPr id="0" name=""/>
+        <dsp:cNvSpPr/>
+      </dsp:nvSpPr>
+      <dsp:spPr>
+        <a:xfrm>
+          <a:off x="1316619" y="1916719"/>
+          <a:ext cx="425937" cy="425937"/>
+        </a:xfrm>
+        <a:prstGeom prst="ellipse">
+          <a:avLst/>
+        </a:prstGeom>
+        <a:solidFill>
+          <a:schemeClr val="accent1">
+            <a:hueOff val="0"/>
+            <a:satOff val="0"/>
+            <a:lumOff val="0"/>
+            <a:alphaOff val="0"/>
+          </a:schemeClr>
+        </a:solidFill>
+        <a:ln w="12700" cap="flat" cmpd="sng" algn="ctr">
+          <a:solidFill>
+            <a:schemeClr val="lt1">
+              <a:hueOff val="0"/>
+              <a:satOff val="0"/>
+              <a:lumOff val="0"/>
+              <a:alphaOff val="0"/>
+            </a:schemeClr>
+          </a:solidFill>
+          <a:prstDash val="solid"/>
+          <a:miter lim="800000"/>
+        </a:ln>
+        <a:effectLst/>
+      </dsp:spPr>
+      <dsp:style>
+        <a:lnRef idx="2">
+          <a:scrgbClr r="0" g="0" b="0"/>
+        </a:lnRef>
+        <a:fillRef idx="1">
+          <a:scrgbClr r="0" g="0" b="0"/>
+        </a:fillRef>
+        <a:effectRef idx="0">
+          <a:scrgbClr r="0" g="0" b="0"/>
+        </a:effectRef>
+        <a:fontRef idx="minor">
+          <a:schemeClr val="lt1"/>
+        </a:fontRef>
+      </dsp:style>
+    </dsp:sp>
+    <dsp:sp modelId="{80097DAD-78F4-44DC-9AED-3D82DD60917E}">
+      <dsp:nvSpPr>
+        <dsp:cNvPr id="0" name=""/>
+        <dsp:cNvSpPr/>
+      </dsp:nvSpPr>
+      <dsp:spPr>
+        <a:xfrm>
+          <a:off x="3207052" y="2555626"/>
+          <a:ext cx="3049934" cy="1703750"/>
+        </a:xfrm>
+        <a:prstGeom prst="rect">
+          <a:avLst/>
+        </a:prstGeom>
+        <a:noFill/>
+        <a:ln>
+          <a:noFill/>
+        </a:ln>
+        <a:effectLst/>
+      </dsp:spPr>
+      <dsp:style>
+        <a:lnRef idx="0">
+          <a:scrgbClr r="0" g="0" b="0"/>
+        </a:lnRef>
+        <a:fillRef idx="0">
+          <a:scrgbClr r="0" g="0" b="0"/>
+        </a:fillRef>
+        <a:effectRef idx="0">
+          <a:scrgbClr r="0" g="0" b="0"/>
+        </a:effectRef>
+        <a:fontRef idx="minor"/>
+      </dsp:style>
+      <dsp:txBody>
+        <a:bodyPr spcFirstLastPara="0" vert="horz" wrap="square" lIns="149352" tIns="149352" rIns="149352" bIns="149352" numCol="1" spcCol="1270" anchor="t" anchorCtr="0">
+          <a:noAutofit/>
+        </a:bodyPr>
+        <a:lstStyle/>
+        <a:p>
+          <a:pPr marL="0" lvl="0" indent="0" algn="ctr" defTabSz="933450">
+            <a:lnSpc>
+              <a:spcPct val="90000"/>
+            </a:lnSpc>
+            <a:spcBef>
+              <a:spcPct val="0"/>
+            </a:spcBef>
+            <a:spcAft>
+              <a:spcPct val="35000"/>
+            </a:spcAft>
+            <a:buNone/>
+          </a:pPr>
+          <a:r>
+            <a:rPr lang="en-CM" sz="2100" kern="1200" dirty="0"/>
+            <a:t>Inspect and visualize the data to understand the noise and</a:t>
+          </a:r>
+          <a:r>
+            <a:rPr lang="en-US" sz="2100" kern="1200" dirty="0"/>
+            <a:t> </a:t>
+          </a:r>
+          <a:r>
+            <a:rPr lang="en-CM" sz="2100" kern="1200" dirty="0"/>
+            <a:t>uncertain</a:t>
+          </a:r>
+          <a:r>
+            <a:rPr lang="en-US" sz="2100" kern="1200" dirty="0"/>
+            <a:t>t</a:t>
+          </a:r>
+          <a:r>
+            <a:rPr lang="en-CM" sz="2100" kern="1200" dirty="0"/>
+            <a:t>y characteristics</a:t>
+          </a:r>
+          <a:r>
+            <a:rPr lang="en-US" sz="2100" kern="1200" dirty="0"/>
+            <a:t>    </a:t>
+          </a:r>
+          <a:endParaRPr lang="en-CM" sz="2100" kern="1200" dirty="0"/>
+        </a:p>
+      </dsp:txBody>
+      <dsp:txXfrm>
+        <a:off x="3207052" y="2555626"/>
+        <a:ext cx="3049934" cy="1703750"/>
+      </dsp:txXfrm>
+    </dsp:sp>
+    <dsp:sp modelId="{54E71954-74EF-44E3-9787-F320C03E0212}">
+      <dsp:nvSpPr>
+        <dsp:cNvPr id="0" name=""/>
+        <dsp:cNvSpPr/>
+      </dsp:nvSpPr>
+      <dsp:spPr>
+        <a:xfrm>
+          <a:off x="4519051" y="1916719"/>
+          <a:ext cx="425937" cy="425937"/>
+        </a:xfrm>
+        <a:prstGeom prst="ellipse">
+          <a:avLst/>
+        </a:prstGeom>
+        <a:solidFill>
+          <a:schemeClr val="accent1">
+            <a:hueOff val="0"/>
+            <a:satOff val="0"/>
+            <a:lumOff val="0"/>
+            <a:alphaOff val="0"/>
+          </a:schemeClr>
+        </a:solidFill>
+        <a:ln w="12700" cap="flat" cmpd="sng" algn="ctr">
+          <a:solidFill>
+            <a:schemeClr val="lt1">
+              <a:hueOff val="0"/>
+              <a:satOff val="0"/>
+              <a:lumOff val="0"/>
+              <a:alphaOff val="0"/>
+            </a:schemeClr>
+          </a:solidFill>
+          <a:prstDash val="solid"/>
+          <a:miter lim="800000"/>
+        </a:ln>
+        <a:effectLst/>
+      </dsp:spPr>
+      <dsp:style>
+        <a:lnRef idx="2">
+          <a:scrgbClr r="0" g="0" b="0"/>
+        </a:lnRef>
+        <a:fillRef idx="1">
+          <a:scrgbClr r="0" g="0" b="0"/>
+        </a:fillRef>
+        <a:effectRef idx="0">
+          <a:scrgbClr r="0" g="0" b="0"/>
+        </a:effectRef>
+        <a:fontRef idx="minor">
+          <a:schemeClr val="lt1"/>
+        </a:fontRef>
+      </dsp:style>
+    </dsp:sp>
+    <dsp:sp modelId="{2177474B-1037-4962-9F06-5C4588D6938B}">
+      <dsp:nvSpPr>
+        <dsp:cNvPr id="0" name=""/>
+        <dsp:cNvSpPr/>
+      </dsp:nvSpPr>
+      <dsp:spPr>
+        <a:xfrm>
+          <a:off x="6409484" y="0"/>
+          <a:ext cx="3049934" cy="1703750"/>
+        </a:xfrm>
+        <a:prstGeom prst="rect">
+          <a:avLst/>
+        </a:prstGeom>
+        <a:noFill/>
+        <a:ln>
+          <a:noFill/>
+        </a:ln>
+        <a:effectLst/>
+      </dsp:spPr>
+      <dsp:style>
+        <a:lnRef idx="0">
+          <a:scrgbClr r="0" g="0" b="0"/>
+        </a:lnRef>
+        <a:fillRef idx="0">
+          <a:scrgbClr r="0" g="0" b="0"/>
+        </a:fillRef>
+        <a:effectRef idx="0">
+          <a:scrgbClr r="0" g="0" b="0"/>
+        </a:effectRef>
+        <a:fontRef idx="minor"/>
+      </dsp:style>
+      <dsp:txBody>
+        <a:bodyPr spcFirstLastPara="0" vert="horz" wrap="square" lIns="149352" tIns="149352" rIns="149352" bIns="149352" numCol="1" spcCol="1270" anchor="b" anchorCtr="1">
+          <a:noAutofit/>
+        </a:bodyPr>
+        <a:lstStyle/>
+        <a:p>
+          <a:pPr marL="0" lvl="0" indent="0" algn="l" defTabSz="933450">
+            <a:lnSpc>
+              <a:spcPct val="90000"/>
+            </a:lnSpc>
+            <a:spcBef>
+              <a:spcPct val="0"/>
+            </a:spcBef>
+            <a:spcAft>
+              <a:spcPct val="35000"/>
+            </a:spcAft>
+            <a:buNone/>
+          </a:pPr>
+          <a:endParaRPr lang="en-CM" sz="2100" kern="1200" dirty="0"/>
+        </a:p>
+        <a:p>
+          <a:pPr marL="171450" lvl="1" indent="-171450" algn="l" defTabSz="711200">
+            <a:lnSpc>
+              <a:spcPct val="90000"/>
+            </a:lnSpc>
+            <a:spcBef>
+              <a:spcPct val="0"/>
+            </a:spcBef>
+            <a:spcAft>
+              <a:spcPct val="15000"/>
+            </a:spcAft>
+            <a:buChar char="•"/>
+          </a:pPr>
+          <a:r>
+            <a:rPr lang="en-CM" sz="1600" kern="1200" dirty="0"/>
+            <a:t>Identify and handle any outliers or invalid data points</a:t>
+          </a:r>
+        </a:p>
+        <a:p>
+          <a:pPr marL="171450" lvl="1" indent="-171450" algn="l" defTabSz="711200">
+            <a:lnSpc>
+              <a:spcPct val="90000"/>
+            </a:lnSpc>
+            <a:spcBef>
+              <a:spcPct val="0"/>
+            </a:spcBef>
+            <a:spcAft>
+              <a:spcPct val="15000"/>
+            </a:spcAft>
+            <a:buChar char="•"/>
+          </a:pPr>
+          <a:r>
+            <a:rPr lang="en-CM" sz="1600" kern="1200" dirty="0"/>
+            <a:t>Scale the data to appropriate units</a:t>
+          </a:r>
+        </a:p>
+      </dsp:txBody>
+      <dsp:txXfrm>
+        <a:off x="6409484" y="0"/>
+        <a:ext cx="3049934" cy="1703750"/>
+      </dsp:txXfrm>
+    </dsp:sp>
+    <dsp:sp modelId="{A5064657-4888-4C80-B5B9-D5E36423EBCC}">
+      <dsp:nvSpPr>
+        <dsp:cNvPr id="0" name=""/>
+        <dsp:cNvSpPr/>
+      </dsp:nvSpPr>
+      <dsp:spPr>
+        <a:xfrm>
+          <a:off x="7721482" y="1916719"/>
+          <a:ext cx="425937" cy="425937"/>
+        </a:xfrm>
+        <a:prstGeom prst="ellipse">
+          <a:avLst/>
+        </a:prstGeom>
+        <a:solidFill>
+          <a:schemeClr val="accent1">
+            <a:hueOff val="0"/>
+            <a:satOff val="0"/>
+            <a:lumOff val="0"/>
+            <a:alphaOff val="0"/>
+          </a:schemeClr>
+        </a:solidFill>
+        <a:ln w="12700" cap="flat" cmpd="sng" algn="ctr">
+          <a:solidFill>
+            <a:schemeClr val="lt1">
+              <a:hueOff val="0"/>
+              <a:satOff val="0"/>
+              <a:lumOff val="0"/>
+              <a:alphaOff val="0"/>
+            </a:schemeClr>
+          </a:solidFill>
+          <a:prstDash val="solid"/>
+          <a:miter lim="800000"/>
+        </a:ln>
+        <a:effectLst/>
+      </dsp:spPr>
+      <dsp:style>
+        <a:lnRef idx="2">
+          <a:scrgbClr r="0" g="0" b="0"/>
+        </a:lnRef>
+        <a:fillRef idx="1">
+          <a:scrgbClr r="0" g="0" b="0"/>
+        </a:fillRef>
+        <a:effectRef idx="0">
+          <a:scrgbClr r="0" g="0" b="0"/>
+        </a:effectRef>
+        <a:fontRef idx="minor">
+          <a:schemeClr val="lt1"/>
+        </a:fontRef>
+      </dsp:style>
+    </dsp:sp>
+  </dsp:spTree>
+</dsp:drawing>
+</file>
+
+<file path=ppt/diagrams/layout1.xml><?xml version="1.0" encoding="utf-8"?>
+<dgm:layoutDef xmlns:dgm="http://schemas.openxmlformats.org/drawingml/2006/diagram" xmlns:a="http://schemas.openxmlformats.org/drawingml/2006/main" uniqueId="urn:microsoft.com/office/officeart/2005/8/layout/vList5">
+  <dgm:title val=""/>
+  <dgm:desc val=""/>
+  <dgm:catLst>
+    <dgm:cat type="list" pri="15000"/>
+    <dgm:cat type="convert" pri="2000"/>
+  </dgm:catLst>
+  <dgm:sampData>
+    <dgm:dataModel>
+      <dgm:ptLst>
+        <dgm:pt modelId="0" type="doc"/>
+        <dgm:pt modelId="1">
+          <dgm:prSet phldr="1"/>
+        </dgm:pt>
+        <dgm:pt modelId="11">
+          <dgm:prSet phldr="1"/>
+        </dgm:pt>
+        <dgm:pt modelId="12">
+          <dgm:prSet phldr="1"/>
+        </dgm:pt>
+        <dgm:pt modelId="2">
+          <dgm:prSet phldr="1"/>
+        </dgm:pt>
+        <dgm:pt modelId="21">
+          <dgm:prSet phldr="1"/>
+        </dgm:pt>
+        <dgm:pt modelId="22">
+          <dgm:prSet phldr="1"/>
+        </dgm:pt>
+        <dgm:pt modelId="3">
+          <dgm:prSet phldr="1"/>
+        </dgm:pt>
+        <dgm:pt modelId="31">
+          <dgm:prSet phldr="1"/>
+        </dgm:pt>
+        <dgm:pt modelId="32">
+          <dgm:prSet phldr="1"/>
+        </dgm:pt>
+      </dgm:ptLst>
+      <dgm:cxnLst>
+        <dgm:cxn modelId="4" srcId="0" destId="1" srcOrd="0" destOrd="0"/>
+        <dgm:cxn modelId="5" srcId="0" destId="2" srcOrd="1" destOrd="0"/>
+        <dgm:cxn modelId="6" srcId="0" destId="3" srcOrd="2" destOrd="0"/>
+        <dgm:cxn modelId="13" srcId="1" destId="11" srcOrd="0" destOrd="0"/>
+        <dgm:cxn modelId="14" srcId="1" destId="12" srcOrd="1" destOrd="0"/>
+        <dgm:cxn modelId="23" srcId="2" destId="21" srcOrd="0" destOrd="0"/>
+        <dgm:cxn modelId="24" srcId="2" destId="22" srcOrd="1" destOrd="0"/>
+        <dgm:cxn modelId="33" srcId="3" destId="31" srcOrd="0" destOrd="0"/>
+        <dgm:cxn modelId="34" srcId="3" destId="32" srcOrd="1" destOrd="0"/>
+      </dgm:cxnLst>
+      <dgm:bg/>
+      <dgm:whole/>
+    </dgm:dataModel>
+  </dgm:sampData>
+  <dgm:styleData>
+    <dgm:dataModel>
+      <dgm:ptLst>
+        <dgm:pt modelId="0" type="doc"/>
+        <dgm:pt modelId="1"/>
+        <dgm:pt modelId="11"/>
+        <dgm:pt modelId="2"/>
+        <dgm:pt modelId="21"/>
+      </dgm:ptLst>
+      <dgm:cxnLst>
+        <dgm:cxn modelId="4" srcId="0" destId="1" srcOrd="0" destOrd="0"/>
+        <dgm:cxn modelId="5" srcId="0" destId="2" srcOrd="1" destOrd="0"/>
+        <dgm:cxn modelId="13" srcId="1" destId="11" srcOrd="0" destOrd="0"/>
+        <dgm:cxn modelId="23" srcId="2" destId="21" srcOrd="0" destOrd="0"/>
+      </dgm:cxnLst>
+      <dgm:bg/>
+      <dgm:whole/>
+    </dgm:dataModel>
+  </dgm:styleData>
+  <dgm:clrData>
+    <dgm:dataModel>
+      <dgm:ptLst>
+        <dgm:pt modelId="0" type="doc"/>
+        <dgm:pt modelId="1"/>
+        <dgm:pt modelId="11"/>
+        <dgm:pt modelId="2"/>
+        <dgm:pt modelId="21"/>
+        <dgm:pt modelId="3"/>
+        <dgm:pt modelId="31"/>
+        <dgm:pt modelId="4"/>
+        <dgm:pt modelId="41"/>
+      </dgm:ptLst>
+      <dgm:cxnLst>
+        <dgm:cxn modelId="5" srcId="0" destId="1" srcOrd="0" destOrd="0"/>
+        <dgm:cxn modelId="6" srcId="0" destId="2" srcOrd="1" destOrd="0"/>
+        <dgm:cxn modelId="7" srcId="0" destId="3" srcOrd="2" destOrd="0"/>
+        <dgm:cxn modelId="8" srcId="0" destId="4" srcOrd="3" destOrd="0"/>
+        <dgm:cxn modelId="13" srcId="1" destId="11" srcOrd="0" destOrd="0"/>
+        <dgm:cxn modelId="23" srcId="2" destId="21" srcOrd="0" destOrd="0"/>
+        <dgm:cxn modelId="33" srcId="3" destId="31" srcOrd="0" destOrd="0"/>
+        <dgm:cxn modelId="43" srcId="4" destId="41" srcOrd="0" destOrd="0"/>
+      </dgm:cxnLst>
+      <dgm:bg/>
+      <dgm:whole/>
+    </dgm:dataModel>
+  </dgm:clrData>
+  <dgm:layoutNode name="Name0">
+    <dgm:varLst>
+      <dgm:dir/>
+      <dgm:animLvl val="lvl"/>
+      <dgm:resizeHandles val="exact"/>
+    </dgm:varLst>
+    <dgm:choose name="Name1">
+      <dgm:if name="Name2" func="var" arg="dir" op="equ" val="norm">
+        <dgm:alg type="lin">
+          <dgm:param type="linDir" val="fromT"/>
+          <dgm:param type="nodeHorzAlign" val="l"/>
+        </dgm:alg>
+      </dgm:if>
+      <dgm:else name="Name3">
+        <dgm:alg type="lin">
+          <dgm:param type="linDir" val="fromT"/>
+          <dgm:param type="nodeHorzAlign" val="r"/>
+        </dgm:alg>
+      </dgm:else>
+    </dgm:choose>
+    <dgm:shape xmlns:r="http://schemas.openxmlformats.org/officeDocument/2006/relationships" r:blip="">
+      <dgm:adjLst/>
+    </dgm:shape>
+    <dgm:presOf/>
+    <dgm:constrLst>
+      <dgm:constr type="h" for="ch" forName="linNode" refType="h"/>
+      <dgm:constr type="w" for="ch" forName="linNode" refType="w"/>
+      <dgm:constr type="h" for="ch" forName="sp" refType="h" fact="0.05"/>
+      <dgm:constr type="primFontSz" for="des" forName="parentText" op="equ" val="65"/>
+      <dgm:constr type="secFontSz" for="des" forName="descendantText" op="equ"/>
+    </dgm:constrLst>
+    <dgm:ruleLst/>
+    <dgm:forEach name="Name4" axis="ch" ptType="node">
+      <dgm:layoutNode name="linNode">
+        <dgm:choose name="Name5">
+          <dgm:if name="Name6" func="var" arg="dir" op="equ" val="norm">
+            <dgm:alg type="lin">
+              <dgm:param type="linDir" val="fromL"/>
+            </dgm:alg>
+          </dgm:if>
+          <dgm:else name="Name7">
+            <dgm:alg type="lin">
+              <dgm:param type="linDir" val="fromR"/>
+            </dgm:alg>
+          </dgm:else>
+        </dgm:choose>
+        <dgm:shape xmlns:r="http://schemas.openxmlformats.org/officeDocument/2006/relationships" r:blip="">
+          <dgm:adjLst/>
+        </dgm:shape>
+        <dgm:presOf/>
+        <dgm:constrLst>
+          <dgm:constr type="w" for="ch" forName="parentText" refType="w" fact="0.36"/>
+          <dgm:constr type="w" for="ch" forName="descendantText" refType="w" fact="0.64"/>
+          <dgm:constr type="h" for="ch" forName="parentText" refType="h"/>
+          <dgm:constr type="h" for="ch" forName="descendantText" refType="h" refFor="ch" refForName="parentText" fact="0.8"/>
+        </dgm:constrLst>
+        <dgm:ruleLst/>
+        <dgm:layoutNode name="parentText">
+          <dgm:varLst>
+            <dgm:chMax val="1"/>
+            <dgm:bulletEnabled val="1"/>
+          </dgm:varLst>
+          <dgm:alg type="tx"/>
+          <dgm:shape xmlns:r="http://schemas.openxmlformats.org/officeDocument/2006/relationships" type="roundRect" r:blip="" zOrderOff="3">
+            <dgm:adjLst/>
+          </dgm:shape>
+          <dgm:presOf axis="self" ptType="node"/>
+          <dgm:constrLst>
+            <dgm:constr type="tMarg" refType="primFontSz" fact="0.15"/>
+            <dgm:constr type="bMarg" refType="primFontSz" fact="0.15"/>
+            <dgm:constr type="lMarg" refType="primFontSz" fact="0.3"/>
+            <dgm:constr type="rMarg" refType="primFontSz" fact="0.3"/>
+          </dgm:constrLst>
+          <dgm:ruleLst>
+            <dgm:rule type="primFontSz" val="5" fact="NaN" max="NaN"/>
+          </dgm:ruleLst>
+        </dgm:layoutNode>
+        <dgm:choose name="Name8">
+          <dgm:if name="Name9" axis="ch" ptType="node" func="cnt" op="gte" val="1">
+            <dgm:layoutNode name="descendantText" styleLbl="alignAccFollowNode1">
+              <dgm:varLst>
+                <dgm:bulletEnabled val="1"/>
+              </dgm:varLst>
+              <dgm:alg type="tx">
+                <dgm:param type="stBulletLvl" val="1"/>
+                <dgm:param type="txAnchorVertCh" val="mid"/>
+              </dgm:alg>
+              <dgm:choose name="Name10">
+                <dgm:if name="Name11" func="var" arg="dir" op="equ" val="norm">
+                  <dgm:shape xmlns:r="http://schemas.openxmlformats.org/officeDocument/2006/relationships" rot="90" type="round2SameRect" r:blip="">
+                    <dgm:adjLst/>
+                  </dgm:shape>
+                </dgm:if>
+                <dgm:else name="Name12">
+                  <dgm:shape xmlns:r="http://schemas.openxmlformats.org/officeDocument/2006/relationships" rot="-90" type="round2SameRect" r:blip="">
+                    <dgm:adjLst/>
+                  </dgm:shape>
+                </dgm:else>
+              </dgm:choose>
+              <dgm:presOf axis="des" ptType="node"/>
+              <dgm:constrLst>
+                <dgm:constr type="secFontSz" val="65"/>
+                <dgm:constr type="primFontSz" refType="secFontSz"/>
+                <dgm:constr type="lMarg" refType="secFontSz" fact="0.3"/>
+                <dgm:constr type="rMarg" refType="secFontSz" fact="0.3"/>
+                <dgm:constr type="tMarg" refType="secFontSz" fact="0.15"/>
+                <dgm:constr type="bMarg" refType="secFontSz" fact="0.15"/>
+              </dgm:constrLst>
+              <dgm:ruleLst>
+                <dgm:rule type="secFontSz" val="5" fact="NaN" max="NaN"/>
+              </dgm:ruleLst>
+            </dgm:layoutNode>
+          </dgm:if>
+          <dgm:else name="Name13"/>
+        </dgm:choose>
+      </dgm:layoutNode>
+      <dgm:forEach name="Name14" axis="followSib" ptType="sibTrans" cnt="1">
+        <dgm:layoutNode name="sp">
+          <dgm:alg type="sp"/>
+          <dgm:shape xmlns:r="http://schemas.openxmlformats.org/officeDocument/2006/relationships" r:blip="">
+            <dgm:adjLst/>
+          </dgm:shape>
+          <dgm:presOf/>
+          <dgm:constrLst/>
+          <dgm:ruleLst/>
+        </dgm:layoutNode>
+      </dgm:forEach>
+    </dgm:forEach>
+  </dgm:layoutNode>
+</dgm:layoutDef>
+</file>
+
+<file path=ppt/diagrams/layout2.xml><?xml version="1.0" encoding="utf-8"?>
+<dgm:layoutDef xmlns:dgm="http://schemas.openxmlformats.org/drawingml/2006/diagram" xmlns:a="http://schemas.openxmlformats.org/drawingml/2006/main" uniqueId="urn:microsoft.com/office/officeart/2005/8/layout/hProcess11">
+  <dgm:title val=""/>
+  <dgm:desc val=""/>
+  <dgm:catLst>
+    <dgm:cat type="process" pri="8000"/>
+    <dgm:cat type="convert" pri="14000"/>
+  </dgm:catLst>
+  <dgm:sampData useDef="1">
+    <dgm:dataModel>
+      <dgm:ptLst/>
+      <dgm:bg/>
+      <dgm:whole/>
+    </dgm:dataModel>
+  </dgm:sampData>
+  <dgm:styleData>
+    <dgm:dataModel>
+      <dgm:ptLst>
+        <dgm:pt modelId="0" type="doc"/>
+        <dgm:pt modelId="1"/>
+        <dgm:pt modelId="2"/>
+      </dgm:ptLst>
+      <dgm:cxnLst>
+        <dgm:cxn modelId="4" srcId="0" destId="1" srcOrd="0" destOrd="0"/>
+        <dgm:cxn modelId="5" srcId="0" destId="2" srcOrd="1" destOrd="0"/>
+      </dgm:cxnLst>
+      <dgm:bg/>
+      <dgm:whole/>
+    </dgm:dataModel>
+  </dgm:styleData>
+  <dgm:clrData>
+    <dgm:dataModel>
+      <dgm:ptLst>
+        <dgm:pt modelId="0" type="doc"/>
+        <dgm:pt modelId="1"/>
+        <dgm:pt modelId="2"/>
+        <dgm:pt modelId="3"/>
+        <dgm:pt modelId="4"/>
+      </dgm:ptLst>
+      <dgm:cxnLst>
+        <dgm:cxn modelId="5" srcId="0" destId="1" srcOrd="0" destOrd="0"/>
+        <dgm:cxn modelId="6" srcId="0" destId="2" srcOrd="1" destOrd="0"/>
+        <dgm:cxn modelId="7" srcId="0" destId="3" srcOrd="2" destOrd="0"/>
+        <dgm:cxn modelId="8" srcId="0" destId="4" srcOrd="3" destOrd="0"/>
+      </dgm:cxnLst>
+      <dgm:bg/>
+      <dgm:whole/>
+    </dgm:dataModel>
+  </dgm:clrData>
+  <dgm:layoutNode name="Name0">
+    <dgm:varLst>
+      <dgm:dir/>
+      <dgm:resizeHandles val="exact"/>
+    </dgm:varLst>
+    <dgm:alg type="composite"/>
+    <dgm:shape xmlns:r="http://schemas.openxmlformats.org/officeDocument/2006/relationships" r:blip="">
+      <dgm:adjLst/>
+    </dgm:shape>
+    <dgm:presOf/>
+    <dgm:choose name="Name1">
+      <dgm:if name="Name2" func="var" arg="dir" op="equ" val="norm">
+        <dgm:constrLst>
+          <dgm:constr type="w" for="ch" forName="arrow" refType="w"/>
+          <dgm:constr type="h" for="ch" forName="arrow" refType="h" fact="0.4"/>
+          <dgm:constr type="ctrY" for="ch" forName="arrow" refType="h" fact="0.5"/>
+          <dgm:constr type="l" for="ch" forName="arrow"/>
+          <dgm:constr type="w" for="ch" forName="points" refType="w" fact="0.9"/>
+          <dgm:constr type="h" for="ch" forName="points" refType="h"/>
+          <dgm:constr type="t" for="ch" forName="points"/>
+          <dgm:constr type="l" for="ch" forName="points"/>
+        </dgm:constrLst>
+      </dgm:if>
+      <dgm:else name="Name3">
+        <dgm:constrLst>
+          <dgm:constr type="w" for="ch" forName="arrow" refType="w"/>
+          <dgm:constr type="h" for="ch" forName="arrow" refType="h" fact="0.4"/>
+          <dgm:constr type="ctrY" for="ch" forName="arrow" refType="h" fact="0.5"/>
+          <dgm:constr type="r" for="ch" forName="arrow" refType="w"/>
+          <dgm:constr type="w" for="ch" forName="points" refType="w" fact="0.9"/>
+          <dgm:constr type="h" for="ch" forName="points" refType="h"/>
+          <dgm:constr type="t" for="ch" forName="points"/>
+          <dgm:constr type="r" for="ch" forName="points" refType="w"/>
+        </dgm:constrLst>
+      </dgm:else>
+    </dgm:choose>
+    <dgm:ruleLst/>
+    <dgm:layoutNode name="arrow" styleLbl="bgShp">
+      <dgm:alg type="sp"/>
+      <dgm:choose name="Name4">
+        <dgm:if name="Name5" func="var" arg="dir" op="equ" val="norm">
+          <dgm:shape xmlns:r="http://schemas.openxmlformats.org/officeDocument/2006/relationships" type="notchedRightArrow" r:blip="">
+            <dgm:adjLst/>
+          </dgm:shape>
+        </dgm:if>
+        <dgm:else name="Name6">
+          <dgm:shape xmlns:r="http://schemas.openxmlformats.org/officeDocument/2006/relationships" rot="180" type="notchedRightArrow" r:blip="">
+            <dgm:adjLst/>
+          </dgm:shape>
+        </dgm:else>
+      </dgm:choose>
+      <dgm:presOf/>
+      <dgm:constrLst/>
+      <dgm:ruleLst/>
+    </dgm:layoutNode>
+    <dgm:layoutNode name="points">
+      <dgm:choose name="Name7">
+        <dgm:if name="Name8" func="var" arg="dir" op="equ" val="norm">
+          <dgm:alg type="lin">
+            <dgm:param type="linDir" val="fromL"/>
+          </dgm:alg>
+        </dgm:if>
+        <dgm:else name="Name9">
+          <dgm:alg type="lin">
+            <dgm:param type="linDir" val="fromR"/>
+          </dgm:alg>
+        </dgm:else>
+      </dgm:choose>
+      <dgm:shape xmlns:r="http://schemas.openxmlformats.org/officeDocument/2006/relationships" r:blip="">
+        <dgm:adjLst/>
+      </dgm:shape>
+      <dgm:presOf/>
+      <dgm:constrLst>
+        <dgm:constr type="w" for="ch" forName="compositeA" refType="w"/>
+        <dgm:constr type="h" for="ch" forName="compositeA" refType="h"/>
+        <dgm:constr type="w" for="ch" forName="compositeB" refType="w" refFor="ch" refForName="compositeA" op="equ"/>
+        <dgm:constr type="h" for="ch" forName="compositeB" refType="h" refFor="ch" refForName="compositeA" op="equ"/>
+        <dgm:constr type="primFontSz" for="des" ptType="node" op="equ" val="65"/>
+        <dgm:constr type="w" for="ch" forName="space" refType="w" refFor="ch" refForName="compositeA" op="equ" fact="0.05"/>
+      </dgm:constrLst>
+      <dgm:ruleLst/>
+      <dgm:forEach name="Name10" axis="ch" ptType="node">
+        <dgm:choose name="Name11">
+          <dgm:if name="Name12" axis="self" ptType="node" func="posOdd" op="equ" val="1">
+            <dgm:layoutNode name="compositeA">
+              <dgm:alg type="composite"/>
+              <dgm:shape xmlns:r="http://schemas.openxmlformats.org/officeDocument/2006/relationships" r:blip="">
+                <dgm:adjLst/>
+              </dgm:shape>
+              <dgm:presOf/>
+              <dgm:constrLst>
+                <dgm:constr type="w" for="ch" forName="textA" refType="w"/>
+                <dgm:constr type="h" for="ch" forName="textA" refType="h" fact="0.4"/>
+                <dgm:constr type="t" for="ch" forName="textA"/>
+                <dgm:constr type="l" for="ch" forName="textA"/>
+                <dgm:constr type="h" for="ch" forName="circleA" refType="h" fact="0.1"/>
+                <dgm:constr type="h" for="ch" forName="circleA" refType="w" op="lte"/>
+                <dgm:constr type="w" for="ch" forName="circleA" refType="h" refFor="ch" refForName="circleA" op="equ"/>
+                <dgm:constr type="ctrY" for="ch" forName="circleA" refType="h" fact="0.5"/>
+                <dgm:constr type="ctrX" for="ch" forName="circleA" refType="w" refFor="ch" refForName="textA" fact="0.5"/>
+                <dgm:constr type="w" for="ch" forName="spaceA" refType="w"/>
+                <dgm:constr type="h" for="ch" forName="spaceA" refType="h" fact="0.4"/>
+                <dgm:constr type="b" for="ch" forName="spaceA" refType="h"/>
+                <dgm:constr type="l" for="ch" forName="spaceA"/>
+              </dgm:constrLst>
+              <dgm:ruleLst/>
+              <dgm:layoutNode name="textA" styleLbl="revTx">
+                <dgm:varLst>
+                  <dgm:bulletEnabled val="1"/>
+                </dgm:varLst>
+                <dgm:alg type="tx">
+                  <dgm:param type="txAnchorVert" val="b"/>
+                  <dgm:param type="txAnchorVertCh" val="b"/>
+                  <dgm:param type="txAnchorHorzCh" val="ctr"/>
+                </dgm:alg>
+                <dgm:shape xmlns:r="http://schemas.openxmlformats.org/officeDocument/2006/relationships" type="rect" r:blip="">
+                  <dgm:adjLst/>
+                </dgm:shape>
+                <dgm:presOf axis="desOrSelf" ptType="node"/>
+                <dgm:constrLst/>
+                <dgm:ruleLst>
+                  <dgm:rule type="primFontSz" val="5" fact="NaN" max="NaN"/>
+                </dgm:ruleLst>
+              </dgm:layoutNode>
+              <dgm:layoutNode name="circleA">
+                <dgm:alg type="sp"/>
+                <dgm:shape xmlns:r="http://schemas.openxmlformats.org/officeDocument/2006/relationships" type="ellipse" r:blip="">
+                  <dgm:adjLst/>
+                </dgm:shape>
+                <dgm:presOf/>
+                <dgm:constrLst/>
+                <dgm:ruleLst/>
+              </dgm:layoutNode>
+              <dgm:layoutNode name="spaceA">
+                <dgm:alg type="sp"/>
+                <dgm:shape xmlns:r="http://schemas.openxmlformats.org/officeDocument/2006/relationships" r:blip="">
+                  <dgm:adjLst/>
+                </dgm:shape>
+                <dgm:presOf/>
+                <dgm:constrLst/>
+                <dgm:ruleLst/>
+              </dgm:layoutNode>
+            </dgm:layoutNode>
+          </dgm:if>
+          <dgm:else name="Name13">
+            <dgm:layoutNode name="compositeB">
+              <dgm:alg type="composite"/>
+              <dgm:shape xmlns:r="http://schemas.openxmlformats.org/officeDocument/2006/relationships" r:blip="">
+                <dgm:adjLst/>
+              </dgm:shape>
+              <dgm:presOf/>
+              <dgm:constrLst>
+                <dgm:constr type="w" for="ch" forName="textB" refType="w"/>
+                <dgm:constr type="h" for="ch" forName="textB" refType="h" fact="0.4"/>
+                <dgm:constr type="b" for="ch" forName="textB" refType="h"/>
+                <dgm:constr type="l" for="ch" forName="textB"/>
+                <dgm:constr type="h" for="ch" forName="circleB" refType="h" fact="0.1"/>
+                <dgm:constr type="w" for="ch" forName="circleB" refType="h" refFor="ch" refForName="circleB" op="equ"/>
+                <dgm:constr type="h" for="ch" forName="circleB" refType="w" op="lte"/>
+                <dgm:constr type="ctrY" for="ch" forName="circleB" refType="h" fact="0.5"/>
+                <dgm:constr type="ctrX" for="ch" forName="circleB" refType="w" refFor="ch" refForName="textB" fact="0.5"/>
+                <dgm:constr type="w" for="ch" forName="spaceB" refType="w"/>
+                <dgm:constr type="h" for="ch" forName="spaceB" refType="h" fact="0.4"/>
+                <dgm:constr type="t" for="ch" forName="spaceB"/>
+                <dgm:constr type="l" for="ch" forName="spaceB"/>
+              </dgm:constrLst>
+              <dgm:ruleLst/>
+              <dgm:layoutNode name="textB" styleLbl="revTx">
+                <dgm:varLst>
+                  <dgm:bulletEnabled val="1"/>
+                </dgm:varLst>
+                <dgm:alg type="tx">
+                  <dgm:param type="txAnchorVert" val="t"/>
+                  <dgm:param type="txAnchorVertCh" val="t"/>
+                  <dgm:param type="txAnchorHorzCh" val="ctr"/>
+                </dgm:alg>
+                <dgm:shape xmlns:r="http://schemas.openxmlformats.org/officeDocument/2006/relationships" type="rect" r:blip="">
+                  <dgm:adjLst/>
+                </dgm:shape>
+                <dgm:presOf axis="desOrSelf" ptType="node"/>
+                <dgm:constrLst/>
+                <dgm:ruleLst>
+                  <dgm:rule type="primFontSz" val="5" fact="NaN" max="NaN"/>
+                </dgm:ruleLst>
+              </dgm:layoutNode>
+              <dgm:layoutNode name="circleB">
+                <dgm:alg type="sp"/>
+                <dgm:shape xmlns:r="http://schemas.openxmlformats.org/officeDocument/2006/relationships" type="ellipse" r:blip="">
+                  <dgm:adjLst/>
+                </dgm:shape>
+                <dgm:presOf/>
+                <dgm:constrLst/>
+                <dgm:ruleLst/>
+              </dgm:layoutNode>
+              <dgm:layoutNode name="spaceB">
+                <dgm:alg type="sp"/>
+                <dgm:shape xmlns:r="http://schemas.openxmlformats.org/officeDocument/2006/relationships" r:blip="">
+                  <dgm:adjLst/>
+                </dgm:shape>
+                <dgm:presOf/>
+                <dgm:constrLst/>
+                <dgm:ruleLst/>
+              </dgm:layoutNode>
+            </dgm:layoutNode>
+          </dgm:else>
+        </dgm:choose>
+        <dgm:forEach name="Name14" axis="followSib" ptType="sibTrans" cnt="1">
+          <dgm:layoutNode name="space">
+            <dgm:alg type="sp"/>
+            <dgm:shape xmlns:r="http://schemas.openxmlformats.org/officeDocument/2006/relationships" r:blip="">
+              <dgm:adjLst/>
+            </dgm:shape>
+            <dgm:presOf/>
+            <dgm:constrLst/>
+            <dgm:ruleLst/>
+          </dgm:layoutNode>
+        </dgm:forEach>
+      </dgm:forEach>
+    </dgm:layoutNode>
+  </dgm:layoutNode>
+</dgm:layoutDef>
+</file>
+
+<file path=ppt/diagrams/quickStyle1.xml><?xml version="1.0" encoding="utf-8"?>
+<dgm:styleDef xmlns:dgm="http://schemas.openxmlformats.org/drawingml/2006/diagram" xmlns:a="http://schemas.openxmlformats.org/drawingml/2006/main" uniqueId="urn:microsoft.com/office/officeart/2005/8/quickstyle/simple1">
+  <dgm:title val=""/>
+  <dgm:desc val=""/>
+  <dgm:catLst>
+    <dgm:cat type="simple" pri="10100"/>
+  </dgm:catLst>
+  <dgm:scene3d>
+    <a:camera prst="orthographicFront"/>
+    <a:lightRig rig="threePt" dir="t"/>
+  </dgm:scene3d>
+  <dgm:styleLbl name="node0">
+    <dgm:scene3d>
+      <a:camera prst="orthographicFront"/>
+      <a:lightRig rig="threePt" dir="t"/>
+    </dgm:scene3d>
+    <dgm:sp3d/>
+    <dgm:txPr/>
+    <dgm:style>
+      <a:lnRef idx="2">
+        <a:scrgbClr r="0" g="0" b="0"/>
+      </a:lnRef>
+      <a:fillRef idx="1">
+        <a:scrgbClr r="0" g="0" b="0"/>
+      </a:fillRef>
+      <a:effectRef idx="0">
+        <a:scrgbClr r="0" g="0" b="0"/>
+      </a:effectRef>
+      <a:fontRef idx="minor">
+        <a:schemeClr val="lt1"/>
+      </a:fontRef>
+    </dgm:style>
+  </dgm:styleLbl>
+  <dgm:styleLbl name="lnNode1">
+    <dgm:scene3d>
+      <a:camera prst="orthographicFront"/>
+      <a:lightRig rig="threePt" dir="t"/>
+    </dgm:scene3d>
+    <dgm:sp3d/>
+    <dgm:txPr/>
+    <dgm:style>
+      <a:lnRef idx="2">
+        <a:scrgbClr r="0" g="0" b="0"/>
+      </a:lnRef>
+      <a:fillRef idx="1">
+        <a:scrgbClr r="0" g="0" b="0"/>
+      </a:fillRef>
+      <a:effectRef idx="0">
+        <a:scrgbClr r="0" g="0" b="0"/>
+      </a:effectRef>
+      <a:fontRef idx="minor">
+        <a:schemeClr val="lt1"/>
+      </a:fontRef>
+    </dgm:style>
+  </dgm:styleLbl>
+  <dgm:styleLbl name="vennNode1">
+    <dgm:scene3d>
+      <a:camera prst="orthographicFront"/>
+      <a:lightRig rig="threePt" dir="t"/>
+    </dgm:scene3d>
+    <dgm:sp3d/>
+    <dgm:txPr/>
+    <dgm:style>
+      <a:lnRef idx="2">
+        <a:scrgbClr r="0" g="0" b="0"/>
+      </a:lnRef>
+      <a:fillRef idx="1">
+        <a:scrgbClr r="0" g="0" b="0"/>
+      </a:fillRef>
+      <a:effectRef idx="0">
+        <a:scrgbClr r="0" g="0" b="0"/>
+      </a:effectRef>
+      <a:fontRef idx="minor">
+        <a:schemeClr val="tx1"/>
+      </a:fontRef>
+    </dgm:style>
+  </dgm:styleLbl>
+  <dgm:styleLbl name="alignNode1">
+    <dgm:scene3d>
+      <a:camera prst="orthographicFront"/>
+      <a:lightRig rig="threePt" dir="t"/>
+    </dgm:scene3d>
+    <dgm:sp3d/>
+    <dgm:txPr/>
+    <dgm:style>
+      <a:lnRef idx="2">
+        <a:scrgbClr r="0" g="0" b="0"/>
+      </a:lnRef>
+      <a:fillRef idx="1">
+        <a:scrgbClr r="0" g="0" b="0"/>
+      </a:fillRef>
+      <a:effectRef idx="0">
+        <a:scrgbClr r="0" g="0" b="0"/>
+      </a:effectRef>
+      <a:fontRef idx="minor">
+        <a:schemeClr val="lt1"/>
+      </a:fontRef>
+    </dgm:style>
+  </dgm:styleLbl>
+  <dgm:styleLbl name="node1">
+    <dgm:scene3d>
+      <a:camera prst="orthographicFront"/>
+      <a:lightRig rig="threePt" dir="t"/>
+    </dgm:scene3d>
+    <dgm:sp3d/>
+    <dgm:txPr/>
+    <dgm:style>
+      <a:lnRef idx="2">
+        <a:scrgbClr r="0" g="0" b="0"/>
+      </a:lnRef>
+      <a:fillRef idx="1">
+        <a:scrgbClr r="0" g="0" b="0"/>
+      </a:fillRef>
+      <a:effectRef idx="0">
+        <a:scrgbClr r="0" g="0" b="0"/>
+      </a:effectRef>
+      <a:fontRef idx="minor">
+        <a:schemeClr val="lt1"/>
+      </a:fontRef>
+    </dgm:style>
+  </dgm:styleLbl>
+  <dgm:styleLbl name="node2">
+    <dgm:scene3d>
+      <a:camera prst="orthographicFront"/>
+      <a:lightRig rig="threePt" dir="t"/>
+    </dgm:scene3d>
+    <dgm:sp3d/>
+    <dgm:txPr/>
+    <dgm:style>
+      <a:lnRef idx="2">
+        <a:scrgbClr r="0" g="0" b="0"/>
+      </a:lnRef>
+      <a:fillRef idx="1">
+        <a:scrgbClr r="0" g="0" b="0"/>
+      </a:fillRef>
+      <a:effectRef idx="0">
+        <a:scrgbClr r="0" g="0" b="0"/>
+      </a:effectRef>
+      <a:fontRef idx="minor">
+        <a:schemeClr val="lt1"/>
+      </a:fontRef>
+    </dgm:style>
+  </dgm:styleLbl>
+  <dgm:styleLbl name="node3">
+    <dgm:scene3d>
+      <a:camera prst="orthographicFront"/>
+      <a:lightRig rig="threePt" dir="t"/>
+    </dgm:scene3d>
+    <dgm:sp3d/>
+    <dgm:txPr/>
+    <dgm:style>
+      <a:lnRef idx="2">
+        <a:scrgbClr r="0" g="0" b="0"/>
+      </a:lnRef>
+      <a:fillRef idx="1">
+        <a:scrgbClr r="0" g="0" b="0"/>
+      </a:fillRef>
+      <a:effectRef idx="0">
+        <a:scrgbClr r="0" g="0" b="0"/>
+      </a:effectRef>
+      <a:fontRef idx="minor">
+        <a:schemeClr val="lt1"/>
+      </a:fontRef>
+    </dgm:style>
+  </dgm:styleLbl>
+  <dgm:styleLbl name="node4">
+    <dgm:scene3d>
+      <a:camera prst="orthographicFront"/>
+      <a:lightRig rig="threePt" dir="t"/>
+    </dgm:scene3d>
+    <dgm:sp3d/>
+    <dgm:txPr/>
+    <dgm:style>
+      <a:lnRef idx="2">
+        <a:scrgbClr r="0" g="0" b="0"/>
+      </a:lnRef>
+      <a:fillRef idx="1">
+        <a:scrgbClr r="0" g="0" b="0"/>
+      </a:fillRef>
+      <a:effectRef idx="0">
+        <a:scrgbClr r="0" g="0" b="0"/>
+      </a:effectRef>
+      <a:fontRef idx="minor">
+        <a:schemeClr val="lt1"/>
+      </a:fontRef>
+    </dgm:style>
+  </dgm:styleLbl>
+  <dgm:styleLbl name="fgImgPlace1">
+    <dgm:scene3d>
+      <a:camera prst="orthographicFront"/>
+      <a:lightRig rig="threePt" dir="t"/>
+    </dgm:scene3d>
+    <dgm:sp3d/>
+    <dgm:txPr/>
+    <dgm:style>
+      <a:lnRef idx="2">
+        <a:scrgbClr r="0" g="0" b="0"/>
+      </a:lnRef>
+      <a:fillRef idx="1">
+        <a:scrgbClr r="0" g="0" b="0"/>
+      </a:fillRef>
+      <a:effectRef idx="0">
+        <a:scrgbClr r="0" g="0" b="0"/>
+      </a:effectRef>
+      <a:fontRef idx="minor"/>
+    </dgm:style>
+  </dgm:styleLbl>
+  <dgm:styleLbl name="alignImgPlace1">
+    <dgm:scene3d>
+      <a:camera prst="orthographicFront"/>
+      <a:lightRig rig="threePt" dir="t"/>
+    </dgm:scene3d>
+    <dgm:sp3d/>
+    <dgm:txPr/>
+    <dgm:style>
+      <a:lnRef idx="2">
+        <a:scrgbClr r="0" g="0" b="0"/>
+      </a:lnRef>
+      <a:fillRef idx="1">
+        <a:scrgbClr r="0" g="0" b="0"/>
+      </a:fillRef>
+      <a:effectRef idx="0">
+        <a:scrgbClr r="0" g="0" b="0"/>
+      </a:effectRef>
+      <a:fontRef idx="minor"/>
+    </dgm:style>
+  </dgm:styleLbl>
+  <dgm:styleLbl name="bgImgPlace1">
+    <dgm:scene3d>
+      <a:camera prst="orthographicFront"/>
+      <a:lightRig rig="threePt" dir="t"/>
+    </dgm:scene3d>
+    <dgm:sp3d/>
+    <dgm:txPr/>
+    <dgm:style>
+      <a:lnRef idx="2">
+        <a:scrgbClr r="0" g="0" b="0"/>
+      </a:lnRef>
+      <a:fillRef idx="1">
+        <a:scrgbClr r="0" g="0" b="0"/>
+      </a:fillRef>
+      <a:effectRef idx="0">
+        <a:scrgbClr r="0" g="0" b="0"/>
+      </a:effectRef>
+      <a:fontRef idx="minor"/>
+    </dgm:style>
+  </dgm:styleLbl>
+  <dgm:styleLbl name="sibTrans2D1">
+    <dgm:scene3d>
+      <a:camera prst="orthographicFront"/>
+      <a:lightRig rig="threePt" dir="t"/>
+    </dgm:scene3d>
+    <dgm:sp3d/>
+    <dgm:txPr/>
+    <dgm:style>
+      <a:lnRef idx="0">
+        <a:scrgbClr r="0" g="0" b="0"/>
+      </a:lnRef>
+      <a:fillRef idx="1">
+        <a:scrgbClr r="0" g="0" b="0"/>
+      </a:fillRef>
+      <a:effectRef idx="0">
+        <a:scrgbClr r="0" g="0" b="0"/>
+      </a:effectRef>
+      <a:fontRef idx="minor">
+        <a:schemeClr val="lt1"/>
+      </a:fontRef>
+    </dgm:style>
+  </dgm:styleLbl>
+  <dgm:styleLbl name="fgSibTrans2D1">
+    <dgm:scene3d>
+      <a:camera prst="orthographicFront"/>
+      <a:lightRig rig="threePt" dir="t"/>
+    </dgm:scene3d>
+    <dgm:sp3d/>
+    <dgm:txPr/>
+    <dgm:style>
+      <a:lnRef idx="0">
+        <a:scrgbClr r="0" g="0" b="0"/>
+      </a:lnRef>
+      <a:fillRef idx="1">
+        <a:scrgbClr r="0" g="0" b="0"/>
+      </a:fillRef>
+      <a:effectRef idx="0">
+        <a:scrgbClr r="0" g="0" b="0"/>
+      </a:effectRef>
+      <a:fontRef idx="minor">
+        <a:schemeClr val="lt1"/>
+      </a:fontRef>
+    </dgm:style>
+  </dgm:styleLbl>
+  <dgm:styleLbl name="bgSibTrans2D1">
+    <dgm:scene3d>
+      <a:camera prst="orthographicFront"/>
+      <a:lightRig rig="threePt" dir="t"/>
+    </dgm:scene3d>
+    <dgm:sp3d/>
+    <dgm:txPr/>
+    <dgm:style>
+      <a:lnRef idx="0">
+        <a:scrgbClr r="0" g="0" b="0"/>
+      </a:lnRef>
+      <a:fillRef idx="1">
+        <a:scrgbClr r="0" g="0" b="0"/>
+      </a:fillRef>
+      <a:effectRef idx="0">
+        <a:scrgbClr r="0" g="0" b="0"/>
+      </a:effectRef>
+      <a:fontRef idx="minor">
+        <a:schemeClr val="lt1"/>
+      </a:fontRef>
+    </dgm:style>
+  </dgm:styleLbl>
+  <dgm:styleLbl name="sibTrans1D1">
+    <dgm:scene3d>
+      <a:camera prst="orthographicFront"/>
+      <a:lightRig rig="threePt" dir="t"/>
+    </dgm:scene3d>
+    <dgm:sp3d/>
+    <dgm:txPr/>
+    <dgm:style>
+      <a:lnRef idx="1">
+        <a:scrgbClr r="0" g="0" b="0"/>
+      </a:lnRef>
+      <a:fillRef idx="0">
+        <a:scrgbClr r="0" g="0" b="0"/>
+      </a:fillRef>
+      <a:effectRef idx="0">
+        <a:scrgbClr r="0" g="0" b="0"/>
+      </a:effectRef>
+      <a:fontRef idx="minor"/>
+    </dgm:style>
+  </dgm:styleLbl>
+  <dgm:styleLbl name="callout">
+    <dgm:scene3d>
+      <a:camera prst="orthographicFront"/>
+      <a:lightRig rig="threePt" dir="t"/>
+    </dgm:scene3d>
+    <dgm:sp3d/>
+    <dgm:txPr/>
+    <dgm:style>
+      <a:lnRef idx="2">
+        <a:scrgbClr r="0" g="0" b="0"/>
+      </a:lnRef>
+      <a:fillRef idx="1">
+        <a:scrgbClr r="0" g="0" b="0"/>
+      </a:fillRef>
+      <a:effectRef idx="0">
+        <a:scrgbClr r="0" g="0" b="0"/>
+      </a:effectRef>
+      <a:fontRef idx="minor"/>
+    </dgm:style>
+  </dgm:styleLbl>
+  <dgm:styleLbl name="asst0">
+    <dgm:scene3d>
+      <a:camera prst="orthographicFront"/>
+      <a:lightRig rig="threePt" dir="t"/>
+    </dgm:scene3d>
+    <dgm:sp3d/>
+    <dgm:txPr/>
+    <dgm:style>
+      <a:lnRef idx="2">
+        <a:scrgbClr r="0" g="0" b="0"/>
+      </a:lnRef>
+      <a:fillRef idx="1">
+        <a:scrgbClr r="0" g="0" b="0"/>
+      </a:fillRef>
+      <a:effectRef idx="0">
+        <a:scrgbClr r="0" g="0" b="0"/>
+      </a:effectRef>
+      <a:fontRef idx="minor">
+        <a:schemeClr val="lt1"/>
+      </a:fontRef>
+    </dgm:style>
+  </dgm:styleLbl>
+  <dgm:styleLbl name="asst1">
+    <dgm:scene3d>
+      <a:camera prst="orthographicFront"/>
+      <a:lightRig rig="threePt" dir="t"/>
+    </dgm:scene3d>
+    <dgm:sp3d/>
+    <dgm:txPr/>
+    <dgm:style>
+      <a:lnRef idx="2">
+        <a:scrgbClr r="0" g="0" b="0"/>
+      </a:lnRef>
+      <a:fillRef idx="1">
+        <a:scrgbClr r="0" g="0" b="0"/>
+      </a:fillRef>
+      <a:effectRef idx="0">
+        <a:scrgbClr r="0" g="0" b="0"/>
+      </a:effectRef>
+      <a:fontRef idx="minor">
+        <a:schemeClr val="lt1"/>
+      </a:fontRef>
+    </dgm:style>
+  </dgm:styleLbl>
+  <dgm:styleLbl name="asst2">
+    <dgm:scene3d>
+      <a:camera prst="orthographicFront"/>
+      <a:lightRig rig="threePt" dir="t"/>
+    </dgm:scene3d>
+    <dgm:sp3d/>
+    <dgm:txPr/>
+    <dgm:style>
+      <a:lnRef idx="2">
+        <a:scrgbClr r="0" g="0" b="0"/>
+      </a:lnRef>
+      <a:fillRef idx="1">
+        <a:scrgbClr r="0" g="0" b="0"/>
+      </a:fillRef>
+      <a:effectRef idx="0">
+        <a:scrgbClr r="0" g="0" b="0"/>
+      </a:effectRef>
+      <a:fontRef idx="minor">
+        <a:schemeClr val="lt1"/>
+      </a:fontRef>
+    </dgm:style>
+  </dgm:styleLbl>
+  <dgm:styleLbl name="asst3">
+    <dgm:scene3d>
+      <a:camera prst="orthographicFront"/>
+      <a:lightRig rig="threePt" dir="t"/>
+    </dgm:scene3d>
+    <dgm:sp3d/>
+    <dgm:txPr/>
+    <dgm:style>
+      <a:lnRef idx="2">
+        <a:scrgbClr r="0" g="0" b="0"/>
+      </a:lnRef>
+      <a:fillRef idx="1">
+        <a:scrgbClr r="0" g="0" b="0"/>
+      </a:fillRef>
+      <a:effectRef idx="0">
+        <a:scrgbClr r="0" g="0" b="0"/>
+      </a:effectRef>
+      <a:fontRef idx="minor">
+        <a:schemeClr val="lt1"/>
+      </a:fontRef>
+    </dgm:style>
+  </dgm:styleLbl>
+  <dgm:styleLbl name="asst4">
+    <dgm:scene3d>
+      <a:camera prst="orthographicFront"/>
+      <a:lightRig rig="threePt" dir="t"/>
+    </dgm:scene3d>
+    <dgm:sp3d/>
+    <dgm:txPr/>
+    <dgm:style>
+      <a:lnRef idx="2">
+        <a:scrgbClr r="0" g="0" b="0"/>
+      </a:lnRef>
+      <a:fillRef idx="1">
+        <a:scrgbClr r="0" g="0" b="0"/>
+      </a:fillRef>
+      <a:effectRef idx="0">
+        <a:scrgbClr r="0" g="0" b="0"/>
+      </a:effectRef>
+      <a:fontRef idx="minor">
+        <a:schemeClr val="lt1"/>
+      </a:fontRef>
+    </dgm:style>
+  </dgm:styleLbl>
+  <dgm:styleLbl name="parChTrans2D1">
+    <dgm:scene3d>
+      <a:camera prst="orthographicFront"/>
+      <a:lightRig rig="threePt" dir="t"/>
+    </dgm:scene3d>
+    <dgm:sp3d/>
+    <dgm:txPr/>
+    <dgm:style>
+      <a:lnRef idx="2">
+        <a:scrgbClr r="0" g="0" b="0"/>
+      </a:lnRef>
+      <a:fillRef idx="1">
+        <a:scrgbClr r="0" g="0" b="0"/>
+      </a:fillRef>
+      <a:effectRef idx="0">
+        <a:scrgbClr r="0" g="0" b="0"/>
+      </a:effectRef>
+      <a:fontRef idx="minor">
+        <a:schemeClr val="lt1"/>
+      </a:fontRef>
+    </dgm:style>
+  </dgm:styleLbl>
+  <dgm:styleLbl name="parChTrans2D2">
+    <dgm:scene3d>
+      <a:camera prst="orthographicFront"/>
+      <a:lightRig rig="threePt" dir="t"/>
+    </dgm:scene3d>
+    <dgm:sp3d/>
+    <dgm:txPr/>
+    <dgm:style>
+      <a:lnRef idx="2">
+        <a:scrgbClr r="0" g="0" b="0"/>
+      </a:lnRef>
+      <a:fillRef idx="1">
+        <a:scrgbClr r="0" g="0" b="0"/>
+      </a:fillRef>
+      <a:effectRef idx="0">
+        <a:scrgbClr r="0" g="0" b="0"/>
+      </a:effectRef>
+      <a:fontRef idx="minor">
+        <a:schemeClr val="lt1"/>
+      </a:fontRef>
+    </dgm:style>
+  </dgm:styleLbl>
+  <dgm:styleLbl name="parChTrans2D3">
+    <dgm:scene3d>
+      <a:camera prst="orthographicFront"/>
+      <a:lightRig rig="threePt" dir="t"/>
+    </dgm:scene3d>
+    <dgm:sp3d/>
+    <dgm:txPr/>
+    <dgm:style>
+      <a:lnRef idx="2">
+        <a:scrgbClr r="0" g="0" b="0"/>
+      </a:lnRef>
+      <a:fillRef idx="1">
+        <a:scrgbClr r="0" g="0" b="0"/>
+      </a:fillRef>
+      <a:effectRef idx="0">
+        <a:scrgbClr r="0" g="0" b="0"/>
+      </a:effectRef>
+      <a:fontRef idx="minor">
+        <a:schemeClr val="lt1"/>
+      </a:fontRef>
+    </dgm:style>
+  </dgm:styleLbl>
+  <dgm:styleLbl name="parChTrans2D4">
+    <dgm:scene3d>
+      <a:camera prst="orthographicFront"/>
+      <a:lightRig rig="threePt" dir="t"/>
+    </dgm:scene3d>
+    <dgm:sp3d/>
+    <dgm:txPr/>
+    <dgm:style>
+      <a:lnRef idx="2">
+        <a:scrgbClr r="0" g="0" b="0"/>
+      </a:lnRef>
+      <a:fillRef idx="1">
+        <a:scrgbClr r="0" g="0" b="0"/>
+      </a:fillRef>
+      <a:effectRef idx="0">
+        <a:scrgbClr r="0" g="0" b="0"/>
+      </a:effectRef>
+      <a:fontRef idx="minor">
+        <a:schemeClr val="lt1"/>
+      </a:fontRef>
+    </dgm:style>
+  </dgm:styleLbl>
+  <dgm:styleLbl name="parChTrans1D1">
+    <dgm:scene3d>
+      <a:camera prst="orthographicFront"/>
+      <a:lightRig rig="threePt" dir="t"/>
+    </dgm:scene3d>
+    <dgm:sp3d/>
+    <dgm:txPr/>
+    <dgm:style>
+      <a:lnRef idx="2">
+        <a:scrgbClr r="0" g="0" b="0"/>
+      </a:lnRef>
+      <a:fillRef idx="0">
+        <a:scrgbClr r="0" g="0" b="0"/>
+      </a:fillRef>
+      <a:effectRef idx="0">
+        <a:scrgbClr r="0" g="0" b="0"/>
+      </a:effectRef>
+      <a:fontRef idx="minor"/>
+    </dgm:style>
+  </dgm:styleLbl>
+  <dgm:styleLbl name="parChTrans1D2">
+    <dgm:scene3d>
+      <a:camera prst="orthographicFront"/>
+      <a:lightRig rig="threePt" dir="t"/>
+    </dgm:scene3d>
+    <dgm:sp3d/>
+    <dgm:txPr/>
+    <dgm:style>
+      <a:lnRef idx="2">
+        <a:scrgbClr r="0" g="0" b="0"/>
+      </a:lnRef>
+      <a:fillRef idx="0">
+        <a:scrgbClr r="0" g="0" b="0"/>
+      </a:fillRef>
+      <a:effectRef idx="0">
+        <a:scrgbClr r="0" g="0" b="0"/>
+      </a:effectRef>
+      <a:fontRef idx="minor"/>
+    </dgm:style>
+  </dgm:styleLbl>
+  <dgm:styleLbl name="parChTrans1D3">
+    <dgm:scene3d>
+      <a:camera prst="orthographicFront"/>
+      <a:lightRig rig="threePt" dir="t"/>
+    </dgm:scene3d>
+    <dgm:sp3d/>
+    <dgm:txPr/>
+    <dgm:style>
+      <a:lnRef idx="2">
+        <a:scrgbClr r="0" g="0" b="0"/>
+      </a:lnRef>
+      <a:fillRef idx="0">
+        <a:scrgbClr r="0" g="0" b="0"/>
+      </a:fillRef>
+      <a:effectRef idx="0">
+        <a:scrgbClr r="0" g="0" b="0"/>
+      </a:effectRef>
+      <a:fontRef idx="minor"/>
+    </dgm:style>
+  </dgm:styleLbl>
+  <dgm:styleLbl name="parChTrans1D4">
+    <dgm:scene3d>
+      <a:camera prst="orthographicFront"/>
+      <a:lightRig rig="threePt" dir="t"/>
+    </dgm:scene3d>
+    <dgm:sp3d/>
+    <dgm:txPr/>
+    <dgm:style>
+      <a:lnRef idx="2">
+        <a:scrgbClr r="0" g="0" b="0"/>
+      </a:lnRef>
+      <a:fillRef idx="0">
+        <a:scrgbClr r="0" g="0" b="0"/>
+      </a:fillRef>
+      <a:effectRef idx="0">
+        <a:scrgbClr r="0" g="0" b="0"/>
+      </a:effectRef>
+      <a:fontRef idx="minor"/>
+    </dgm:style>
+  </dgm:styleLbl>
+  <dgm:styleLbl name="fgAcc1">
+    <dgm:scene3d>
+      <a:camera prst="orthographicFront"/>
+      <a:lightRig rig="threePt" dir="t"/>
+    </dgm:scene3d>
+    <dgm:sp3d/>
+    <dgm:txPr/>
+    <dgm:style>
+      <a:lnRef idx="2">
+        <a:scrgbClr r="0" g="0" b="0"/>
+      </a:lnRef>
+      <a:fillRef idx="1">
+        <a:scrgbClr r="0" g="0" b="0"/>
+      </a:fillRef>
+      <a:effectRef idx="0">
+        <a:scrgbClr r="0" g="0" b="0"/>
+      </a:effectRef>
+      <a:fontRef idx="minor"/>
+    </dgm:style>
+  </dgm:styleLbl>
+  <dgm:styleLbl name="conFgAcc1">
+    <dgm:scene3d>
+      <a:camera prst="orthographicFront"/>
+      <a:lightRig rig="threePt" dir="t"/>
+    </dgm:scene3d>
+    <dgm:sp3d/>
+    <dgm:txPr/>
+    <dgm:style>
+      <a:lnRef idx="2">
+        <a:scrgbClr r="0" g="0" b="0"/>
+      </a:lnRef>
+      <a:fillRef idx="1">
+        <a:scrgbClr r="0" g="0" b="0"/>
+      </a:fillRef>
+      <a:effectRef idx="0">
+        <a:scrgbClr r="0" g="0" b="0"/>
+      </a:effectRef>
+      <a:fontRef idx="minor"/>
+    </dgm:style>
+  </dgm:styleLbl>
+  <dgm:styleLbl name="alignAcc1">
+    <dgm:scene3d>
+      <a:camera prst="orthographicFront"/>
+      <a:lightRig rig="threePt" dir="t"/>
+    </dgm:scene3d>
+    <dgm:sp3d/>
+    <dgm:txPr/>
+    <dgm:style>
+      <a:lnRef idx="2">
+        <a:scrgbClr r="0" g="0" b="0"/>
+      </a:lnRef>
+      <a:fillRef idx="1">
+        <a:scrgbClr r="0" g="0" b="0"/>
+      </a:fillRef>
+      <a:effectRef idx="0">
+        <a:scrgbClr r="0" g="0" b="0"/>
+      </a:effectRef>
+      <a:fontRef idx="minor"/>
+    </dgm:style>
+  </dgm:styleLbl>
+  <dgm:styleLbl name="trAlignAcc1">
+    <dgm:scene3d>
+      <a:camera prst="orthographicFront"/>
+      <a:lightRig rig="threePt" dir="t"/>
+    </dgm:scene3d>
+    <dgm:sp3d/>
+    <dgm:txPr/>
+    <dgm:style>
+      <a:lnRef idx="1">
+        <a:scrgbClr r="0" g="0" b="0"/>
+      </a:lnRef>
+      <a:fillRef idx="1">
+        <a:scrgbClr r="0" g="0" b="0"/>
+      </a:fillRef>
+      <a:effectRef idx="0">
+        <a:scrgbClr r="0" g="0" b="0"/>
+      </a:effectRef>
+      <a:fontRef idx="minor"/>
+    </dgm:style>
+  </dgm:styleLbl>
+  <dgm:styleLbl name="bgAcc1">
+    <dgm:scene3d>
+      <a:camera prst="orthographicFront"/>
+      <a:lightRig rig="threePt" dir="t"/>
+    </dgm:scene3d>
+    <dgm:sp3d/>
+    <dgm:txPr/>
+    <dgm:style>
+      <a:lnRef idx="2">
+        <a:scrgbClr r="0" g="0" b="0"/>
+      </a:lnRef>
+      <a:fillRef idx="1">
+        <a:scrgbClr r="0" g="0" b="0"/>
+      </a:fillRef>
+      <a:effectRef idx="0">
+        <a:scrgbClr r="0" g="0" b="0"/>
+      </a:effectRef>
+      <a:fontRef idx="minor"/>
+    </dgm:style>
+  </dgm:styleLbl>
+  <dgm:styleLbl name="solidFgAcc1">
+    <dgm:scene3d>
+      <a:camera prst="orthographicFront"/>
+      <a:lightRig rig="threePt" dir="t"/>
+    </dgm:scene3d>
+    <dgm:sp3d/>
+    <dgm:txPr/>
+    <dgm:style>
+      <a:lnRef idx="2">
+        <a:scrgbClr r="0" g="0" b="0"/>
+      </a:lnRef>
+      <a:fillRef idx="1">
+        <a:scrgbClr r="0" g="0" b="0"/>
+      </a:fillRef>
+      <a:effectRef idx="0">
+        <a:scrgbClr r="0" g="0" b="0"/>
+      </a:effectRef>
+      <a:fontRef idx="minor"/>
+    </dgm:style>
+  </dgm:styleLbl>
+  <dgm:styleLbl name="solidAlignAcc1">
+    <dgm:scene3d>
+      <a:camera prst="orthographicFront"/>
+      <a:lightRig rig="threePt" dir="t"/>
+    </dgm:scene3d>
+    <dgm:sp3d/>
+    <dgm:txPr/>
+    <dgm:style>
+      <a:lnRef idx="2">
+        <a:scrgbClr r="0" g="0" b="0"/>
+      </a:lnRef>
+      <a:fillRef idx="1">
+        <a:scrgbClr r="0" g="0" b="0"/>
+      </a:fillRef>
+      <a:effectRef idx="0">
+        <a:scrgbClr r="0" g="0" b="0"/>
+      </a:effectRef>
+      <a:fontRef idx="minor"/>
+    </dgm:style>
+  </dgm:styleLbl>
+  <dgm:styleLbl name="solidBgAcc1">
+    <dgm:scene3d>
+      <a:camera prst="orthographicFront"/>
+      <a:lightRig rig="threePt" dir="t"/>
+    </dgm:scene3d>
+    <dgm:sp3d/>
+    <dgm:txPr/>
+    <dgm:style>
+      <a:lnRef idx="2">
+        <a:scrgbClr r="0" g="0" b="0"/>
+      </a:lnRef>
+      <a:fillRef idx="1">
+        <a:scrgbClr r="0" g="0" b="0"/>
+      </a:fillRef>
+      <a:effectRef idx="0">
+        <a:scrgbClr r="0" g="0" b="0"/>
+      </a:effectRef>
+      <a:fontRef idx="minor"/>
+    </dgm:style>
+  </dgm:styleLbl>
+  <dgm:styleLbl name="fgAccFollowNode1">
+    <dgm:scene3d>
+      <a:camera prst="orthographicFront"/>
+      <a:lightRig rig="threePt" dir="t"/>
+    </dgm:scene3d>
+    <dgm:sp3d/>
+    <dgm:txPr/>
+    <dgm:style>
+      <a:lnRef idx="2">
+        <a:scrgbClr r="0" g="0" b="0"/>
+      </a:lnRef>
+      <a:fillRef idx="1">
+        <a:scrgbClr r="0" g="0" b="0"/>
+      </a:fillRef>
+      <a:effectRef idx="0">
+        <a:scrgbClr r="0" g="0" b="0"/>
+      </a:effectRef>
+      <a:fontRef idx="minor"/>
+    </dgm:style>
+  </dgm:styleLbl>
+  <dgm:styleLbl name="alignAccFollowNode1">
+    <dgm:scene3d>
+      <a:camera prst="orthographicFront"/>
+      <a:lightRig rig="threePt" dir="t"/>
+    </dgm:scene3d>
+    <dgm:sp3d/>
+    <dgm:txPr/>
+    <dgm:style>
+      <a:lnRef idx="2">
+        <a:scrgbClr r="0" g="0" b="0"/>
+      </a:lnRef>
+      <a:fillRef idx="1">
+        <a:scrgbClr r="0" g="0" b="0"/>
+      </a:fillRef>
+      <a:effectRef idx="0">
+        <a:scrgbClr r="0" g="0" b="0"/>
+      </a:effectRef>
+      <a:fontRef idx="minor"/>
+    </dgm:style>
+  </dgm:styleLbl>
+  <dgm:styleLbl name="bgAccFollowNode1">
+    <dgm:scene3d>
+      <a:camera prst="orthographicFront"/>
+      <a:lightRig rig="threePt" dir="t"/>
+    </dgm:scene3d>
+    <dgm:sp3d/>
+    <dgm:txPr/>
+    <dgm:style>
+      <a:lnRef idx="2">
+        <a:scrgbClr r="0" g="0" b="0"/>
+      </a:lnRef>
+      <a:fillRef idx="1">
+        <a:scrgbClr r="0" g="0" b="0"/>
+      </a:fillRef>
+      <a:effectRef idx="0">
+        <a:scrgbClr r="0" g="0" b="0"/>
+      </a:effectRef>
+      <a:fontRef idx="minor"/>
+    </dgm:style>
+  </dgm:styleLbl>
+  <dgm:styleLbl name="fgAcc0">
+    <dgm:scene3d>
+      <a:camera prst="orthographicFront"/>
+      <a:lightRig rig="threePt" dir="t"/>
+    </dgm:scene3d>
+    <dgm:sp3d/>
+    <dgm:txPr/>
+    <dgm:style>
+      <a:lnRef idx="2">
+        <a:scrgbClr r="0" g="0" b="0"/>
+      </a:lnRef>
+      <a:fillRef idx="1">
+        <a:scrgbClr r="0" g="0" b="0"/>
+      </a:fillRef>
+      <a:effectRef idx="0">
+        <a:scrgbClr r="0" g="0" b="0"/>
+      </a:effectRef>
+      <a:fontRef idx="minor"/>
+    </dgm:style>
+  </dgm:styleLbl>
+  <dgm:styleLbl name="fgAcc2">
+    <dgm:scene3d>
+      <a:camera prst="orthographicFront"/>
+      <a:lightRig rig="threePt" dir="t"/>
+    </dgm:scene3d>
+    <dgm:sp3d/>
+    <dgm:txPr/>
+    <dgm:style>
+      <a:lnRef idx="2">
+        <a:scrgbClr r="0" g="0" b="0"/>
+      </a:lnRef>
+      <a:fillRef idx="1">
+        <a:scrgbClr r="0" g="0" b="0"/>
+      </a:fillRef>
+      <a:effectRef idx="0">
+        <a:scrgbClr r="0" g="0" b="0"/>
+      </a:effectRef>
+      <a:fontRef idx="minor"/>
+    </dgm:style>
+  </dgm:styleLbl>
+  <dgm:styleLbl name="fgAcc3">
+    <dgm:scene3d>
+      <a:camera prst="orthographicFront"/>
+      <a:lightRig rig="threePt" dir="t"/>
+    </dgm:scene3d>
+    <dgm:sp3d/>
+    <dgm:txPr/>
+    <dgm:style>
+      <a:lnRef idx="2">
+        <a:scrgbClr r="0" g="0" b="0"/>
+      </a:lnRef>
+      <a:fillRef idx="1">
+        <a:scrgbClr r="0" g="0" b="0"/>
+      </a:fillRef>
+      <a:effectRef idx="0">
+        <a:scrgbClr r="0" g="0" b="0"/>
+      </a:effectRef>
+      <a:fontRef idx="minor"/>
+    </dgm:style>
+  </dgm:styleLbl>
+  <dgm:styleLbl name="fgAcc4">
+    <dgm:scene3d>
+      <a:camera prst="orthographicFront"/>
+      <a:lightRig rig="threePt" dir="t"/>
+    </dgm:scene3d>
+    <dgm:sp3d/>
+    <dgm:txPr/>
+    <dgm:style>
+      <a:lnRef idx="2">
+        <a:scrgbClr r="0" g="0" b="0"/>
+      </a:lnRef>
+      <a:fillRef idx="1">
+        <a:scrgbClr r="0" g="0" b="0"/>
+      </a:fillRef>
+      <a:effectRef idx="0">
+        <a:scrgbClr r="0" g="0" b="0"/>
+      </a:effectRef>
+      <a:fontRef idx="minor"/>
+    </dgm:style>
+  </dgm:styleLbl>
+  <dgm:styleLbl name="bgShp">
+    <dgm:scene3d>
+      <a:camera prst="orthographicFront"/>
+      <a:lightRig rig="threePt" dir="t"/>
+    </dgm:scene3d>
+    <dgm:sp3d/>
+    <dgm:txPr/>
+    <dgm:style>
+      <a:lnRef idx="0">
+        <a:scrgbClr r="0" g="0" b="0"/>
+      </a:lnRef>
+      <a:fillRef idx="1">
+        <a:scrgbClr r="0" g="0" b="0"/>
+      </a:fillRef>
+      <a:effectRef idx="0">
+        <a:scrgbClr r="0" g="0" b="0"/>
+      </a:effectRef>
+      <a:fontRef idx="minor"/>
+    </dgm:style>
+  </dgm:styleLbl>
+  <dgm:styleLbl name="dkBgShp">
+    <dgm:scene3d>
+      <a:camera prst="orthographicFront"/>
+      <a:lightRig rig="threePt" dir="t"/>
+    </dgm:scene3d>
+    <dgm:sp3d/>
+    <dgm:txPr/>
+    <dgm:style>
+      <a:lnRef idx="0">
+        <a:scrgbClr r="0" g="0" b="0"/>
+      </a:lnRef>
+      <a:fillRef idx="1">
+        <a:scrgbClr r="0" g="0" b="0"/>
+      </a:fillRef>
+      <a:effectRef idx="0">
+        <a:scrgbClr r="0" g="0" b="0"/>
+      </a:effectRef>
+      <a:fontRef idx="minor"/>
+    </dgm:style>
+  </dgm:styleLbl>
+  <dgm:styleLbl name="trBgShp">
+    <dgm:scene3d>
+      <a:camera prst="orthographicFront"/>
+      <a:lightRig rig="threePt" dir="t"/>
+    </dgm:scene3d>
+    <dgm:sp3d/>
+    <dgm:txPr/>
+    <dgm:style>
+      <a:lnRef idx="0">
+        <a:scrgbClr r="0" g="0" b="0"/>
+      </a:lnRef>
+      <a:fillRef idx="1">
+        <a:scrgbClr r="0" g="0" b="0"/>
+      </a:fillRef>
+      <a:effectRef idx="0">
+        <a:scrgbClr r="0" g="0" b="0"/>
+      </a:effectRef>
+      <a:fontRef idx="minor"/>
+    </dgm:style>
+  </dgm:styleLbl>
+  <dgm:styleLbl name="fgShp">
+    <dgm:scene3d>
+      <a:camera prst="orthographicFront"/>
+      <a:lightRig rig="threePt" dir="t"/>
+    </dgm:scene3d>
+    <dgm:sp3d/>
+    <dgm:txPr/>
+    <dgm:style>
+      <a:lnRef idx="2">
+        <a:scrgbClr r="0" g="0" b="0"/>
+      </a:lnRef>
+      <a:fillRef idx="1">
+        <a:scrgbClr r="0" g="0" b="0"/>
+      </a:fillRef>
+      <a:effectRef idx="0">
+        <a:scrgbClr r="0" g="0" b="0"/>
+      </a:effectRef>
+      <a:fontRef idx="minor"/>
+    </dgm:style>
+  </dgm:styleLbl>
+  <dgm:styleLbl name="revTx">
+    <dgm:scene3d>
+      <a:camera prst="orthographicFront"/>
+      <a:lightRig rig="threePt" dir="t"/>
+    </dgm:scene3d>
+    <dgm:sp3d/>
+    <dgm:txPr/>
+    <dgm:style>
+      <a:lnRef idx="0">
+        <a:scrgbClr r="0" g="0" b="0"/>
+      </a:lnRef>
+      <a:fillRef idx="0">
+        <a:scrgbClr r="0" g="0" b="0"/>
+      </a:fillRef>
+      <a:effectRef idx="0">
+        <a:scrgbClr r="0" g="0" b="0"/>
+      </a:effectRef>
+      <a:fontRef idx="minor"/>
+    </dgm:style>
+  </dgm:styleLbl>
+</dgm:styleDef>
+</file>
+
+<file path=ppt/diagrams/quickStyle2.xml><?xml version="1.0" encoding="utf-8"?>
+<dgm:styleDef xmlns:dgm="http://schemas.openxmlformats.org/drawingml/2006/diagram" xmlns:a="http://schemas.openxmlformats.org/drawingml/2006/main" uniqueId="urn:microsoft.com/office/officeart/2005/8/quickstyle/simple1">
+  <dgm:title val=""/>
+  <dgm:desc val=""/>
+  <dgm:catLst>
+    <dgm:cat type="simple" pri="10100"/>
+  </dgm:catLst>
+  <dgm:scene3d>
+    <a:camera prst="orthographicFront"/>
+    <a:lightRig rig="threePt" dir="t"/>
+  </dgm:scene3d>
+  <dgm:styleLbl name="node0">
+    <dgm:scene3d>
+      <a:camera prst="orthographicFront"/>
+      <a:lightRig rig="threePt" dir="t"/>
+    </dgm:scene3d>
+    <dgm:sp3d/>
+    <dgm:txPr/>
+    <dgm:style>
+      <a:lnRef idx="2">
+        <a:scrgbClr r="0" g="0" b="0"/>
+      </a:lnRef>
+      <a:fillRef idx="1">
+        <a:scrgbClr r="0" g="0" b="0"/>
+      </a:fillRef>
+      <a:effectRef idx="0">
+        <a:scrgbClr r="0" g="0" b="0"/>
+      </a:effectRef>
+      <a:fontRef idx="minor">
+        <a:schemeClr val="lt1"/>
+      </a:fontRef>
+    </dgm:style>
+  </dgm:styleLbl>
+  <dgm:styleLbl name="lnNode1">
+    <dgm:scene3d>
+      <a:camera prst="orthographicFront"/>
+      <a:lightRig rig="threePt" dir="t"/>
+    </dgm:scene3d>
+    <dgm:sp3d/>
+    <dgm:txPr/>
+    <dgm:style>
+      <a:lnRef idx="2">
+        <a:scrgbClr r="0" g="0" b="0"/>
+      </a:lnRef>
+      <a:fillRef idx="1">
+        <a:scrgbClr r="0" g="0" b="0"/>
+      </a:fillRef>
+      <a:effectRef idx="0">
+        <a:scrgbClr r="0" g="0" b="0"/>
+      </a:effectRef>
+      <a:fontRef idx="minor">
+        <a:schemeClr val="lt1"/>
+      </a:fontRef>
+    </dgm:style>
+  </dgm:styleLbl>
+  <dgm:styleLbl name="vennNode1">
+    <dgm:scene3d>
+      <a:camera prst="orthographicFront"/>
+      <a:lightRig rig="threePt" dir="t"/>
+    </dgm:scene3d>
+    <dgm:sp3d/>
+    <dgm:txPr/>
+    <dgm:style>
+      <a:lnRef idx="2">
+        <a:scrgbClr r="0" g="0" b="0"/>
+      </a:lnRef>
+      <a:fillRef idx="1">
+        <a:scrgbClr r="0" g="0" b="0"/>
+      </a:fillRef>
+      <a:effectRef idx="0">
+        <a:scrgbClr r="0" g="0" b="0"/>
+      </a:effectRef>
+      <a:fontRef idx="minor">
+        <a:schemeClr val="tx1"/>
+      </a:fontRef>
+    </dgm:style>
+  </dgm:styleLbl>
+  <dgm:styleLbl name="alignNode1">
+    <dgm:scene3d>
+      <a:camera prst="orthographicFront"/>
+      <a:lightRig rig="threePt" dir="t"/>
+    </dgm:scene3d>
+    <dgm:sp3d/>
+    <dgm:txPr/>
+    <dgm:style>
+      <a:lnRef idx="2">
+        <a:scrgbClr r="0" g="0" b="0"/>
+      </a:lnRef>
+      <a:fillRef idx="1">
+        <a:scrgbClr r="0" g="0" b="0"/>
+      </a:fillRef>
+      <a:effectRef idx="0">
+        <a:scrgbClr r="0" g="0" b="0"/>
+      </a:effectRef>
+      <a:fontRef idx="minor">
+        <a:schemeClr val="lt1"/>
+      </a:fontRef>
+    </dgm:style>
+  </dgm:styleLbl>
+  <dgm:styleLbl name="node1">
+    <dgm:scene3d>
+      <a:camera prst="orthographicFront"/>
+      <a:lightRig rig="threePt" dir="t"/>
+    </dgm:scene3d>
+    <dgm:sp3d/>
+    <dgm:txPr/>
+    <dgm:style>
+      <a:lnRef idx="2">
+        <a:scrgbClr r="0" g="0" b="0"/>
+      </a:lnRef>
+      <a:fillRef idx="1">
+        <a:scrgbClr r="0" g="0" b="0"/>
+      </a:fillRef>
+      <a:effectRef idx="0">
+        <a:scrgbClr r="0" g="0" b="0"/>
+      </a:effectRef>
+      <a:fontRef idx="minor">
+        <a:schemeClr val="lt1"/>
+      </a:fontRef>
+    </dgm:style>
+  </dgm:styleLbl>
+  <dgm:styleLbl name="node2">
+    <dgm:scene3d>
+      <a:camera prst="orthographicFront"/>
+      <a:lightRig rig="threePt" dir="t"/>
+    </dgm:scene3d>
+    <dgm:sp3d/>
+    <dgm:txPr/>
+    <dgm:style>
+      <a:lnRef idx="2">
+        <a:scrgbClr r="0" g="0" b="0"/>
+      </a:lnRef>
+      <a:fillRef idx="1">
+        <a:scrgbClr r="0" g="0" b="0"/>
+      </a:fillRef>
+      <a:effectRef idx="0">
+        <a:scrgbClr r="0" g="0" b="0"/>
+      </a:effectRef>
+      <a:fontRef idx="minor">
+        <a:schemeClr val="lt1"/>
+      </a:fontRef>
+    </dgm:style>
+  </dgm:styleLbl>
+  <dgm:styleLbl name="node3">
+    <dgm:scene3d>
+      <a:camera prst="orthographicFront"/>
+      <a:lightRig rig="threePt" dir="t"/>
+    </dgm:scene3d>
+    <dgm:sp3d/>
+    <dgm:txPr/>
+    <dgm:style>
+      <a:lnRef idx="2">
+        <a:scrgbClr r="0" g="0" b="0"/>
+      </a:lnRef>
+      <a:fillRef idx="1">
+        <a:scrgbClr r="0" g="0" b="0"/>
+      </a:fillRef>
+      <a:effectRef idx="0">
+        <a:scrgbClr r="0" g="0" b="0"/>
+      </a:effectRef>
+      <a:fontRef idx="minor">
+        <a:schemeClr val="lt1"/>
+      </a:fontRef>
+    </dgm:style>
+  </dgm:styleLbl>
+  <dgm:styleLbl name="node4">
+    <dgm:scene3d>
+      <a:camera prst="orthographicFront"/>
+      <a:lightRig rig="threePt" dir="t"/>
+    </dgm:scene3d>
+    <dgm:sp3d/>
+    <dgm:txPr/>
+    <dgm:style>
+      <a:lnRef idx="2">
+        <a:scrgbClr r="0" g="0" b="0"/>
+      </a:lnRef>
+      <a:fillRef idx="1">
+        <a:scrgbClr r="0" g="0" b="0"/>
+      </a:fillRef>
+      <a:effectRef idx="0">
+        <a:scrgbClr r="0" g="0" b="0"/>
+      </a:effectRef>
+      <a:fontRef idx="minor">
+        <a:schemeClr val="lt1"/>
+      </a:fontRef>
+    </dgm:style>
+  </dgm:styleLbl>
+  <dgm:styleLbl name="fgImgPlace1">
+    <dgm:scene3d>
+      <a:camera prst="orthographicFront"/>
+      <a:lightRig rig="threePt" dir="t"/>
+    </dgm:scene3d>
+    <dgm:sp3d/>
+    <dgm:txPr/>
+    <dgm:style>
+      <a:lnRef idx="2">
+        <a:scrgbClr r="0" g="0" b="0"/>
+      </a:lnRef>
+      <a:fillRef idx="1">
+        <a:scrgbClr r="0" g="0" b="0"/>
+      </a:fillRef>
+      <a:effectRef idx="0">
+        <a:scrgbClr r="0" g="0" b="0"/>
+      </a:effectRef>
+      <a:fontRef idx="minor"/>
+    </dgm:style>
+  </dgm:styleLbl>
+  <dgm:styleLbl name="alignImgPlace1">
+    <dgm:scene3d>
+      <a:camera prst="orthographicFront"/>
+      <a:lightRig rig="threePt" dir="t"/>
+    </dgm:scene3d>
+    <dgm:sp3d/>
+    <dgm:txPr/>
+    <dgm:style>
+      <a:lnRef idx="2">
+        <a:scrgbClr r="0" g="0" b="0"/>
+      </a:lnRef>
+      <a:fillRef idx="1">
+        <a:scrgbClr r="0" g="0" b="0"/>
+      </a:fillRef>
+      <a:effectRef idx="0">
+        <a:scrgbClr r="0" g="0" b="0"/>
+      </a:effectRef>
+      <a:fontRef idx="minor"/>
+    </dgm:style>
+  </dgm:styleLbl>
+  <dgm:styleLbl name="bgImgPlace1">
+    <dgm:scene3d>
+      <a:camera prst="orthographicFront"/>
+      <a:lightRig rig="threePt" dir="t"/>
+    </dgm:scene3d>
+    <dgm:sp3d/>
+    <dgm:txPr/>
+    <dgm:style>
+      <a:lnRef idx="2">
+        <a:scrgbClr r="0" g="0" b="0"/>
+      </a:lnRef>
+      <a:fillRef idx="1">
+        <a:scrgbClr r="0" g="0" b="0"/>
+      </a:fillRef>
+      <a:effectRef idx="0">
+        <a:scrgbClr r="0" g="0" b="0"/>
+      </a:effectRef>
+      <a:fontRef idx="minor"/>
+    </dgm:style>
+  </dgm:styleLbl>
+  <dgm:styleLbl name="sibTrans2D1">
+    <dgm:scene3d>
+      <a:camera prst="orthographicFront"/>
+      <a:lightRig rig="threePt" dir="t"/>
+    </dgm:scene3d>
+    <dgm:sp3d/>
+    <dgm:txPr/>
+    <dgm:style>
+      <a:lnRef idx="0">
+        <a:scrgbClr r="0" g="0" b="0"/>
+      </a:lnRef>
+      <a:fillRef idx="1">
+        <a:scrgbClr r="0" g="0" b="0"/>
+      </a:fillRef>
+      <a:effectRef idx="0">
+        <a:scrgbClr r="0" g="0" b="0"/>
+      </a:effectRef>
+      <a:fontRef idx="minor">
+        <a:schemeClr val="lt1"/>
+      </a:fontRef>
+    </dgm:style>
+  </dgm:styleLbl>
+  <dgm:styleLbl name="fgSibTrans2D1">
+    <dgm:scene3d>
+      <a:camera prst="orthographicFront"/>
+      <a:lightRig rig="threePt" dir="t"/>
+    </dgm:scene3d>
+    <dgm:sp3d/>
+    <dgm:txPr/>
+    <dgm:style>
+      <a:lnRef idx="0">
+        <a:scrgbClr r="0" g="0" b="0"/>
+      </a:lnRef>
+      <a:fillRef idx="1">
+        <a:scrgbClr r="0" g="0" b="0"/>
+      </a:fillRef>
+      <a:effectRef idx="0">
+        <a:scrgbClr r="0" g="0" b="0"/>
+      </a:effectRef>
+      <a:fontRef idx="minor">
+        <a:schemeClr val="lt1"/>
+      </a:fontRef>
+    </dgm:style>
+  </dgm:styleLbl>
+  <dgm:styleLbl name="bgSibTrans2D1">
+    <dgm:scene3d>
+      <a:camera prst="orthographicFront"/>
+      <a:lightRig rig="threePt" dir="t"/>
+    </dgm:scene3d>
+    <dgm:sp3d/>
+    <dgm:txPr/>
+    <dgm:style>
+      <a:lnRef idx="0">
+        <a:scrgbClr r="0" g="0" b="0"/>
+      </a:lnRef>
+      <a:fillRef idx="1">
+        <a:scrgbClr r="0" g="0" b="0"/>
+      </a:fillRef>
+      <a:effectRef idx="0">
+        <a:scrgbClr r="0" g="0" b="0"/>
+      </a:effectRef>
+      <a:fontRef idx="minor">
+        <a:schemeClr val="lt1"/>
+      </a:fontRef>
+    </dgm:style>
+  </dgm:styleLbl>
+  <dgm:styleLbl name="sibTrans1D1">
+    <dgm:scene3d>
+      <a:camera prst="orthographicFront"/>
+      <a:lightRig rig="threePt" dir="t"/>
+    </dgm:scene3d>
+    <dgm:sp3d/>
+    <dgm:txPr/>
+    <dgm:style>
+      <a:lnRef idx="1">
+        <a:scrgbClr r="0" g="0" b="0"/>
+      </a:lnRef>
+      <a:fillRef idx="0">
+        <a:scrgbClr r="0" g="0" b="0"/>
+      </a:fillRef>
+      <a:effectRef idx="0">
+        <a:scrgbClr r="0" g="0" b="0"/>
+      </a:effectRef>
+      <a:fontRef idx="minor"/>
+    </dgm:style>
+  </dgm:styleLbl>
+  <dgm:styleLbl name="callout">
+    <dgm:scene3d>
+      <a:camera prst="orthographicFront"/>
+      <a:lightRig rig="threePt" dir="t"/>
+    </dgm:scene3d>
+    <dgm:sp3d/>
+    <dgm:txPr/>
+    <dgm:style>
+      <a:lnRef idx="2">
+        <a:scrgbClr r="0" g="0" b="0"/>
+      </a:lnRef>
+      <a:fillRef idx="1">
+        <a:scrgbClr r="0" g="0" b="0"/>
+      </a:fillRef>
+      <a:effectRef idx="0">
+        <a:scrgbClr r="0" g="0" b="0"/>
+      </a:effectRef>
+      <a:fontRef idx="minor"/>
+    </dgm:style>
+  </dgm:styleLbl>
+  <dgm:styleLbl name="asst0">
+    <dgm:scene3d>
+      <a:camera prst="orthographicFront"/>
+      <a:lightRig rig="threePt" dir="t"/>
+    </dgm:scene3d>
+    <dgm:sp3d/>
+    <dgm:txPr/>
+    <dgm:style>
+      <a:lnRef idx="2">
+        <a:scrgbClr r="0" g="0" b="0"/>
+      </a:lnRef>
+      <a:fillRef idx="1">
+        <a:scrgbClr r="0" g="0" b="0"/>
+      </a:fillRef>
+      <a:effectRef idx="0">
+        <a:scrgbClr r="0" g="0" b="0"/>
+      </a:effectRef>
+      <a:fontRef idx="minor">
+        <a:schemeClr val="lt1"/>
+      </a:fontRef>
+    </dgm:style>
+  </dgm:styleLbl>
+  <dgm:styleLbl name="asst1">
+    <dgm:scene3d>
+      <a:camera prst="orthographicFront"/>
+      <a:lightRig rig="threePt" dir="t"/>
+    </dgm:scene3d>
+    <dgm:sp3d/>
+    <dgm:txPr/>
+    <dgm:style>
+      <a:lnRef idx="2">
+        <a:scrgbClr r="0" g="0" b="0"/>
+      </a:lnRef>
+      <a:fillRef idx="1">
+        <a:scrgbClr r="0" g="0" b="0"/>
+      </a:fillRef>
+      <a:effectRef idx="0">
+        <a:scrgbClr r="0" g="0" b="0"/>
+      </a:effectRef>
+      <a:fontRef idx="minor">
+        <a:schemeClr val="lt1"/>
+      </a:fontRef>
+    </dgm:style>
+  </dgm:styleLbl>
+  <dgm:styleLbl name="asst2">
+    <dgm:scene3d>
+      <a:camera prst="orthographicFront"/>
+      <a:lightRig rig="threePt" dir="t"/>
+    </dgm:scene3d>
+    <dgm:sp3d/>
+    <dgm:txPr/>
+    <dgm:style>
+      <a:lnRef idx="2">
+        <a:scrgbClr r="0" g="0" b="0"/>
+      </a:lnRef>
+      <a:fillRef idx="1">
+        <a:scrgbClr r="0" g="0" b="0"/>
+      </a:fillRef>
+      <a:effectRef idx="0">
+        <a:scrgbClr r="0" g="0" b="0"/>
+      </a:effectRef>
+      <a:fontRef idx="minor">
+        <a:schemeClr val="lt1"/>
+      </a:fontRef>
+    </dgm:style>
+  </dgm:styleLbl>
+  <dgm:styleLbl name="asst3">
+    <dgm:scene3d>
+      <a:camera prst="orthographicFront"/>
+      <a:lightRig rig="threePt" dir="t"/>
+    </dgm:scene3d>
+    <dgm:sp3d/>
+    <dgm:txPr/>
+    <dgm:style>
+      <a:lnRef idx="2">
+        <a:scrgbClr r="0" g="0" b="0"/>
+      </a:lnRef>
+      <a:fillRef idx="1">
+        <a:scrgbClr r="0" g="0" b="0"/>
+      </a:fillRef>
+      <a:effectRef idx="0">
+        <a:scrgbClr r="0" g="0" b="0"/>
+      </a:effectRef>
+      <a:fontRef idx="minor">
+        <a:schemeClr val="lt1"/>
+      </a:fontRef>
+    </dgm:style>
+  </dgm:styleLbl>
+  <dgm:styleLbl name="asst4">
+    <dgm:scene3d>
+      <a:camera prst="orthographicFront"/>
+      <a:lightRig rig="threePt" dir="t"/>
+    </dgm:scene3d>
+    <dgm:sp3d/>
+    <dgm:txPr/>
+    <dgm:style>
+      <a:lnRef idx="2">
+        <a:scrgbClr r="0" g="0" b="0"/>
+      </a:lnRef>
+      <a:fillRef idx="1">
+        <a:scrgbClr r="0" g="0" b="0"/>
+      </a:fillRef>
+      <a:effectRef idx="0">
+        <a:scrgbClr r="0" g="0" b="0"/>
+      </a:effectRef>
+      <a:fontRef idx="minor">
+        <a:schemeClr val="lt1"/>
+      </a:fontRef>
+    </dgm:style>
+  </dgm:styleLbl>
+  <dgm:styleLbl name="parChTrans2D1">
+    <dgm:scene3d>
+      <a:camera prst="orthographicFront"/>
+      <a:lightRig rig="threePt" dir="t"/>
+    </dgm:scene3d>
+    <dgm:sp3d/>
+    <dgm:txPr/>
+    <dgm:style>
+      <a:lnRef idx="2">
+        <a:scrgbClr r="0" g="0" b="0"/>
+      </a:lnRef>
+      <a:fillRef idx="1">
+        <a:scrgbClr r="0" g="0" b="0"/>
+      </a:fillRef>
+      <a:effectRef idx="0">
+        <a:scrgbClr r="0" g="0" b="0"/>
+      </a:effectRef>
+      <a:fontRef idx="minor">
+        <a:schemeClr val="lt1"/>
+      </a:fontRef>
+    </dgm:style>
+  </dgm:styleLbl>
+  <dgm:styleLbl name="parChTrans2D2">
+    <dgm:scene3d>
+      <a:camera prst="orthographicFront"/>
+      <a:lightRig rig="threePt" dir="t"/>
+    </dgm:scene3d>
+    <dgm:sp3d/>
+    <dgm:txPr/>
+    <dgm:style>
+      <a:lnRef idx="2">
+        <a:scrgbClr r="0" g="0" b="0"/>
+      </a:lnRef>
+      <a:fillRef idx="1">
+        <a:scrgbClr r="0" g="0" b="0"/>
+      </a:fillRef>
+      <a:effectRef idx="0">
+        <a:scrgbClr r="0" g="0" b="0"/>
+      </a:effectRef>
+      <a:fontRef idx="minor">
+        <a:schemeClr val="lt1"/>
+      </a:fontRef>
+    </dgm:style>
+  </dgm:styleLbl>
+  <dgm:styleLbl name="parChTrans2D3">
+    <dgm:scene3d>
+      <a:camera prst="orthographicFront"/>
+      <a:lightRig rig="threePt" dir="t"/>
+    </dgm:scene3d>
+    <dgm:sp3d/>
+    <dgm:txPr/>
+    <dgm:style>
+      <a:lnRef idx="2">
+        <a:scrgbClr r="0" g="0" b="0"/>
+      </a:lnRef>
+      <a:fillRef idx="1">
+        <a:scrgbClr r="0" g="0" b="0"/>
+      </a:fillRef>
+      <a:effectRef idx="0">
+        <a:scrgbClr r="0" g="0" b="0"/>
+      </a:effectRef>
+      <a:fontRef idx="minor">
+        <a:schemeClr val="lt1"/>
+      </a:fontRef>
+    </dgm:style>
+  </dgm:styleLbl>
+  <dgm:styleLbl name="parChTrans2D4">
+    <dgm:scene3d>
+      <a:camera prst="orthographicFront"/>
+      <a:lightRig rig="threePt" dir="t"/>
+    </dgm:scene3d>
+    <dgm:sp3d/>
+    <dgm:txPr/>
+    <dgm:style>
+      <a:lnRef idx="2">
+        <a:scrgbClr r="0" g="0" b="0"/>
+      </a:lnRef>
+      <a:fillRef idx="1">
+        <a:scrgbClr r="0" g="0" b="0"/>
+      </a:fillRef>
+      <a:effectRef idx="0">
+        <a:scrgbClr r="0" g="0" b="0"/>
+      </a:effectRef>
+      <a:fontRef idx="minor">
+        <a:schemeClr val="lt1"/>
+      </a:fontRef>
+    </dgm:style>
+  </dgm:styleLbl>
+  <dgm:styleLbl name="parChTrans1D1">
+    <dgm:scene3d>
+      <a:camera prst="orthographicFront"/>
+      <a:lightRig rig="threePt" dir="t"/>
+    </dgm:scene3d>
+    <dgm:sp3d/>
+    <dgm:txPr/>
+    <dgm:style>
+      <a:lnRef idx="2">
+        <a:scrgbClr r="0" g="0" b="0"/>
+      </a:lnRef>
+      <a:fillRef idx="0">
+        <a:scrgbClr r="0" g="0" b="0"/>
+      </a:fillRef>
+      <a:effectRef idx="0">
+        <a:scrgbClr r="0" g="0" b="0"/>
+      </a:effectRef>
+      <a:fontRef idx="minor"/>
+    </dgm:style>
+  </dgm:styleLbl>
+  <dgm:styleLbl name="parChTrans1D2">
+    <dgm:scene3d>
+      <a:camera prst="orthographicFront"/>
+      <a:lightRig rig="threePt" dir="t"/>
+    </dgm:scene3d>
+    <dgm:sp3d/>
+    <dgm:txPr/>
+    <dgm:style>
+      <a:lnRef idx="2">
+        <a:scrgbClr r="0" g="0" b="0"/>
+      </a:lnRef>
+      <a:fillRef idx="0">
+        <a:scrgbClr r="0" g="0" b="0"/>
+      </a:fillRef>
+      <a:effectRef idx="0">
+        <a:scrgbClr r="0" g="0" b="0"/>
+      </a:effectRef>
+      <a:fontRef idx="minor"/>
+    </dgm:style>
+  </dgm:styleLbl>
+  <dgm:styleLbl name="parChTrans1D3">
+    <dgm:scene3d>
+      <a:camera prst="orthographicFront"/>
+      <a:lightRig rig="threePt" dir="t"/>
+    </dgm:scene3d>
+    <dgm:sp3d/>
+    <dgm:txPr/>
+    <dgm:style>
+      <a:lnRef idx="2">
+        <a:scrgbClr r="0" g="0" b="0"/>
+      </a:lnRef>
+      <a:fillRef idx="0">
+        <a:scrgbClr r="0" g="0" b="0"/>
+      </a:fillRef>
+      <a:effectRef idx="0">
+        <a:scrgbClr r="0" g="0" b="0"/>
+      </a:effectRef>
+      <a:fontRef idx="minor"/>
+    </dgm:style>
+  </dgm:styleLbl>
+  <dgm:styleLbl name="parChTrans1D4">
+    <dgm:scene3d>
+      <a:camera prst="orthographicFront"/>
+      <a:lightRig rig="threePt" dir="t"/>
+    </dgm:scene3d>
+    <dgm:sp3d/>
+    <dgm:txPr/>
+    <dgm:style>
+      <a:lnRef idx="2">
+        <a:scrgbClr r="0" g="0" b="0"/>
+      </a:lnRef>
+      <a:fillRef idx="0">
+        <a:scrgbClr r="0" g="0" b="0"/>
+      </a:fillRef>
+      <a:effectRef idx="0">
+        <a:scrgbClr r="0" g="0" b="0"/>
+      </a:effectRef>
+      <a:fontRef idx="minor"/>
+    </dgm:style>
+  </dgm:styleLbl>
+  <dgm:styleLbl name="fgAcc1">
+    <dgm:scene3d>
+      <a:camera prst="orthographicFront"/>
+      <a:lightRig rig="threePt" dir="t"/>
+    </dgm:scene3d>
+    <dgm:sp3d/>
+    <dgm:txPr/>
+    <dgm:style>
+      <a:lnRef idx="2">
+        <a:scrgbClr r="0" g="0" b="0"/>
+      </a:lnRef>
+      <a:fillRef idx="1">
+        <a:scrgbClr r="0" g="0" b="0"/>
+      </a:fillRef>
+      <a:effectRef idx="0">
+        <a:scrgbClr r="0" g="0" b="0"/>
+      </a:effectRef>
+      <a:fontRef idx="minor"/>
+    </dgm:style>
+  </dgm:styleLbl>
+  <dgm:styleLbl name="conFgAcc1">
+    <dgm:scene3d>
+      <a:camera prst="orthographicFront"/>
+      <a:lightRig rig="threePt" dir="t"/>
+    </dgm:scene3d>
+    <dgm:sp3d/>
+    <dgm:txPr/>
+    <dgm:style>
+      <a:lnRef idx="2">
+        <a:scrgbClr r="0" g="0" b="0"/>
+      </a:lnRef>
+      <a:fillRef idx="1">
+        <a:scrgbClr r="0" g="0" b="0"/>
+      </a:fillRef>
+      <a:effectRef idx="0">
+        <a:scrgbClr r="0" g="0" b="0"/>
+      </a:effectRef>
+      <a:fontRef idx="minor"/>
+    </dgm:style>
+  </dgm:styleLbl>
+  <dgm:styleLbl name="alignAcc1">
+    <dgm:scene3d>
+      <a:camera prst="orthographicFront"/>
+      <a:lightRig rig="threePt" dir="t"/>
+    </dgm:scene3d>
+    <dgm:sp3d/>
+    <dgm:txPr/>
+    <dgm:style>
+      <a:lnRef idx="2">
+        <a:scrgbClr r="0" g="0" b="0"/>
+      </a:lnRef>
+      <a:fillRef idx="1">
+        <a:scrgbClr r="0" g="0" b="0"/>
+      </a:fillRef>
+      <a:effectRef idx="0">
+        <a:scrgbClr r="0" g="0" b="0"/>
+      </a:effectRef>
+      <a:fontRef idx="minor"/>
+    </dgm:style>
+  </dgm:styleLbl>
+  <dgm:styleLbl name="trAlignAcc1">
+    <dgm:scene3d>
+      <a:camera prst="orthographicFront"/>
+      <a:lightRig rig="threePt" dir="t"/>
+    </dgm:scene3d>
+    <dgm:sp3d/>
+    <dgm:txPr/>
+    <dgm:style>
+      <a:lnRef idx="1">
+        <a:scrgbClr r="0" g="0" b="0"/>
+      </a:lnRef>
+      <a:fillRef idx="1">
+        <a:scrgbClr r="0" g="0" b="0"/>
+      </a:fillRef>
+      <a:effectRef idx="0">
+        <a:scrgbClr r="0" g="0" b="0"/>
+      </a:effectRef>
+      <a:fontRef idx="minor"/>
+    </dgm:style>
+  </dgm:styleLbl>
+  <dgm:styleLbl name="bgAcc1">
+    <dgm:scene3d>
+      <a:camera prst="orthographicFront"/>
+      <a:lightRig rig="threePt" dir="t"/>
+    </dgm:scene3d>
+    <dgm:sp3d/>
+    <dgm:txPr/>
+    <dgm:style>
+      <a:lnRef idx="2">
+        <a:scrgbClr r="0" g="0" b="0"/>
+      </a:lnRef>
+      <a:fillRef idx="1">
+        <a:scrgbClr r="0" g="0" b="0"/>
+      </a:fillRef>
+      <a:effectRef idx="0">
+        <a:scrgbClr r="0" g="0" b="0"/>
+      </a:effectRef>
+      <a:fontRef idx="minor"/>
+    </dgm:style>
+  </dgm:styleLbl>
+  <dgm:styleLbl name="solidFgAcc1">
+    <dgm:scene3d>
+      <a:camera prst="orthographicFront"/>
+      <a:lightRig rig="threePt" dir="t"/>
+    </dgm:scene3d>
+    <dgm:sp3d/>
+    <dgm:txPr/>
+    <dgm:style>
+      <a:lnRef idx="2">
+        <a:scrgbClr r="0" g="0" b="0"/>
+      </a:lnRef>
+      <a:fillRef idx="1">
+        <a:scrgbClr r="0" g="0" b="0"/>
+      </a:fillRef>
+      <a:effectRef idx="0">
+        <a:scrgbClr r="0" g="0" b="0"/>
+      </a:effectRef>
+      <a:fontRef idx="minor"/>
+    </dgm:style>
+  </dgm:styleLbl>
+  <dgm:styleLbl name="solidAlignAcc1">
+    <dgm:scene3d>
+      <a:camera prst="orthographicFront"/>
+      <a:lightRig rig="threePt" dir="t"/>
+    </dgm:scene3d>
+    <dgm:sp3d/>
+    <dgm:txPr/>
+    <dgm:style>
+      <a:lnRef idx="2">
+        <a:scrgbClr r="0" g="0" b="0"/>
+      </a:lnRef>
+      <a:fillRef idx="1">
+        <a:scrgbClr r="0" g="0" b="0"/>
+      </a:fillRef>
+      <a:effectRef idx="0">
+        <a:scrgbClr r="0" g="0" b="0"/>
+      </a:effectRef>
+      <a:fontRef idx="minor"/>
+    </dgm:style>
+  </dgm:styleLbl>
+  <dgm:styleLbl name="solidBgAcc1">
+    <dgm:scene3d>
+      <a:camera prst="orthographicFront"/>
+      <a:lightRig rig="threePt" dir="t"/>
+    </dgm:scene3d>
+    <dgm:sp3d/>
+    <dgm:txPr/>
+    <dgm:style>
+      <a:lnRef idx="2">
+        <a:scrgbClr r="0" g="0" b="0"/>
+      </a:lnRef>
+      <a:fillRef idx="1">
+        <a:scrgbClr r="0" g="0" b="0"/>
+      </a:fillRef>
+      <a:effectRef idx="0">
+        <a:scrgbClr r="0" g="0" b="0"/>
+      </a:effectRef>
+      <a:fontRef idx="minor"/>
+    </dgm:style>
+  </dgm:styleLbl>
+  <dgm:styleLbl name="fgAccFollowNode1">
+    <dgm:scene3d>
+      <a:camera prst="orthographicFront"/>
+      <a:lightRig rig="threePt" dir="t"/>
+    </dgm:scene3d>
+    <dgm:sp3d/>
+    <dgm:txPr/>
+    <dgm:style>
+      <a:lnRef idx="2">
+        <a:scrgbClr r="0" g="0" b="0"/>
+      </a:lnRef>
+      <a:fillRef idx="1">
+        <a:scrgbClr r="0" g="0" b="0"/>
+      </a:fillRef>
+      <a:effectRef idx="0">
+        <a:scrgbClr r="0" g="0" b="0"/>
+      </a:effectRef>
+      <a:fontRef idx="minor"/>
+    </dgm:style>
+  </dgm:styleLbl>
+  <dgm:styleLbl name="alignAccFollowNode1">
+    <dgm:scene3d>
+      <a:camera prst="orthographicFront"/>
+      <a:lightRig rig="threePt" dir="t"/>
+    </dgm:scene3d>
+    <dgm:sp3d/>
+    <dgm:txPr/>
+    <dgm:style>
+      <a:lnRef idx="2">
+        <a:scrgbClr r="0" g="0" b="0"/>
+      </a:lnRef>
+      <a:fillRef idx="1">
+        <a:scrgbClr r="0" g="0" b="0"/>
+      </a:fillRef>
+      <a:effectRef idx="0">
+        <a:scrgbClr r="0" g="0" b="0"/>
+      </a:effectRef>
+      <a:fontRef idx="minor"/>
+    </dgm:style>
+  </dgm:styleLbl>
+  <dgm:styleLbl name="bgAccFollowNode1">
+    <dgm:scene3d>
+      <a:camera prst="orthographicFront"/>
+      <a:lightRig rig="threePt" dir="t"/>
+    </dgm:scene3d>
+    <dgm:sp3d/>
+    <dgm:txPr/>
+    <dgm:style>
+      <a:lnRef idx="2">
+        <a:scrgbClr r="0" g="0" b="0"/>
+      </a:lnRef>
+      <a:fillRef idx="1">
+        <a:scrgbClr r="0" g="0" b="0"/>
+      </a:fillRef>
+      <a:effectRef idx="0">
+        <a:scrgbClr r="0" g="0" b="0"/>
+      </a:effectRef>
+      <a:fontRef idx="minor"/>
+    </dgm:style>
+  </dgm:styleLbl>
+  <dgm:styleLbl name="fgAcc0">
+    <dgm:scene3d>
+      <a:camera prst="orthographicFront"/>
+      <a:lightRig rig="threePt" dir="t"/>
+    </dgm:scene3d>
+    <dgm:sp3d/>
+    <dgm:txPr/>
+    <dgm:style>
+      <a:lnRef idx="2">
+        <a:scrgbClr r="0" g="0" b="0"/>
+      </a:lnRef>
+      <a:fillRef idx="1">
+        <a:scrgbClr r="0" g="0" b="0"/>
+      </a:fillRef>
+      <a:effectRef idx="0">
+        <a:scrgbClr r="0" g="0" b="0"/>
+      </a:effectRef>
+      <a:fontRef idx="minor"/>
+    </dgm:style>
+  </dgm:styleLbl>
+  <dgm:styleLbl name="fgAcc2">
+    <dgm:scene3d>
+      <a:camera prst="orthographicFront"/>
+      <a:lightRig rig="threePt" dir="t"/>
+    </dgm:scene3d>
+    <dgm:sp3d/>
+    <dgm:txPr/>
+    <dgm:style>
+      <a:lnRef idx="2">
+        <a:scrgbClr r="0" g="0" b="0"/>
+      </a:lnRef>
+      <a:fillRef idx="1">
+        <a:scrgbClr r="0" g="0" b="0"/>
+      </a:fillRef>
+      <a:effectRef idx="0">
+        <a:scrgbClr r="0" g="0" b="0"/>
+      </a:effectRef>
+      <a:fontRef idx="minor"/>
+    </dgm:style>
+  </dgm:styleLbl>
+  <dgm:styleLbl name="fgAcc3">
+    <dgm:scene3d>
+      <a:camera prst="orthographicFront"/>
+      <a:lightRig rig="threePt" dir="t"/>
+    </dgm:scene3d>
+    <dgm:sp3d/>
+    <dgm:txPr/>
+    <dgm:style>
+      <a:lnRef idx="2">
+        <a:scrgbClr r="0" g="0" b="0"/>
+      </a:lnRef>
+      <a:fillRef idx="1">
+        <a:scrgbClr r="0" g="0" b="0"/>
+      </a:fillRef>
+      <a:effectRef idx="0">
+        <a:scrgbClr r="0" g="0" b="0"/>
+      </a:effectRef>
+      <a:fontRef idx="minor"/>
+    </dgm:style>
+  </dgm:styleLbl>
+  <dgm:styleLbl name="fgAcc4">
+    <dgm:scene3d>
+      <a:camera prst="orthographicFront"/>
+      <a:lightRig rig="threePt" dir="t"/>
+    </dgm:scene3d>
+    <dgm:sp3d/>
+    <dgm:txPr/>
+    <dgm:style>
+      <a:lnRef idx="2">
+        <a:scrgbClr r="0" g="0" b="0"/>
+      </a:lnRef>
+      <a:fillRef idx="1">
+        <a:scrgbClr r="0" g="0" b="0"/>
+      </a:fillRef>
+      <a:effectRef idx="0">
+        <a:scrgbClr r="0" g="0" b="0"/>
+      </a:effectRef>
+      <a:fontRef idx="minor"/>
+    </dgm:style>
+  </dgm:styleLbl>
+  <dgm:styleLbl name="bgShp">
+    <dgm:scene3d>
+      <a:camera prst="orthographicFront"/>
+      <a:lightRig rig="threePt" dir="t"/>
+    </dgm:scene3d>
+    <dgm:sp3d/>
+    <dgm:txPr/>
+    <dgm:style>
+      <a:lnRef idx="0">
+        <a:scrgbClr r="0" g="0" b="0"/>
+      </a:lnRef>
+      <a:fillRef idx="1">
+        <a:scrgbClr r="0" g="0" b="0"/>
+      </a:fillRef>
+      <a:effectRef idx="0">
+        <a:scrgbClr r="0" g="0" b="0"/>
+      </a:effectRef>
+      <a:fontRef idx="minor"/>
+    </dgm:style>
+  </dgm:styleLbl>
+  <dgm:styleLbl name="dkBgShp">
+    <dgm:scene3d>
+      <a:camera prst="orthographicFront"/>
+      <a:lightRig rig="threePt" dir="t"/>
+    </dgm:scene3d>
+    <dgm:sp3d/>
+    <dgm:txPr/>
+    <dgm:style>
+      <a:lnRef idx="0">
+        <a:scrgbClr r="0" g="0" b="0"/>
+      </a:lnRef>
+      <a:fillRef idx="1">
+        <a:scrgbClr r="0" g="0" b="0"/>
+      </a:fillRef>
+      <a:effectRef idx="0">
+        <a:scrgbClr r="0" g="0" b="0"/>
+      </a:effectRef>
+      <a:fontRef idx="minor"/>
+    </dgm:style>
+  </dgm:styleLbl>
+  <dgm:styleLbl name="trBgShp">
+    <dgm:scene3d>
+      <a:camera prst="orthographicFront"/>
+      <a:lightRig rig="threePt" dir="t"/>
+    </dgm:scene3d>
+    <dgm:sp3d/>
+    <dgm:txPr/>
+    <dgm:style>
+      <a:lnRef idx="0">
+        <a:scrgbClr r="0" g="0" b="0"/>
+      </a:lnRef>
+      <a:fillRef idx="1">
+        <a:scrgbClr r="0" g="0" b="0"/>
+      </a:fillRef>
+      <a:effectRef idx="0">
+        <a:scrgbClr r="0" g="0" b="0"/>
+      </a:effectRef>
+      <a:fontRef idx="minor"/>
+    </dgm:style>
+  </dgm:styleLbl>
+  <dgm:styleLbl name="fgShp">
+    <dgm:scene3d>
+      <a:camera prst="orthographicFront"/>
+      <a:lightRig rig="threePt" dir="t"/>
+    </dgm:scene3d>
+    <dgm:sp3d/>
+    <dgm:txPr/>
+    <dgm:style>
+      <a:lnRef idx="2">
+        <a:scrgbClr r="0" g="0" b="0"/>
+      </a:lnRef>
+      <a:fillRef idx="1">
+        <a:scrgbClr r="0" g="0" b="0"/>
+      </a:fillRef>
+      <a:effectRef idx="0">
+        <a:scrgbClr r="0" g="0" b="0"/>
+      </a:effectRef>
+      <a:fontRef idx="minor"/>
+    </dgm:style>
+  </dgm:styleLbl>
+  <dgm:styleLbl name="revTx">
+    <dgm:scene3d>
+      <a:camera prst="orthographicFront"/>
+      <a:lightRig rig="threePt" dir="t"/>
+    </dgm:scene3d>
+    <dgm:sp3d/>
+    <dgm:txPr/>
+    <dgm:style>
+      <a:lnRef idx="0">
+        <a:scrgbClr r="0" g="0" b="0"/>
+      </a:lnRef>
+      <a:fillRef idx="0">
+        <a:scrgbClr r="0" g="0" b="0"/>
+      </a:fillRef>
+      <a:effectRef idx="0">
+        <a:scrgbClr r="0" g="0" b="0"/>
+      </a:effectRef>
+      <a:fontRef idx="minor"/>
+    </dgm:style>
+  </dgm:styleLbl>
+</dgm:styleDef>
+</file>
+
 <file path=ppt/slideLayouts/slideLayout1.xml><?xml version="1.0" encoding="utf-8"?>
 <p:sldLayout xmlns:a="http://schemas.openxmlformats.org/drawingml/2006/main" xmlns:r="http://schemas.openxmlformats.org/officeDocument/2006/relationships" xmlns:p="http://schemas.openxmlformats.org/presentationml/2006/main" type="title" preserve="1">
   <p:cSld name="Title Slide">
@@ -267,7 +5297,7 @@
           <a:p>
             <a:fld id="{8A85D10D-5A51-4D57-81F1-51B1D95EE6F1}" type="datetimeFigureOut">
               <a:rPr lang="en-CM" smtClean="0"/>
-              <a:t>17/06/2024</a:t>
+              <a:t>18/07/2024</a:t>
             </a:fld>
             <a:endParaRPr lang="en-CM"/>
           </a:p>
@@ -467,7 +5497,7 @@
           <a:p>
             <a:fld id="{8A85D10D-5A51-4D57-81F1-51B1D95EE6F1}" type="datetimeFigureOut">
               <a:rPr lang="en-CM" smtClean="0"/>
-              <a:t>17/06/2024</a:t>
+              <a:t>18/07/2024</a:t>
             </a:fld>
             <a:endParaRPr lang="en-CM"/>
           </a:p>
@@ -677,7 +5707,7 @@
           <a:p>
             <a:fld id="{8A85D10D-5A51-4D57-81F1-51B1D95EE6F1}" type="datetimeFigureOut">
               <a:rPr lang="en-CM" smtClean="0"/>
-              <a:t>17/06/2024</a:t>
+              <a:t>18/07/2024</a:t>
             </a:fld>
             <a:endParaRPr lang="en-CM"/>
           </a:p>
@@ -877,7 +5907,7 @@
           <a:p>
             <a:fld id="{8A85D10D-5A51-4D57-81F1-51B1D95EE6F1}" type="datetimeFigureOut">
               <a:rPr lang="en-CM" smtClean="0"/>
-              <a:t>17/06/2024</a:t>
+              <a:t>18/07/2024</a:t>
             </a:fld>
             <a:endParaRPr lang="en-CM"/>
           </a:p>
@@ -1153,7 +6183,7 @@
           <a:p>
             <a:fld id="{8A85D10D-5A51-4D57-81F1-51B1D95EE6F1}" type="datetimeFigureOut">
               <a:rPr lang="en-CM" smtClean="0"/>
-              <a:t>17/06/2024</a:t>
+              <a:t>18/07/2024</a:t>
             </a:fld>
             <a:endParaRPr lang="en-CM"/>
           </a:p>
@@ -1421,7 +6451,7 @@
           <a:p>
             <a:fld id="{8A85D10D-5A51-4D57-81F1-51B1D95EE6F1}" type="datetimeFigureOut">
               <a:rPr lang="en-CM" smtClean="0"/>
-              <a:t>17/06/2024</a:t>
+              <a:t>18/07/2024</a:t>
             </a:fld>
             <a:endParaRPr lang="en-CM"/>
           </a:p>
@@ -1836,7 +6866,7 @@
           <a:p>
             <a:fld id="{8A85D10D-5A51-4D57-81F1-51B1D95EE6F1}" type="datetimeFigureOut">
               <a:rPr lang="en-CM" smtClean="0"/>
-              <a:t>17/06/2024</a:t>
+              <a:t>18/07/2024</a:t>
             </a:fld>
             <a:endParaRPr lang="en-CM"/>
           </a:p>
@@ -1978,7 +7008,7 @@
           <a:p>
             <a:fld id="{8A85D10D-5A51-4D57-81F1-51B1D95EE6F1}" type="datetimeFigureOut">
               <a:rPr lang="en-CM" smtClean="0"/>
-              <a:t>17/06/2024</a:t>
+              <a:t>18/07/2024</a:t>
             </a:fld>
             <a:endParaRPr lang="en-CM"/>
           </a:p>
@@ -2091,7 +7121,7 @@
           <a:p>
             <a:fld id="{8A85D10D-5A51-4D57-81F1-51B1D95EE6F1}" type="datetimeFigureOut">
               <a:rPr lang="en-CM" smtClean="0"/>
-              <a:t>17/06/2024</a:t>
+              <a:t>18/07/2024</a:t>
             </a:fld>
             <a:endParaRPr lang="en-CM"/>
           </a:p>
@@ -2404,7 +7434,7 @@
           <a:p>
             <a:fld id="{8A85D10D-5A51-4D57-81F1-51B1D95EE6F1}" type="datetimeFigureOut">
               <a:rPr lang="en-CM" smtClean="0"/>
-              <a:t>17/06/2024</a:t>
+              <a:t>18/07/2024</a:t>
             </a:fld>
             <a:endParaRPr lang="en-CM"/>
           </a:p>
@@ -2693,7 +7723,7 @@
           <a:p>
             <a:fld id="{8A85D10D-5A51-4D57-81F1-51B1D95EE6F1}" type="datetimeFigureOut">
               <a:rPr lang="en-CM" smtClean="0"/>
-              <a:t>17/06/2024</a:t>
+              <a:t>18/07/2024</a:t>
             </a:fld>
             <a:endParaRPr lang="en-CM"/>
           </a:p>
@@ -2936,7 +7966,7 @@
           <a:p>
             <a:fld id="{8A85D10D-5A51-4D57-81F1-51B1D95EE6F1}" type="datetimeFigureOut">
               <a:rPr lang="en-CM" smtClean="0"/>
-              <a:t>17/06/2024</a:t>
+              <a:t>18/07/2024</a:t>
             </a:fld>
             <a:endParaRPr lang="en-CM"/>
           </a:p>
@@ -3369,7 +8399,12 @@
             <p:ph type="ctrTitle"/>
           </p:nvPr>
         </p:nvSpPr>
-        <p:spPr/>
+        <p:spPr>
+          <a:xfrm>
+            <a:off x="1448585" y="2235200"/>
+            <a:ext cx="9144000" cy="2387600"/>
+          </a:xfrm>
+        </p:spPr>
         <p:txBody>
           <a:bodyPr/>
           <a:lstStyle/>
@@ -3379,74 +8414,6 @@
               <a:t>TANGLATEC internship project plan</a:t>
             </a:r>
             <a:endParaRPr lang="en-CM" dirty="0"/>
-          </a:p>
-        </p:txBody>
-      </p:sp>
-      <p:sp>
-        <p:nvSpPr>
-          <p:cNvPr id="3" name="Subtitle 2">
-            <a:extLst>
-              <a:ext uri="{FF2B5EF4-FFF2-40B4-BE49-F238E27FC236}">
-                <a16:creationId xmlns:a16="http://schemas.microsoft.com/office/drawing/2014/main" id="{5E527908-E74D-4204-BF09-8B802BD24358}"/>
-              </a:ext>
-            </a:extLst>
-          </p:cNvPr>
-          <p:cNvSpPr>
-            <a:spLocks noGrp="1"/>
-          </p:cNvSpPr>
-          <p:nvPr>
-            <p:ph type="subTitle" idx="1"/>
-          </p:nvPr>
-        </p:nvSpPr>
-        <p:spPr>
-          <a:xfrm>
-            <a:off x="1524000" y="3602037"/>
-            <a:ext cx="9144000" cy="3138127"/>
-          </a:xfrm>
-        </p:spPr>
-        <p:txBody>
-          <a:bodyPr>
-            <a:normAutofit/>
-          </a:bodyPr>
-          <a:lstStyle/>
-          <a:p>
-            <a:endParaRPr lang="en-US" dirty="0"/>
-          </a:p>
-          <a:p>
-            <a:r>
-              <a:rPr lang="en-US" sz="3200" dirty="0"/>
-              <a:t>Introduction </a:t>
-            </a:r>
-          </a:p>
-          <a:p>
-            <a:pPr marL="342900" indent="-342900" eaLnBrk="0" fontAlgn="base" hangingPunct="0">
-              <a:buFontTx/>
-              <a:buChar char="-"/>
-            </a:pPr>
-            <a:r>
-              <a:rPr lang="en-CM" dirty="0"/>
-              <a:t>Overview of the problem: Fitting thousands of 3D datasets daily with a zero-failure rate </a:t>
-            </a:r>
-            <a:endParaRPr lang="en-US" dirty="0"/>
-          </a:p>
-          <a:p>
-            <a:pPr eaLnBrk="0" fontAlgn="base" hangingPunct="0"/>
-            <a:r>
-              <a:rPr lang="en-CM" dirty="0"/>
-              <a:t>- Data characteristics: Cartesian coordinates (x, y) and corresponding function output (z), with noise and uncertainty in all dimensions </a:t>
-            </a:r>
-          </a:p>
-          <a:p>
-            <a:r>
-              <a:rPr lang="en-CM" dirty="0"/>
-              <a:t> </a:t>
-            </a:r>
-          </a:p>
-          <a:p>
-            <a:endParaRPr lang="en-US" sz="3200" dirty="0"/>
-          </a:p>
-          <a:p>
-            <a:endParaRPr lang="en-CM" sz="3200" dirty="0"/>
           </a:p>
         </p:txBody>
       </p:sp>
@@ -3542,7 +8509,7 @@
     </p:spTree>
     <p:extLst>
       <p:ext uri="{BB962C8B-B14F-4D97-AF65-F5344CB8AC3E}">
-        <p14:creationId xmlns:p14="http://schemas.microsoft.com/office/powerpoint/2010/main" val="1875250536"/>
+        <p14:creationId xmlns:p14="http://schemas.microsoft.com/office/powerpoint/2010/main" val="3452374388"/>
       </p:ext>
     </p:extLst>
   </p:cSld>
@@ -3574,7 +8541,7 @@
           <p:cNvPr id="2" name="Title 1">
             <a:extLst>
               <a:ext uri="{FF2B5EF4-FFF2-40B4-BE49-F238E27FC236}">
-                <a16:creationId xmlns:a16="http://schemas.microsoft.com/office/drawing/2014/main" id="{02D243A0-DC5A-4291-A221-06103816675B}"/>
+                <a16:creationId xmlns:a16="http://schemas.microsoft.com/office/drawing/2014/main" id="{30A25704-AC37-4133-8770-19EDEBA11965}"/>
               </a:ext>
             </a:extLst>
           </p:cNvPr>
@@ -3582,13 +8549,13 @@
             <a:spLocks noGrp="1"/>
           </p:cNvSpPr>
           <p:nvPr>
-            <p:ph type="title"/>
+            <p:ph type="ctrTitle"/>
           </p:nvPr>
         </p:nvSpPr>
         <p:spPr>
           <a:xfrm>
-            <a:off x="838200" y="327418"/>
-            <a:ext cx="10515600" cy="1325563"/>
+            <a:off x="1524000" y="211846"/>
+            <a:ext cx="9144000" cy="2387600"/>
           </a:xfrm>
         </p:spPr>
         <p:txBody>
@@ -3597,113 +8564,712 @@
           <a:p>
             <a:r>
               <a:rPr lang="en-US" dirty="0"/>
-              <a:t>			</a:t>
-            </a:r>
-            <a:r>
-              <a:rPr lang="en-CM" dirty="0"/>
-              <a:t>Data Pre-processing</a:t>
-            </a:r>
-            <a:br>
-              <a:rPr lang="en-CM" dirty="0"/>
-            </a:br>
+              <a:t>TANGLATEC internship project plan</a:t>
+            </a:r>
             <a:endParaRPr lang="en-CM" dirty="0"/>
           </a:p>
         </p:txBody>
       </p:sp>
       <p:sp>
         <p:nvSpPr>
-          <p:cNvPr id="3" name="Content Placeholder 2">
+          <p:cNvPr id="10" name="Freeform: Shape 9">
             <a:extLst>
               <a:ext uri="{FF2B5EF4-FFF2-40B4-BE49-F238E27FC236}">
-                <a16:creationId xmlns:a16="http://schemas.microsoft.com/office/drawing/2014/main" id="{09AD249E-7418-4C67-B8E5-23A23CCED762}"/>
+                <a16:creationId xmlns:a16="http://schemas.microsoft.com/office/drawing/2014/main" id="{C8ECE29A-C49C-4321-9E0A-BC0EF47ABF9C}"/>
+              </a:ext>
+            </a:extLst>
+          </p:cNvPr>
+          <p:cNvSpPr/>
+          <p:nvPr/>
+        </p:nvSpPr>
+        <p:spPr>
+          <a:xfrm>
+            <a:off x="4391320" y="3489315"/>
+            <a:ext cx="2999295" cy="643768"/>
+          </a:xfrm>
+          <a:custGeom>
+            <a:avLst/>
+            <a:gdLst>
+              <a:gd name="connsiteX0" fmla="*/ 0 w 6400800"/>
+              <a:gd name="connsiteY0" fmla="*/ 39361 h 236160"/>
+              <a:gd name="connsiteX1" fmla="*/ 39361 w 6400800"/>
+              <a:gd name="connsiteY1" fmla="*/ 0 h 236160"/>
+              <a:gd name="connsiteX2" fmla="*/ 6361439 w 6400800"/>
+              <a:gd name="connsiteY2" fmla="*/ 0 h 236160"/>
+              <a:gd name="connsiteX3" fmla="*/ 6400800 w 6400800"/>
+              <a:gd name="connsiteY3" fmla="*/ 39361 h 236160"/>
+              <a:gd name="connsiteX4" fmla="*/ 6400800 w 6400800"/>
+              <a:gd name="connsiteY4" fmla="*/ 196799 h 236160"/>
+              <a:gd name="connsiteX5" fmla="*/ 6361439 w 6400800"/>
+              <a:gd name="connsiteY5" fmla="*/ 236160 h 236160"/>
+              <a:gd name="connsiteX6" fmla="*/ 39361 w 6400800"/>
+              <a:gd name="connsiteY6" fmla="*/ 236160 h 236160"/>
+              <a:gd name="connsiteX7" fmla="*/ 0 w 6400800"/>
+              <a:gd name="connsiteY7" fmla="*/ 196799 h 236160"/>
+              <a:gd name="connsiteX8" fmla="*/ 0 w 6400800"/>
+              <a:gd name="connsiteY8" fmla="*/ 39361 h 236160"/>
+            </a:gdLst>
+            <a:ahLst/>
+            <a:cxnLst>
+              <a:cxn ang="0">
+                <a:pos x="connsiteX0" y="connsiteY0"/>
+              </a:cxn>
+              <a:cxn ang="0">
+                <a:pos x="connsiteX1" y="connsiteY1"/>
+              </a:cxn>
+              <a:cxn ang="0">
+                <a:pos x="connsiteX2" y="connsiteY2"/>
+              </a:cxn>
+              <a:cxn ang="0">
+                <a:pos x="connsiteX3" y="connsiteY3"/>
+              </a:cxn>
+              <a:cxn ang="0">
+                <a:pos x="connsiteX4" y="connsiteY4"/>
+              </a:cxn>
+              <a:cxn ang="0">
+                <a:pos x="connsiteX5" y="connsiteY5"/>
+              </a:cxn>
+              <a:cxn ang="0">
+                <a:pos x="connsiteX6" y="connsiteY6"/>
+              </a:cxn>
+              <a:cxn ang="0">
+                <a:pos x="connsiteX7" y="connsiteY7"/>
+              </a:cxn>
+              <a:cxn ang="0">
+                <a:pos x="connsiteX8" y="connsiteY8"/>
+              </a:cxn>
+            </a:cxnLst>
+            <a:rect l="l" t="t" r="r" b="b"/>
+            <a:pathLst>
+              <a:path w="6400800" h="236160">
+                <a:moveTo>
+                  <a:pt x="0" y="39361"/>
+                </a:moveTo>
+                <a:cubicBezTo>
+                  <a:pt x="0" y="17623"/>
+                  <a:pt x="17623" y="0"/>
+                  <a:pt x="39361" y="0"/>
+                </a:cubicBezTo>
+                <a:lnTo>
+                  <a:pt x="6361439" y="0"/>
+                </a:lnTo>
+                <a:cubicBezTo>
+                  <a:pt x="6383177" y="0"/>
+                  <a:pt x="6400800" y="17623"/>
+                  <a:pt x="6400800" y="39361"/>
+                </a:cubicBezTo>
+                <a:lnTo>
+                  <a:pt x="6400800" y="196799"/>
+                </a:lnTo>
+                <a:cubicBezTo>
+                  <a:pt x="6400800" y="218537"/>
+                  <a:pt x="6383177" y="236160"/>
+                  <a:pt x="6361439" y="236160"/>
+                </a:cubicBezTo>
+                <a:lnTo>
+                  <a:pt x="39361" y="236160"/>
+                </a:lnTo>
+                <a:cubicBezTo>
+                  <a:pt x="17623" y="236160"/>
+                  <a:pt x="0" y="218537"/>
+                  <a:pt x="0" y="196799"/>
+                </a:cubicBezTo>
+                <a:lnTo>
+                  <a:pt x="0" y="39361"/>
+                </a:lnTo>
+                <a:close/>
+              </a:path>
+            </a:pathLst>
+          </a:custGeom>
+          <a:ln>
+            <a:solidFill>
+              <a:schemeClr val="accent1">
+                <a:lumMod val="75000"/>
+              </a:schemeClr>
+            </a:solidFill>
+          </a:ln>
+        </p:spPr>
+        <p:style>
+          <a:lnRef idx="2">
+            <a:schemeClr val="lt1">
+              <a:hueOff val="0"/>
+              <a:satOff val="0"/>
+              <a:lumOff val="0"/>
+              <a:alphaOff val="0"/>
+            </a:schemeClr>
+          </a:lnRef>
+          <a:fillRef idx="1">
+            <a:schemeClr val="accent1">
+              <a:hueOff val="0"/>
+              <a:satOff val="0"/>
+              <a:lumOff val="0"/>
+              <a:alphaOff val="0"/>
+            </a:schemeClr>
+          </a:fillRef>
+          <a:effectRef idx="0">
+            <a:schemeClr val="accent1">
+              <a:hueOff val="0"/>
+              <a:satOff val="0"/>
+              <a:lumOff val="0"/>
+              <a:alphaOff val="0"/>
+            </a:schemeClr>
+          </a:effectRef>
+          <a:fontRef idx="minor">
+            <a:schemeClr val="lt1"/>
+          </a:fontRef>
+        </p:style>
+        <p:txBody>
+          <a:bodyPr spcFirstLastPara="0" vert="horz" wrap="square" lIns="253463" tIns="11528" rIns="253463" bIns="11528" numCol="1" spcCol="1270" anchor="ctr" anchorCtr="0">
+            <a:noAutofit/>
+          </a:bodyPr>
+          <a:lstStyle/>
+          <a:p>
+            <a:pPr marL="0" lvl="0" indent="0" algn="ctr" defTabSz="355600">
+              <a:lnSpc>
+                <a:spcPct val="90000"/>
+              </a:lnSpc>
+              <a:spcBef>
+                <a:spcPct val="0"/>
+              </a:spcBef>
+              <a:spcAft>
+                <a:spcPct val="35000"/>
+              </a:spcAft>
+              <a:buNone/>
+            </a:pPr>
+            <a:r>
+              <a:rPr lang="en-US" sz="800" kern="1200" dirty="0"/>
+              <a:t>Introduction </a:t>
+            </a:r>
+            <a:endParaRPr lang="en-CM" sz="800" kern="1200" dirty="0"/>
+          </a:p>
+        </p:txBody>
+      </p:sp>
+      <p:sp>
+        <p:nvSpPr>
+          <p:cNvPr id="12" name="Freeform: Shape 11">
+            <a:extLst>
+              <a:ext uri="{FF2B5EF4-FFF2-40B4-BE49-F238E27FC236}">
+                <a16:creationId xmlns:a16="http://schemas.microsoft.com/office/drawing/2014/main" id="{86869E07-A3FB-4797-9D5E-E7F8B46B16C4}"/>
+              </a:ext>
+            </a:extLst>
+          </p:cNvPr>
+          <p:cNvSpPr/>
+          <p:nvPr/>
+        </p:nvSpPr>
+        <p:spPr>
+          <a:xfrm>
+            <a:off x="2895600" y="4258554"/>
+            <a:ext cx="6400800" cy="939371"/>
+          </a:xfrm>
+          <a:custGeom>
+            <a:avLst/>
+            <a:gdLst>
+              <a:gd name="connsiteX0" fmla="*/ 0 w 6400800"/>
+              <a:gd name="connsiteY0" fmla="*/ 39361 h 236160"/>
+              <a:gd name="connsiteX1" fmla="*/ 39361 w 6400800"/>
+              <a:gd name="connsiteY1" fmla="*/ 0 h 236160"/>
+              <a:gd name="connsiteX2" fmla="*/ 6361439 w 6400800"/>
+              <a:gd name="connsiteY2" fmla="*/ 0 h 236160"/>
+              <a:gd name="connsiteX3" fmla="*/ 6400800 w 6400800"/>
+              <a:gd name="connsiteY3" fmla="*/ 39361 h 236160"/>
+              <a:gd name="connsiteX4" fmla="*/ 6400800 w 6400800"/>
+              <a:gd name="connsiteY4" fmla="*/ 196799 h 236160"/>
+              <a:gd name="connsiteX5" fmla="*/ 6361439 w 6400800"/>
+              <a:gd name="connsiteY5" fmla="*/ 236160 h 236160"/>
+              <a:gd name="connsiteX6" fmla="*/ 39361 w 6400800"/>
+              <a:gd name="connsiteY6" fmla="*/ 236160 h 236160"/>
+              <a:gd name="connsiteX7" fmla="*/ 0 w 6400800"/>
+              <a:gd name="connsiteY7" fmla="*/ 196799 h 236160"/>
+              <a:gd name="connsiteX8" fmla="*/ 0 w 6400800"/>
+              <a:gd name="connsiteY8" fmla="*/ 39361 h 236160"/>
+            </a:gdLst>
+            <a:ahLst/>
+            <a:cxnLst>
+              <a:cxn ang="0">
+                <a:pos x="connsiteX0" y="connsiteY0"/>
+              </a:cxn>
+              <a:cxn ang="0">
+                <a:pos x="connsiteX1" y="connsiteY1"/>
+              </a:cxn>
+              <a:cxn ang="0">
+                <a:pos x="connsiteX2" y="connsiteY2"/>
+              </a:cxn>
+              <a:cxn ang="0">
+                <a:pos x="connsiteX3" y="connsiteY3"/>
+              </a:cxn>
+              <a:cxn ang="0">
+                <a:pos x="connsiteX4" y="connsiteY4"/>
+              </a:cxn>
+              <a:cxn ang="0">
+                <a:pos x="connsiteX5" y="connsiteY5"/>
+              </a:cxn>
+              <a:cxn ang="0">
+                <a:pos x="connsiteX6" y="connsiteY6"/>
+              </a:cxn>
+              <a:cxn ang="0">
+                <a:pos x="connsiteX7" y="connsiteY7"/>
+              </a:cxn>
+              <a:cxn ang="0">
+                <a:pos x="connsiteX8" y="connsiteY8"/>
+              </a:cxn>
+            </a:cxnLst>
+            <a:rect l="l" t="t" r="r" b="b"/>
+            <a:pathLst>
+              <a:path w="6400800" h="236160">
+                <a:moveTo>
+                  <a:pt x="0" y="39361"/>
+                </a:moveTo>
+                <a:cubicBezTo>
+                  <a:pt x="0" y="17623"/>
+                  <a:pt x="17623" y="0"/>
+                  <a:pt x="39361" y="0"/>
+                </a:cubicBezTo>
+                <a:lnTo>
+                  <a:pt x="6361439" y="0"/>
+                </a:lnTo>
+                <a:cubicBezTo>
+                  <a:pt x="6383177" y="0"/>
+                  <a:pt x="6400800" y="17623"/>
+                  <a:pt x="6400800" y="39361"/>
+                </a:cubicBezTo>
+                <a:lnTo>
+                  <a:pt x="6400800" y="196799"/>
+                </a:lnTo>
+                <a:cubicBezTo>
+                  <a:pt x="6400800" y="218537"/>
+                  <a:pt x="6383177" y="236160"/>
+                  <a:pt x="6361439" y="236160"/>
+                </a:cubicBezTo>
+                <a:lnTo>
+                  <a:pt x="39361" y="236160"/>
+                </a:lnTo>
+                <a:cubicBezTo>
+                  <a:pt x="17623" y="236160"/>
+                  <a:pt x="0" y="218537"/>
+                  <a:pt x="0" y="196799"/>
+                </a:cubicBezTo>
+                <a:lnTo>
+                  <a:pt x="0" y="39361"/>
+                </a:lnTo>
+                <a:close/>
+              </a:path>
+            </a:pathLst>
+          </a:custGeom>
+          <a:solidFill>
+            <a:schemeClr val="accent1">
+              <a:lumMod val="50000"/>
+            </a:schemeClr>
+          </a:solidFill>
+        </p:spPr>
+        <p:style>
+          <a:lnRef idx="2">
+            <a:schemeClr val="lt1">
+              <a:hueOff val="0"/>
+              <a:satOff val="0"/>
+              <a:lumOff val="0"/>
+              <a:alphaOff val="0"/>
+            </a:schemeClr>
+          </a:lnRef>
+          <a:fillRef idx="1">
+            <a:schemeClr val="accent1">
+              <a:hueOff val="0"/>
+              <a:satOff val="0"/>
+              <a:lumOff val="0"/>
+              <a:alphaOff val="0"/>
+            </a:schemeClr>
+          </a:fillRef>
+          <a:effectRef idx="0">
+            <a:schemeClr val="accent1">
+              <a:hueOff val="0"/>
+              <a:satOff val="0"/>
+              <a:lumOff val="0"/>
+              <a:alphaOff val="0"/>
+            </a:schemeClr>
+          </a:effectRef>
+          <a:fontRef idx="minor">
+            <a:schemeClr val="lt1"/>
+          </a:fontRef>
+        </p:style>
+        <p:txBody>
+          <a:bodyPr spcFirstLastPara="0" vert="horz" wrap="square" lIns="253463" tIns="11528" rIns="253463" bIns="11528" numCol="1" spcCol="1270" anchor="ctr" anchorCtr="0">
+            <a:noAutofit/>
+          </a:bodyPr>
+          <a:lstStyle/>
+          <a:p>
+            <a:pPr marL="0" lvl="0" indent="0" algn="l" defTabSz="355600">
+              <a:lnSpc>
+                <a:spcPct val="90000"/>
+              </a:lnSpc>
+              <a:spcBef>
+                <a:spcPct val="0"/>
+              </a:spcBef>
+              <a:spcAft>
+                <a:spcPct val="35000"/>
+              </a:spcAft>
+              <a:buNone/>
+            </a:pPr>
+            <a:r>
+              <a:rPr lang="en-CM" sz="800" kern="1200" dirty="0"/>
+              <a:t>of the problem: Fitting thousands of 3D datasets daily with a zero-failure rate </a:t>
+            </a:r>
+          </a:p>
+        </p:txBody>
+      </p:sp>
+      <p:sp>
+        <p:nvSpPr>
+          <p:cNvPr id="14" name="Freeform: Shape 13">
+            <a:extLst>
+              <a:ext uri="{FF2B5EF4-FFF2-40B4-BE49-F238E27FC236}">
+                <a16:creationId xmlns:a16="http://schemas.microsoft.com/office/drawing/2014/main" id="{87A0E13B-712C-4D62-9286-19E21495445F}"/>
+              </a:ext>
+            </a:extLst>
+          </p:cNvPr>
+          <p:cNvSpPr/>
+          <p:nvPr/>
+        </p:nvSpPr>
+        <p:spPr>
+          <a:xfrm>
+            <a:off x="2999295" y="5555030"/>
+            <a:ext cx="6400800" cy="643769"/>
+          </a:xfrm>
+          <a:custGeom>
+            <a:avLst/>
+            <a:gdLst>
+              <a:gd name="connsiteX0" fmla="*/ 0 w 6400800"/>
+              <a:gd name="connsiteY0" fmla="*/ 39361 h 236160"/>
+              <a:gd name="connsiteX1" fmla="*/ 39361 w 6400800"/>
+              <a:gd name="connsiteY1" fmla="*/ 0 h 236160"/>
+              <a:gd name="connsiteX2" fmla="*/ 6361439 w 6400800"/>
+              <a:gd name="connsiteY2" fmla="*/ 0 h 236160"/>
+              <a:gd name="connsiteX3" fmla="*/ 6400800 w 6400800"/>
+              <a:gd name="connsiteY3" fmla="*/ 39361 h 236160"/>
+              <a:gd name="connsiteX4" fmla="*/ 6400800 w 6400800"/>
+              <a:gd name="connsiteY4" fmla="*/ 196799 h 236160"/>
+              <a:gd name="connsiteX5" fmla="*/ 6361439 w 6400800"/>
+              <a:gd name="connsiteY5" fmla="*/ 236160 h 236160"/>
+              <a:gd name="connsiteX6" fmla="*/ 39361 w 6400800"/>
+              <a:gd name="connsiteY6" fmla="*/ 236160 h 236160"/>
+              <a:gd name="connsiteX7" fmla="*/ 0 w 6400800"/>
+              <a:gd name="connsiteY7" fmla="*/ 196799 h 236160"/>
+              <a:gd name="connsiteX8" fmla="*/ 0 w 6400800"/>
+              <a:gd name="connsiteY8" fmla="*/ 39361 h 236160"/>
+            </a:gdLst>
+            <a:ahLst/>
+            <a:cxnLst>
+              <a:cxn ang="0">
+                <a:pos x="connsiteX0" y="connsiteY0"/>
+              </a:cxn>
+              <a:cxn ang="0">
+                <a:pos x="connsiteX1" y="connsiteY1"/>
+              </a:cxn>
+              <a:cxn ang="0">
+                <a:pos x="connsiteX2" y="connsiteY2"/>
+              </a:cxn>
+              <a:cxn ang="0">
+                <a:pos x="connsiteX3" y="connsiteY3"/>
+              </a:cxn>
+              <a:cxn ang="0">
+                <a:pos x="connsiteX4" y="connsiteY4"/>
+              </a:cxn>
+              <a:cxn ang="0">
+                <a:pos x="connsiteX5" y="connsiteY5"/>
+              </a:cxn>
+              <a:cxn ang="0">
+                <a:pos x="connsiteX6" y="connsiteY6"/>
+              </a:cxn>
+              <a:cxn ang="0">
+                <a:pos x="connsiteX7" y="connsiteY7"/>
+              </a:cxn>
+              <a:cxn ang="0">
+                <a:pos x="connsiteX8" y="connsiteY8"/>
+              </a:cxn>
+            </a:cxnLst>
+            <a:rect l="l" t="t" r="r" b="b"/>
+            <a:pathLst>
+              <a:path w="6400800" h="236160">
+                <a:moveTo>
+                  <a:pt x="0" y="39361"/>
+                </a:moveTo>
+                <a:cubicBezTo>
+                  <a:pt x="0" y="17623"/>
+                  <a:pt x="17623" y="0"/>
+                  <a:pt x="39361" y="0"/>
+                </a:cubicBezTo>
+                <a:lnTo>
+                  <a:pt x="6361439" y="0"/>
+                </a:lnTo>
+                <a:cubicBezTo>
+                  <a:pt x="6383177" y="0"/>
+                  <a:pt x="6400800" y="17623"/>
+                  <a:pt x="6400800" y="39361"/>
+                </a:cubicBezTo>
+                <a:lnTo>
+                  <a:pt x="6400800" y="196799"/>
+                </a:lnTo>
+                <a:cubicBezTo>
+                  <a:pt x="6400800" y="218537"/>
+                  <a:pt x="6383177" y="236160"/>
+                  <a:pt x="6361439" y="236160"/>
+                </a:cubicBezTo>
+                <a:lnTo>
+                  <a:pt x="39361" y="236160"/>
+                </a:lnTo>
+                <a:cubicBezTo>
+                  <a:pt x="17623" y="236160"/>
+                  <a:pt x="0" y="218537"/>
+                  <a:pt x="0" y="196799"/>
+                </a:cubicBezTo>
+                <a:lnTo>
+                  <a:pt x="0" y="39361"/>
+                </a:lnTo>
+                <a:close/>
+              </a:path>
+            </a:pathLst>
+          </a:custGeom>
+          <a:solidFill>
+            <a:schemeClr val="accent1">
+              <a:lumMod val="50000"/>
+            </a:schemeClr>
+          </a:solidFill>
+        </p:spPr>
+        <p:style>
+          <a:lnRef idx="2">
+            <a:schemeClr val="lt1">
+              <a:hueOff val="0"/>
+              <a:satOff val="0"/>
+              <a:lumOff val="0"/>
+              <a:alphaOff val="0"/>
+            </a:schemeClr>
+          </a:lnRef>
+          <a:fillRef idx="1">
+            <a:schemeClr val="accent1">
+              <a:hueOff val="0"/>
+              <a:satOff val="0"/>
+              <a:lumOff val="0"/>
+              <a:alphaOff val="0"/>
+            </a:schemeClr>
+          </a:fillRef>
+          <a:effectRef idx="0">
+            <a:schemeClr val="accent1">
+              <a:hueOff val="0"/>
+              <a:satOff val="0"/>
+              <a:lumOff val="0"/>
+              <a:alphaOff val="0"/>
+            </a:schemeClr>
+          </a:effectRef>
+          <a:fontRef idx="minor">
+            <a:schemeClr val="lt1"/>
+          </a:fontRef>
+        </p:style>
+        <p:txBody>
+          <a:bodyPr spcFirstLastPara="0" vert="horz" wrap="square" lIns="253463" tIns="11528" rIns="253463" bIns="11528" numCol="1" spcCol="1270" anchor="ctr" anchorCtr="0">
+            <a:noAutofit/>
+          </a:bodyPr>
+          <a:lstStyle/>
+          <a:p>
+            <a:pPr marL="0" lvl="0" indent="0" algn="l" defTabSz="355600">
+              <a:lnSpc>
+                <a:spcPct val="90000"/>
+              </a:lnSpc>
+              <a:spcBef>
+                <a:spcPct val="0"/>
+              </a:spcBef>
+              <a:spcAft>
+                <a:spcPct val="35000"/>
+              </a:spcAft>
+              <a:buNone/>
+            </a:pPr>
+            <a:r>
+              <a:rPr lang="en-CM" sz="800" kern="1200"/>
+              <a:t>Data characteristics: Cartesian coordinates (x, y) and corresponding function output (z), with noise and uncertainty in all dimensions </a:t>
+            </a:r>
+          </a:p>
+        </p:txBody>
+      </p:sp>
+      <p:sp>
+        <p:nvSpPr>
+          <p:cNvPr id="4" name="Rectangle 1">
+            <a:extLst>
+              <a:ext uri="{FF2B5EF4-FFF2-40B4-BE49-F238E27FC236}">
+                <a16:creationId xmlns:a16="http://schemas.microsoft.com/office/drawing/2014/main" id="{24796DD9-53D9-4D0B-B184-5ACBEAD62BEB}"/>
               </a:ext>
             </a:extLst>
           </p:cNvPr>
           <p:cNvSpPr>
-            <a:spLocks noGrp="1"/>
+            <a:spLocks noChangeArrowheads="1"/>
           </p:cNvSpPr>
+          <p:nvPr/>
+        </p:nvSpPr>
+        <p:spPr bwMode="auto">
+          <a:xfrm>
+            <a:off x="0" y="90100"/>
+            <a:ext cx="65" cy="276999"/>
+          </a:xfrm>
+          <a:prstGeom prst="rect">
+            <a:avLst/>
+          </a:prstGeom>
+          <a:solidFill>
+            <a:srgbClr val="2B2B2B"/>
+          </a:solidFill>
+          <a:ln>
+            <a:noFill/>
+          </a:ln>
+          <a:effectLst/>
+          <a:extLst>
+            <a:ext uri="{91240B29-F687-4F45-9708-019B960494DF}">
+              <a14:hiddenLine xmlns:a14="http://schemas.microsoft.com/office/drawing/2010/main" w="9525">
+                <a:solidFill>
+                  <a:schemeClr val="tx1"/>
+                </a:solidFill>
+                <a:miter lim="800000"/>
+                <a:headEnd/>
+                <a:tailEnd/>
+              </a14:hiddenLine>
+            </a:ext>
+            <a:ext uri="{AF507438-7753-43E0-B8FC-AC1667EBCBE1}">
+              <a14:hiddenEffects xmlns:a14="http://schemas.microsoft.com/office/drawing/2010/main">
+                <a:effectLst>
+                  <a:outerShdw dist="35921" dir="2700000" algn="ctr" rotWithShape="0">
+                    <a:schemeClr val="bg2"/>
+                  </a:outerShdw>
+                </a:effectLst>
+              </a14:hiddenEffects>
+            </a:ext>
+          </a:extLst>
+        </p:spPr>
+        <p:txBody>
+          <a:bodyPr vert="horz" wrap="none" lIns="0" tIns="0" rIns="0" bIns="0" numCol="1" anchor="ctr" anchorCtr="0" compatLnSpc="1">
+            <a:prstTxWarp prst="textNoShape">
+              <a:avLst/>
+            </a:prstTxWarp>
+            <a:spAutoFit/>
+          </a:bodyPr>
+          <a:lstStyle/>
+          <a:p>
+            <a:pPr marL="0" marR="0" lvl="0" indent="0" algn="l" defTabSz="914400" rtl="0" eaLnBrk="0" fontAlgn="base" latinLnBrk="0" hangingPunct="0">
+              <a:lnSpc>
+                <a:spcPct val="100000"/>
+              </a:lnSpc>
+              <a:spcBef>
+                <a:spcPct val="0"/>
+              </a:spcBef>
+              <a:spcAft>
+                <a:spcPct val="0"/>
+              </a:spcAft>
+              <a:buClrTx/>
+              <a:buSzTx/>
+              <a:buFontTx/>
+              <a:buNone/>
+              <a:tabLst/>
+            </a:pPr>
+            <a:endParaRPr kumimoji="0" lang="en-CM" altLang="en-CM" sz="1800" b="0" i="0" u="none" strike="noStrike" cap="none" normalizeH="0" baseline="0" dirty="0">
+              <a:ln>
+                <a:noFill/>
+              </a:ln>
+              <a:solidFill>
+                <a:schemeClr val="tx1"/>
+              </a:solidFill>
+              <a:effectLst/>
+              <a:latin typeface="Arial" panose="020B0604020202020204" pitchFamily="34" charset="0"/>
+            </a:endParaRPr>
+          </a:p>
+        </p:txBody>
+      </p:sp>
+    </p:spTree>
+    <p:extLst>
+      <p:ext uri="{BB962C8B-B14F-4D97-AF65-F5344CB8AC3E}">
+        <p14:creationId xmlns:p14="http://schemas.microsoft.com/office/powerpoint/2010/main" val="1875250536"/>
+      </p:ext>
+    </p:extLst>
+  </p:cSld>
+  <p:clrMapOvr>
+    <a:masterClrMapping/>
+  </p:clrMapOvr>
+  <mc:AlternateContent xmlns:mc="http://schemas.openxmlformats.org/markup-compatibility/2006">
+    <mc:Choice xmlns:p14="http://schemas.microsoft.com/office/powerpoint/2010/main" Requires="p14">
+      <p:transition spd="slow" p14:dur="800">
+        <p:circle/>
+      </p:transition>
+    </mc:Choice>
+    <mc:Fallback>
+      <p:transition spd="slow">
+        <p:circle/>
+      </p:transition>
+    </mc:Fallback>
+  </mc:AlternateContent>
+</p:sld>
+</file>
+
+<file path=ppt/slides/slide3.xml><?xml version="1.0" encoding="utf-8"?>
+<p:sld xmlns:a="http://schemas.openxmlformats.org/drawingml/2006/main" xmlns:r="http://schemas.openxmlformats.org/officeDocument/2006/relationships" xmlns:p="http://schemas.openxmlformats.org/presentationml/2006/main">
+  <p:cSld>
+    <p:spTree>
+      <p:nvGrpSpPr>
+        <p:cNvPr id="1" name=""/>
+        <p:cNvGrpSpPr/>
+        <p:nvPr/>
+      </p:nvGrpSpPr>
+      <p:grpSpPr>
+        <a:xfrm>
+          <a:off x="0" y="0"/>
+          <a:ext cx="0" cy="0"/>
+          <a:chOff x="0" y="0"/>
+          <a:chExt cx="0" cy="0"/>
+        </a:xfrm>
+      </p:grpSpPr>
+      <p:graphicFrame>
+        <p:nvGraphicFramePr>
+          <p:cNvPr id="4" name="Diagram 3">
+            <a:extLst>
+              <a:ext uri="{FF2B5EF4-FFF2-40B4-BE49-F238E27FC236}">
+                <a16:creationId xmlns:a16="http://schemas.microsoft.com/office/drawing/2014/main" id="{680BB809-10B6-4BD1-80EA-5A542170581F}"/>
+              </a:ext>
+            </a:extLst>
+          </p:cNvPr>
+          <p:cNvGraphicFramePr/>
+          <p:nvPr/>
+        </p:nvGraphicFramePr>
+        <p:xfrm>
+          <a:off x="838200" y="327418"/>
+          <a:ext cx="10515600" cy="1325563"/>
+        </p:xfrm>
+        <a:graphic>
+          <a:graphicData uri="http://schemas.openxmlformats.org/drawingml/2006/diagram">
+            <dgm:relIds xmlns:dgm="http://schemas.openxmlformats.org/drawingml/2006/diagram" xmlns:r="http://schemas.openxmlformats.org/officeDocument/2006/relationships" r:dm="rId2" r:lo="rId3" r:qs="rId4" r:cs="rId5"/>
+          </a:graphicData>
+        </a:graphic>
+      </p:graphicFrame>
+      <p:graphicFrame>
+        <p:nvGraphicFramePr>
+          <p:cNvPr id="5" name="Content Placeholder 4">
+            <a:extLst>
+              <a:ext uri="{FF2B5EF4-FFF2-40B4-BE49-F238E27FC236}">
+                <a16:creationId xmlns:a16="http://schemas.microsoft.com/office/drawing/2014/main" id="{109DF4FF-C143-48C8-8E2C-ACD2EB1C250D}"/>
+              </a:ext>
+            </a:extLst>
+          </p:cNvPr>
+          <p:cNvGraphicFramePr>
+            <a:graphicFrameLocks noGrp="1"/>
+          </p:cNvGraphicFramePr>
           <p:nvPr>
             <p:ph idx="1"/>
+            <p:extLst>
+              <p:ext uri="{D42A27DB-BD31-4B8C-83A1-F6EECF244321}">
+                <p14:modId xmlns:p14="http://schemas.microsoft.com/office/powerpoint/2010/main" val="1456482008"/>
+              </p:ext>
+            </p:extLst>
           </p:nvPr>
-        </p:nvSpPr>
-        <p:spPr>
-          <a:xfrm>
-            <a:off x="998456" y="2164990"/>
-            <a:ext cx="10515600" cy="4259377"/>
-          </a:xfrm>
-        </p:spPr>
-        <p:txBody>
-          <a:bodyPr/>
-          <a:lstStyle/>
-          <a:p>
-            <a:pPr latinLnBrk="1"/>
-            <a:r>
-              <a:rPr lang="en-CM" dirty="0"/>
-              <a:t> Load 3D datasets from the specified data path</a:t>
-            </a:r>
-            <a:endParaRPr lang="en-US" dirty="0"/>
-          </a:p>
-          <a:p>
-            <a:pPr latinLnBrk="1"/>
-            <a:endParaRPr lang="en-CM" dirty="0"/>
-          </a:p>
-          <a:p>
-            <a:pPr latinLnBrk="1"/>
-            <a:r>
-              <a:rPr lang="en-CM" dirty="0"/>
-              <a:t>Inspect and visualize the data to understand the noise and</a:t>
-            </a:r>
-            <a:endParaRPr lang="en-US" dirty="0"/>
-          </a:p>
-          <a:p>
-            <a:pPr marL="0" indent="0" latinLnBrk="1">
-              <a:buNone/>
-            </a:pPr>
-            <a:r>
-              <a:rPr lang="en-CM" dirty="0"/>
-              <a:t> uncertain</a:t>
-            </a:r>
-            <a:r>
-              <a:rPr lang="en-US" dirty="0"/>
-              <a:t>t</a:t>
-            </a:r>
-            <a:r>
-              <a:rPr lang="en-CM" dirty="0"/>
-              <a:t>y characteristics</a:t>
-            </a:r>
-            <a:endParaRPr lang="en-US" dirty="0"/>
-          </a:p>
-          <a:p>
-            <a:pPr marL="0" indent="0" latinLnBrk="1">
-              <a:buNone/>
-            </a:pPr>
-            <a:endParaRPr lang="en-CM" dirty="0"/>
-          </a:p>
-          <a:p>
-            <a:pPr latinLnBrk="1"/>
-            <a:r>
-              <a:rPr lang="en-CM" dirty="0"/>
-              <a:t>Identify and handle any outliers or invalid data points</a:t>
-            </a:r>
-            <a:endParaRPr lang="en-US" dirty="0"/>
-          </a:p>
-          <a:p>
-            <a:pPr marL="0" indent="0" latinLnBrk="1">
-              <a:buNone/>
-            </a:pPr>
-            <a:endParaRPr lang="en-CM" dirty="0"/>
-          </a:p>
-          <a:p>
-            <a:r>
-              <a:rPr lang="en-CM" dirty="0"/>
-              <a:t>Scale the data to appropriate units</a:t>
-            </a:r>
-          </a:p>
-          <a:p>
-            <a:endParaRPr lang="en-CM" dirty="0"/>
-          </a:p>
-        </p:txBody>
-      </p:sp>
+        </p:nvGraphicFramePr>
+        <p:xfrm>
+          <a:off x="998456" y="2164990"/>
+          <a:ext cx="10515600" cy="4259377"/>
+        </p:xfrm>
+        <a:graphic>
+          <a:graphicData uri="http://schemas.openxmlformats.org/drawingml/2006/diagram">
+            <dgm:relIds xmlns:dgm="http://schemas.openxmlformats.org/drawingml/2006/diagram" xmlns:r="http://schemas.openxmlformats.org/officeDocument/2006/relationships" r:dm="rId7" r:lo="rId8" r:qs="rId9" r:cs="rId10"/>
+          </a:graphicData>
+        </a:graphic>
+      </p:graphicFrame>
     </p:spTree>
     <p:extLst>
       <p:ext uri="{BB962C8B-B14F-4D97-AF65-F5344CB8AC3E}">
@@ -3717,7 +9283,7 @@
 </p:sld>
 </file>
 
-<file path=ppt/slides/slide3.xml><?xml version="1.0" encoding="utf-8"?>
+<file path=ppt/slides/slide4.xml><?xml version="1.0" encoding="utf-8"?>
 <p:sld xmlns:a="http://schemas.openxmlformats.org/drawingml/2006/main" xmlns:r="http://schemas.openxmlformats.org/officeDocument/2006/relationships" xmlns:p="http://schemas.openxmlformats.org/presentationml/2006/main">
   <p:cSld>
     <p:spTree>
@@ -3897,7 +9463,7 @@
 </p:sld>
 </file>
 
-<file path=ppt/slides/slide4.xml><?xml version="1.0" encoding="utf-8"?>
+<file path=ppt/slides/slide5.xml><?xml version="1.0" encoding="utf-8"?>
 <p:sld xmlns:a="http://schemas.openxmlformats.org/drawingml/2006/main" xmlns:r="http://schemas.openxmlformats.org/officeDocument/2006/relationships" xmlns:p="http://schemas.openxmlformats.org/presentationml/2006/main">
   <p:cSld>
     <p:spTree>
@@ -4033,7 +9599,7 @@
 </p:sld>
 </file>
 
-<file path=ppt/slides/slide5.xml><?xml version="1.0" encoding="utf-8"?>
+<file path=ppt/slides/slide6.xml><?xml version="1.0" encoding="utf-8"?>
 <p:sld xmlns:a="http://schemas.openxmlformats.org/drawingml/2006/main" xmlns:r="http://schemas.openxmlformats.org/officeDocument/2006/relationships" xmlns:p="http://schemas.openxmlformats.org/presentationml/2006/main">
   <p:cSld>
     <p:spTree>
@@ -4200,7 +9766,7 @@
 </p:sld>
 </file>
 
-<file path=ppt/slides/slide6.xml><?xml version="1.0" encoding="utf-8"?>
+<file path=ppt/slides/slide7.xml><?xml version="1.0" encoding="utf-8"?>
 <p:sld xmlns:a="http://schemas.openxmlformats.org/drawingml/2006/main" xmlns:r="http://schemas.openxmlformats.org/officeDocument/2006/relationships" xmlns:p="http://schemas.openxmlformats.org/presentationml/2006/main">
   <p:cSld>
     <p:spTree>
@@ -4333,7 +9899,7 @@
 </p:sld>
 </file>
 
-<file path=ppt/slides/slide7.xml><?xml version="1.0" encoding="utf-8"?>
+<file path=ppt/slides/slide8.xml><?xml version="1.0" encoding="utf-8"?>
 <p:sld xmlns:a="http://schemas.openxmlformats.org/drawingml/2006/main" xmlns:r="http://schemas.openxmlformats.org/officeDocument/2006/relationships" xmlns:p="http://schemas.openxmlformats.org/presentationml/2006/main">
   <p:cSld>
     <p:spTree>
